--- a/input/your_presentation.pptx
+++ b/input/your_presentation.pptx
@@ -261,7 +261,7 @@
           <a:p>
             <a:fld id="{08F99DAB-680D-45F3-A863-3C18544ECDEF}" type="datetimeFigureOut">
               <a:rPr lang="hu-HU" smtClean="0"/>
-              <a:t>2023. 09. 18.</a:t>
+              <a:t>2023. 09. 21.</a:t>
             </a:fld>
             <a:endParaRPr lang="hu-HU"/>
           </a:p>
@@ -459,7 +459,7 @@
           <a:p>
             <a:fld id="{08F99DAB-680D-45F3-A863-3C18544ECDEF}" type="datetimeFigureOut">
               <a:rPr lang="hu-HU" smtClean="0"/>
-              <a:t>2023. 09. 18.</a:t>
+              <a:t>2023. 09. 21.</a:t>
             </a:fld>
             <a:endParaRPr lang="hu-HU"/>
           </a:p>
@@ -667,7 +667,7 @@
           <a:p>
             <a:fld id="{08F99DAB-680D-45F3-A863-3C18544ECDEF}" type="datetimeFigureOut">
               <a:rPr lang="hu-HU" smtClean="0"/>
-              <a:t>2023. 09. 18.</a:t>
+              <a:t>2023. 09. 21.</a:t>
             </a:fld>
             <a:endParaRPr lang="hu-HU"/>
           </a:p>
@@ -865,7 +865,7 @@
           <a:p>
             <a:fld id="{08F99DAB-680D-45F3-A863-3C18544ECDEF}" type="datetimeFigureOut">
               <a:rPr lang="hu-HU" smtClean="0"/>
-              <a:t>2023. 09. 18.</a:t>
+              <a:t>2023. 09. 21.</a:t>
             </a:fld>
             <a:endParaRPr lang="hu-HU"/>
           </a:p>
@@ -1140,7 +1140,7 @@
           <a:p>
             <a:fld id="{08F99DAB-680D-45F3-A863-3C18544ECDEF}" type="datetimeFigureOut">
               <a:rPr lang="hu-HU" smtClean="0"/>
-              <a:t>2023. 09. 18.</a:t>
+              <a:t>2023. 09. 21.</a:t>
             </a:fld>
             <a:endParaRPr lang="hu-HU"/>
           </a:p>
@@ -1405,7 +1405,7 @@
           <a:p>
             <a:fld id="{08F99DAB-680D-45F3-A863-3C18544ECDEF}" type="datetimeFigureOut">
               <a:rPr lang="hu-HU" smtClean="0"/>
-              <a:t>2023. 09. 18.</a:t>
+              <a:t>2023. 09. 21.</a:t>
             </a:fld>
             <a:endParaRPr lang="hu-HU"/>
           </a:p>
@@ -1817,7 +1817,7 @@
           <a:p>
             <a:fld id="{08F99DAB-680D-45F3-A863-3C18544ECDEF}" type="datetimeFigureOut">
               <a:rPr lang="hu-HU" smtClean="0"/>
-              <a:t>2023. 09. 18.</a:t>
+              <a:t>2023. 09. 21.</a:t>
             </a:fld>
             <a:endParaRPr lang="hu-HU"/>
           </a:p>
@@ -1958,7 +1958,7 @@
           <a:p>
             <a:fld id="{08F99DAB-680D-45F3-A863-3C18544ECDEF}" type="datetimeFigureOut">
               <a:rPr lang="hu-HU" smtClean="0"/>
-              <a:t>2023. 09. 18.</a:t>
+              <a:t>2023. 09. 21.</a:t>
             </a:fld>
             <a:endParaRPr lang="hu-HU"/>
           </a:p>
@@ -2071,7 +2071,7 @@
           <a:p>
             <a:fld id="{08F99DAB-680D-45F3-A863-3C18544ECDEF}" type="datetimeFigureOut">
               <a:rPr lang="hu-HU" smtClean="0"/>
-              <a:t>2023. 09. 18.</a:t>
+              <a:t>2023. 09. 21.</a:t>
             </a:fld>
             <a:endParaRPr lang="hu-HU"/>
           </a:p>
@@ -2382,7 +2382,7 @@
           <a:p>
             <a:fld id="{08F99DAB-680D-45F3-A863-3C18544ECDEF}" type="datetimeFigureOut">
               <a:rPr lang="hu-HU" smtClean="0"/>
-              <a:t>2023. 09. 18.</a:t>
+              <a:t>2023. 09. 21.</a:t>
             </a:fld>
             <a:endParaRPr lang="hu-HU"/>
           </a:p>
@@ -2670,7 +2670,7 @@
           <a:p>
             <a:fld id="{08F99DAB-680D-45F3-A863-3C18544ECDEF}" type="datetimeFigureOut">
               <a:rPr lang="hu-HU" smtClean="0"/>
-              <a:t>2023. 09. 18.</a:t>
+              <a:t>2023. 09. 21.</a:t>
             </a:fld>
             <a:endParaRPr lang="hu-HU"/>
           </a:p>
@@ -2911,7 +2911,7 @@
           <a:p>
             <a:fld id="{08F99DAB-680D-45F3-A863-3C18544ECDEF}" type="datetimeFigureOut">
               <a:rPr lang="hu-HU" smtClean="0"/>
-              <a:t>2023. 09. 18.</a:t>
+              <a:t>2023. 09. 21.</a:t>
             </a:fld>
             <a:endParaRPr lang="hu-HU"/>
           </a:p>
@@ -3389,27 +3389,7 @@
                 <a:effectLst/>
                 <a:latin typeface="Consolas" panose="020B0609020204030204" pitchFamily="49" charset="0"/>
               </a:rPr>
-              <a:t>&lt;</a:t>
-            </a:r>
-            <a:r>
-              <a:rPr lang="hu-HU" b="0" dirty="0" err="1">
-                <a:solidFill>
-                  <a:srgbClr val="CE9178"/>
-                </a:solidFill>
-                <a:effectLst/>
-                <a:latin typeface="Consolas" panose="020B0609020204030204" pitchFamily="49" charset="0"/>
-              </a:rPr>
-              <a:t>name</a:t>
-            </a:r>
-            <a:r>
-              <a:rPr lang="hu-HU" b="0" dirty="0">
-                <a:solidFill>
-                  <a:srgbClr val="CE9178"/>
-                </a:solidFill>
-                <a:effectLst/>
-                <a:latin typeface="Consolas" panose="020B0609020204030204" pitchFamily="49" charset="0"/>
-              </a:rPr>
-              <a:t>&gt;</a:t>
+              <a:t>adat1</a:t>
             </a:r>
             <a:endParaRPr lang="hu-HU" b="0" dirty="0">
               <a:solidFill>
@@ -3498,34 +3478,13 @@
           <a:lstStyle/>
           <a:p>
             <a:r>
-              <a:rPr lang="hu-HU" b="0" dirty="0">
+              <a:rPr lang="hu-HU" dirty="0">
                 <a:solidFill>
                   <a:srgbClr val="CE9178"/>
                 </a:solidFill>
-                <a:effectLst/>
                 <a:latin typeface="Consolas" panose="020B0609020204030204" pitchFamily="49" charset="0"/>
               </a:rPr>
-              <a:t>&lt;</a:t>
-            </a:r>
-            <a:r>
-              <a:rPr lang="hu-HU" b="0" dirty="0" err="1">
-                <a:solidFill>
-                  <a:srgbClr val="CE9178"/>
-                </a:solidFill>
-                <a:effectLst/>
-                <a:latin typeface="Consolas" panose="020B0609020204030204" pitchFamily="49" charset="0"/>
-              </a:rPr>
-              <a:t>age</a:t>
-            </a:r>
-            <a:r>
-              <a:rPr lang="hu-HU" b="0" dirty="0">
-                <a:solidFill>
-                  <a:srgbClr val="CE9178"/>
-                </a:solidFill>
-                <a:effectLst/>
-                <a:latin typeface="Consolas" panose="020B0609020204030204" pitchFamily="49" charset="0"/>
-              </a:rPr>
-              <a:t>&gt;</a:t>
+              <a:t>adat2</a:t>
             </a:r>
             <a:endParaRPr lang="hu-HU" b="0" dirty="0">
               <a:solidFill>
@@ -3632,25 +3591,21 @@
               <a:t>ipsum</a:t>
             </a:r>
             <a:r>
-              <a:rPr lang="hu-HU" dirty="0"/>
+              <a:rPr lang="hu-HU"/>
               <a:t> </a:t>
             </a:r>
             <a:r>
-              <a:rPr lang="hu-HU" b="0" dirty="0">
+              <a:rPr lang="hu-HU" b="0">
                 <a:solidFill>
                   <a:srgbClr val="CE9178"/>
                 </a:solidFill>
                 <a:effectLst/>
                 <a:latin typeface="Consolas" panose="020B0609020204030204" pitchFamily="49" charset="0"/>
               </a:rPr>
-              <a:t>&lt;city&gt;</a:t>
-            </a:r>
-            <a:r>
-              <a:rPr lang="hu-HU" dirty="0"/>
-              <a:t> </a:t>
-            </a:r>
-            <a:r>
-              <a:rPr lang="hu-HU" dirty="0" err="1"/>
+              <a:t>adat3 </a:t>
+            </a:r>
+            <a:r>
+              <a:rPr lang="hu-HU"/>
               <a:t>lorem</a:t>
             </a:r>
             <a:r>

--- a/input/your_presentation.pptx
+++ b/input/your_presentation.pptx
@@ -8,6 +8,12 @@
     <p:sldId id="256" r:id="rId2"/>
     <p:sldId id="257" r:id="rId3"/>
     <p:sldId id="258" r:id="rId4"/>
+    <p:sldId id="259" r:id="rId5"/>
+    <p:sldId id="261" r:id="rId6"/>
+    <p:sldId id="260" r:id="rId7"/>
+    <p:sldId id="262" r:id="rId8"/>
+    <p:sldId id="263" r:id="rId9"/>
+    <p:sldId id="265" r:id="rId10"/>
   </p:sldIdLst>
   <p:sldSz cx="12192000" cy="6858000"/>
   <p:notesSz cx="6858000" cy="9144000"/>
@@ -112,6 +118,5364 @@
     </p:ext>
   </p:extLst>
 </p:presentation>
+</file>
+
+<file path=ppt/charts/chart1.xml><?xml version="1.0" encoding="utf-8"?>
+<c:chartSpace xmlns:c="http://schemas.openxmlformats.org/drawingml/2006/chart" xmlns:a="http://schemas.openxmlformats.org/drawingml/2006/main" xmlns:r="http://schemas.openxmlformats.org/officeDocument/2006/relationships" xmlns:c16r2="http://schemas.microsoft.com/office/drawing/2015/06/chart">
+  <c:date1904 val="0"/>
+  <c:lang val="hu-HU"/>
+  <c:roundedCorners val="0"/>
+  <mc:AlternateContent xmlns:mc="http://schemas.openxmlformats.org/markup-compatibility/2006">
+    <mc:Choice xmlns:c14="http://schemas.microsoft.com/office/drawing/2007/8/2/chart" Requires="c14">
+      <c14:style val="102"/>
+    </mc:Choice>
+    <mc:Fallback>
+      <c:style val="2"/>
+    </mc:Fallback>
+  </mc:AlternateContent>
+  <c:chart>
+    <c:title>
+      <c:overlay val="0"/>
+      <c:spPr>
+        <a:noFill/>
+        <a:ln>
+          <a:noFill/>
+        </a:ln>
+        <a:effectLst/>
+      </c:spPr>
+      <c:txPr>
+        <a:bodyPr rot="0" spcFirstLastPara="1" vertOverflow="ellipsis" vert="horz" wrap="square" anchor="ctr" anchorCtr="1"/>
+        <a:lstStyle/>
+        <a:p>
+          <a:pPr>
+            <a:defRPr sz="1862" b="0" i="0" u="none" strike="noStrike" kern="1200" spc="0" baseline="0">
+              <a:solidFill>
+                <a:schemeClr val="tx1">
+                  <a:lumMod val="65000"/>
+                  <a:lumOff val="35000"/>
+                </a:schemeClr>
+              </a:solidFill>
+              <a:latin typeface="+mn-lt"/>
+              <a:ea typeface="+mn-ea"/>
+              <a:cs typeface="+mn-cs"/>
+            </a:defRPr>
+          </a:pPr>
+          <a:endParaRPr lang="hu-HU"/>
+        </a:p>
+      </c:txPr>
+    </c:title>
+    <c:autoTitleDeleted val="0"/>
+    <c:plotArea>
+      <c:layout/>
+      <c:barChart>
+        <c:barDir val="col"/>
+        <c:grouping val="clustered"/>
+        <c:varyColors val="0"/>
+        <c:ser>
+          <c:idx val="0"/>
+          <c:order val="0"/>
+          <c:tx>
+            <c:strRef>
+              <c:f>Munka1!$B$1</c:f>
+              <c:strCache>
+                <c:ptCount val="1"/>
+                <c:pt idx="0">
+                  <c:v>1. adatsor</c:v>
+                </c:pt>
+              </c:strCache>
+            </c:strRef>
+          </c:tx>
+          <c:spPr>
+            <a:solidFill>
+              <a:schemeClr val="accent1"/>
+            </a:solidFill>
+            <a:ln>
+              <a:noFill/>
+            </a:ln>
+            <a:effectLst/>
+          </c:spPr>
+          <c:invertIfNegative val="0"/>
+          <c:cat>
+            <c:strRef>
+              <c:f>Munka1!$A$2:$A$5</c:f>
+              <c:strCache>
+                <c:ptCount val="4"/>
+                <c:pt idx="0">
+                  <c:v>kat1</c:v>
+                </c:pt>
+                <c:pt idx="1">
+                  <c:v>kat2</c:v>
+                </c:pt>
+                <c:pt idx="2">
+                  <c:v>kat3</c:v>
+                </c:pt>
+                <c:pt idx="3">
+                  <c:v>kat4</c:v>
+                </c:pt>
+              </c:strCache>
+            </c:strRef>
+          </c:cat>
+          <c:val>
+            <c:numRef>
+              <c:f>Munka1!$B$2:$B$5</c:f>
+              <c:numCache>
+                <c:formatCode>General</c:formatCode>
+                <c:ptCount val="4"/>
+                <c:pt idx="0">
+                  <c:v>0</c:v>
+                </c:pt>
+                <c:pt idx="1">
+                  <c:v>0</c:v>
+                </c:pt>
+                <c:pt idx="2">
+                  <c:v>3.5</c:v>
+                </c:pt>
+                <c:pt idx="3">
+                  <c:v>4.5</c:v>
+                </c:pt>
+              </c:numCache>
+            </c:numRef>
+          </c:val>
+          <c:extLst>
+            <c:ext xmlns:c16="http://schemas.microsoft.com/office/drawing/2014/chart" uri="{C3380CC4-5D6E-409C-BE32-E72D297353CC}">
+              <c16:uniqueId val="{00000000-1321-4992-8E19-2556A362254A}"/>
+            </c:ext>
+          </c:extLst>
+        </c:ser>
+        <c:ser>
+          <c:idx val="1"/>
+          <c:order val="1"/>
+          <c:tx>
+            <c:strRef>
+              <c:f>Munka1!$C$1</c:f>
+              <c:strCache>
+                <c:ptCount val="1"/>
+                <c:pt idx="0">
+                  <c:v>2. adatsor</c:v>
+                </c:pt>
+              </c:strCache>
+            </c:strRef>
+          </c:tx>
+          <c:spPr>
+            <a:solidFill>
+              <a:schemeClr val="accent2"/>
+            </a:solidFill>
+            <a:ln>
+              <a:noFill/>
+            </a:ln>
+            <a:effectLst/>
+          </c:spPr>
+          <c:invertIfNegative val="0"/>
+          <c:cat>
+            <c:strRef>
+              <c:f>Munka1!$A$2:$A$5</c:f>
+              <c:strCache>
+                <c:ptCount val="4"/>
+                <c:pt idx="0">
+                  <c:v>kat1</c:v>
+                </c:pt>
+                <c:pt idx="1">
+                  <c:v>kat2</c:v>
+                </c:pt>
+                <c:pt idx="2">
+                  <c:v>kat3</c:v>
+                </c:pt>
+                <c:pt idx="3">
+                  <c:v>kat4</c:v>
+                </c:pt>
+              </c:strCache>
+            </c:strRef>
+          </c:cat>
+          <c:val>
+            <c:numRef>
+              <c:f>Munka1!$C$2:$C$5</c:f>
+              <c:numCache>
+                <c:formatCode>General</c:formatCode>
+                <c:ptCount val="4"/>
+                <c:pt idx="0">
+                  <c:v>2.4</c:v>
+                </c:pt>
+                <c:pt idx="1">
+                  <c:v>4.4000000000000004</c:v>
+                </c:pt>
+                <c:pt idx="2">
+                  <c:v>1.8</c:v>
+                </c:pt>
+                <c:pt idx="3">
+                  <c:v>2.8</c:v>
+                </c:pt>
+              </c:numCache>
+            </c:numRef>
+          </c:val>
+          <c:extLst>
+            <c:ext xmlns:c16="http://schemas.microsoft.com/office/drawing/2014/chart" uri="{C3380CC4-5D6E-409C-BE32-E72D297353CC}">
+              <c16:uniqueId val="{00000001-1321-4992-8E19-2556A362254A}"/>
+            </c:ext>
+          </c:extLst>
+        </c:ser>
+        <c:dLbls>
+          <c:showLegendKey val="0"/>
+          <c:showVal val="0"/>
+          <c:showCatName val="0"/>
+          <c:showSerName val="0"/>
+          <c:showPercent val="0"/>
+          <c:showBubbleSize val="0"/>
+        </c:dLbls>
+        <c:gapWidth val="219"/>
+        <c:overlap val="-27"/>
+        <c:axId val="1342539008"/>
+        <c:axId val="1377835568"/>
+      </c:barChart>
+      <c:catAx>
+        <c:axId val="1342539008"/>
+        <c:scaling>
+          <c:orientation val="minMax"/>
+        </c:scaling>
+        <c:delete val="0"/>
+        <c:axPos val="b"/>
+        <c:numFmt formatCode="General" sourceLinked="1"/>
+        <c:majorTickMark val="none"/>
+        <c:minorTickMark val="none"/>
+        <c:tickLblPos val="nextTo"/>
+        <c:spPr>
+          <a:noFill/>
+          <a:ln w="9525" cap="flat" cmpd="sng" algn="ctr">
+            <a:solidFill>
+              <a:schemeClr val="tx1">
+                <a:lumMod val="15000"/>
+                <a:lumOff val="85000"/>
+              </a:schemeClr>
+            </a:solidFill>
+            <a:round/>
+          </a:ln>
+          <a:effectLst/>
+        </c:spPr>
+        <c:txPr>
+          <a:bodyPr rot="-60000000" spcFirstLastPara="1" vertOverflow="ellipsis" vert="horz" wrap="square" anchor="ctr" anchorCtr="1"/>
+          <a:lstStyle/>
+          <a:p>
+            <a:pPr>
+              <a:defRPr sz="1197" b="0" i="0" u="none" strike="noStrike" kern="1200" baseline="0">
+                <a:solidFill>
+                  <a:schemeClr val="tx1">
+                    <a:lumMod val="65000"/>
+                    <a:lumOff val="35000"/>
+                  </a:schemeClr>
+                </a:solidFill>
+                <a:latin typeface="+mn-lt"/>
+                <a:ea typeface="+mn-ea"/>
+                <a:cs typeface="+mn-cs"/>
+              </a:defRPr>
+            </a:pPr>
+            <a:endParaRPr lang="hu-HU"/>
+          </a:p>
+        </c:txPr>
+        <c:crossAx val="1377835568"/>
+        <c:crosses val="autoZero"/>
+        <c:auto val="1"/>
+        <c:lblAlgn val="ctr"/>
+        <c:lblOffset val="100"/>
+        <c:noMultiLvlLbl val="0"/>
+      </c:catAx>
+      <c:valAx>
+        <c:axId val="1377835568"/>
+        <c:scaling>
+          <c:orientation val="minMax"/>
+        </c:scaling>
+        <c:delete val="0"/>
+        <c:axPos val="l"/>
+        <c:majorGridlines>
+          <c:spPr>
+            <a:ln w="9525" cap="flat" cmpd="sng" algn="ctr">
+              <a:solidFill>
+                <a:schemeClr val="tx1">
+                  <a:lumMod val="15000"/>
+                  <a:lumOff val="85000"/>
+                </a:schemeClr>
+              </a:solidFill>
+              <a:round/>
+            </a:ln>
+            <a:effectLst/>
+          </c:spPr>
+        </c:majorGridlines>
+        <c:numFmt formatCode="General" sourceLinked="1"/>
+        <c:majorTickMark val="none"/>
+        <c:minorTickMark val="none"/>
+        <c:tickLblPos val="nextTo"/>
+        <c:spPr>
+          <a:noFill/>
+          <a:ln>
+            <a:noFill/>
+          </a:ln>
+          <a:effectLst/>
+        </c:spPr>
+        <c:txPr>
+          <a:bodyPr rot="-60000000" spcFirstLastPara="1" vertOverflow="ellipsis" vert="horz" wrap="square" anchor="ctr" anchorCtr="1"/>
+          <a:lstStyle/>
+          <a:p>
+            <a:pPr>
+              <a:defRPr sz="1197" b="0" i="0" u="none" strike="noStrike" kern="1200" baseline="0">
+                <a:solidFill>
+                  <a:schemeClr val="tx1">
+                    <a:lumMod val="65000"/>
+                    <a:lumOff val="35000"/>
+                  </a:schemeClr>
+                </a:solidFill>
+                <a:latin typeface="+mn-lt"/>
+                <a:ea typeface="+mn-ea"/>
+                <a:cs typeface="+mn-cs"/>
+              </a:defRPr>
+            </a:pPr>
+            <a:endParaRPr lang="hu-HU"/>
+          </a:p>
+        </c:txPr>
+        <c:crossAx val="1342539008"/>
+        <c:crosses val="autoZero"/>
+        <c:crossBetween val="between"/>
+      </c:valAx>
+      <c:spPr>
+        <a:noFill/>
+        <a:ln>
+          <a:noFill/>
+        </a:ln>
+        <a:effectLst/>
+      </c:spPr>
+    </c:plotArea>
+    <c:legend>
+      <c:legendPos val="b"/>
+      <c:overlay val="0"/>
+      <c:spPr>
+        <a:noFill/>
+        <a:ln>
+          <a:noFill/>
+        </a:ln>
+        <a:effectLst/>
+      </c:spPr>
+      <c:txPr>
+        <a:bodyPr rot="0" spcFirstLastPara="1" vertOverflow="ellipsis" vert="horz" wrap="square" anchor="ctr" anchorCtr="1"/>
+        <a:lstStyle/>
+        <a:p>
+          <a:pPr>
+            <a:defRPr sz="1197" b="0" i="0" u="none" strike="noStrike" kern="1200" baseline="0">
+              <a:solidFill>
+                <a:schemeClr val="tx1">
+                  <a:lumMod val="65000"/>
+                  <a:lumOff val="35000"/>
+                </a:schemeClr>
+              </a:solidFill>
+              <a:latin typeface="+mn-lt"/>
+              <a:ea typeface="+mn-ea"/>
+              <a:cs typeface="+mn-cs"/>
+            </a:defRPr>
+          </a:pPr>
+          <a:endParaRPr lang="hu-HU"/>
+        </a:p>
+      </c:txPr>
+    </c:legend>
+    <c:plotVisOnly val="1"/>
+    <c:dispBlanksAs val="gap"/>
+    <c:extLst>
+      <c:ext xmlns:c16r3="http://schemas.microsoft.com/office/drawing/2017/03/chart" uri="{56B9EC1D-385E-4148-901F-78D8002777C0}">
+        <c16r3:dataDisplayOptions16>
+          <c16r3:dispNaAsBlank val="1"/>
+        </c16r3:dataDisplayOptions16>
+      </c:ext>
+    </c:extLst>
+    <c:showDLblsOverMax val="0"/>
+  </c:chart>
+  <c:spPr>
+    <a:noFill/>
+    <a:ln>
+      <a:noFill/>
+    </a:ln>
+    <a:effectLst/>
+  </c:spPr>
+  <c:txPr>
+    <a:bodyPr/>
+    <a:lstStyle/>
+    <a:p>
+      <a:pPr>
+        <a:defRPr/>
+      </a:pPr>
+      <a:endParaRPr lang="hu-HU"/>
+    </a:p>
+  </c:txPr>
+  <c:externalData r:id="rId3">
+    <c:autoUpdate val="0"/>
+  </c:externalData>
+</c:chartSpace>
+</file>
+
+<file path=ppt/charts/chart2.xml><?xml version="1.0" encoding="utf-8"?>
+<c:chartSpace xmlns:c="http://schemas.openxmlformats.org/drawingml/2006/chart" xmlns:a="http://schemas.openxmlformats.org/drawingml/2006/main" xmlns:r="http://schemas.openxmlformats.org/officeDocument/2006/relationships" xmlns:c16r2="http://schemas.microsoft.com/office/drawing/2015/06/chart">
+  <c:date1904 val="0"/>
+  <c:lang val="hu-HU"/>
+  <c:roundedCorners val="0"/>
+  <mc:AlternateContent xmlns:mc="http://schemas.openxmlformats.org/markup-compatibility/2006">
+    <mc:Choice xmlns:c14="http://schemas.microsoft.com/office/drawing/2007/8/2/chart" Requires="c14">
+      <c14:style val="102"/>
+    </mc:Choice>
+    <mc:Fallback>
+      <c:style val="2"/>
+    </mc:Fallback>
+  </mc:AlternateContent>
+  <c:chart>
+    <c:title>
+      <c:overlay val="0"/>
+      <c:spPr>
+        <a:noFill/>
+        <a:ln>
+          <a:noFill/>
+        </a:ln>
+        <a:effectLst/>
+      </c:spPr>
+      <c:txPr>
+        <a:bodyPr rot="0" spcFirstLastPara="1" vertOverflow="ellipsis" vert="horz" wrap="square" anchor="ctr" anchorCtr="1"/>
+        <a:lstStyle/>
+        <a:p>
+          <a:pPr>
+            <a:defRPr sz="1862" b="0" i="0" u="none" strike="noStrike" kern="1200" spc="0" baseline="0">
+              <a:solidFill>
+                <a:schemeClr val="tx1">
+                  <a:lumMod val="65000"/>
+                  <a:lumOff val="35000"/>
+                </a:schemeClr>
+              </a:solidFill>
+              <a:latin typeface="+mn-lt"/>
+              <a:ea typeface="+mn-ea"/>
+              <a:cs typeface="+mn-cs"/>
+            </a:defRPr>
+          </a:pPr>
+          <a:endParaRPr lang="hu-HU"/>
+        </a:p>
+      </c:txPr>
+    </c:title>
+    <c:autoTitleDeleted val="0"/>
+    <c:plotArea>
+      <c:layout/>
+      <c:lineChart>
+        <c:grouping val="standard"/>
+        <c:varyColors val="0"/>
+        <c:ser>
+          <c:idx val="0"/>
+          <c:order val="0"/>
+          <c:tx>
+            <c:strRef>
+              <c:f>Munka1!$B$1</c:f>
+              <c:strCache>
+                <c:ptCount val="1"/>
+                <c:pt idx="0">
+                  <c:v>1. adatsor</c:v>
+                </c:pt>
+              </c:strCache>
+            </c:strRef>
+          </c:tx>
+          <c:spPr>
+            <a:ln w="28575" cap="rnd">
+              <a:solidFill>
+                <a:schemeClr val="accent1"/>
+              </a:solidFill>
+              <a:round/>
+            </a:ln>
+            <a:effectLst/>
+          </c:spPr>
+          <c:marker>
+            <c:symbol val="none"/>
+          </c:marker>
+          <c:cat>
+            <c:strRef>
+              <c:f>Munka1!$A$2:$A$5</c:f>
+              <c:strCache>
+                <c:ptCount val="4"/>
+                <c:pt idx="0">
+                  <c:v>Kategória 1</c:v>
+                </c:pt>
+                <c:pt idx="1">
+                  <c:v>Kategória 2</c:v>
+                </c:pt>
+                <c:pt idx="2">
+                  <c:v>Kategória 3</c:v>
+                </c:pt>
+                <c:pt idx="3">
+                  <c:v>Kategória 4</c:v>
+                </c:pt>
+              </c:strCache>
+            </c:strRef>
+          </c:cat>
+          <c:val>
+            <c:numRef>
+              <c:f>Munka1!$B$2:$B$5</c:f>
+              <c:numCache>
+                <c:formatCode>General</c:formatCode>
+                <c:ptCount val="4"/>
+                <c:pt idx="0">
+                  <c:v>4.3</c:v>
+                </c:pt>
+                <c:pt idx="1">
+                  <c:v>2.5</c:v>
+                </c:pt>
+                <c:pt idx="2">
+                  <c:v>3.5</c:v>
+                </c:pt>
+                <c:pt idx="3">
+                  <c:v>4.5</c:v>
+                </c:pt>
+              </c:numCache>
+            </c:numRef>
+          </c:val>
+          <c:smooth val="0"/>
+          <c:extLst>
+            <c:ext xmlns:c16="http://schemas.microsoft.com/office/drawing/2014/chart" uri="{C3380CC4-5D6E-409C-BE32-E72D297353CC}">
+              <c16:uniqueId val="{00000000-9E17-433A-AF76-51B1D564F6E3}"/>
+            </c:ext>
+          </c:extLst>
+        </c:ser>
+        <c:ser>
+          <c:idx val="1"/>
+          <c:order val="1"/>
+          <c:tx>
+            <c:strRef>
+              <c:f>Munka1!$C$1</c:f>
+              <c:strCache>
+                <c:ptCount val="1"/>
+                <c:pt idx="0">
+                  <c:v>2. adatsor</c:v>
+                </c:pt>
+              </c:strCache>
+            </c:strRef>
+          </c:tx>
+          <c:spPr>
+            <a:ln w="28575" cap="rnd">
+              <a:solidFill>
+                <a:schemeClr val="accent2"/>
+              </a:solidFill>
+              <a:round/>
+            </a:ln>
+            <a:effectLst/>
+          </c:spPr>
+          <c:marker>
+            <c:symbol val="none"/>
+          </c:marker>
+          <c:cat>
+            <c:strRef>
+              <c:f>Munka1!$A$2:$A$5</c:f>
+              <c:strCache>
+                <c:ptCount val="4"/>
+                <c:pt idx="0">
+                  <c:v>Kategória 1</c:v>
+                </c:pt>
+                <c:pt idx="1">
+                  <c:v>Kategória 2</c:v>
+                </c:pt>
+                <c:pt idx="2">
+                  <c:v>Kategória 3</c:v>
+                </c:pt>
+                <c:pt idx="3">
+                  <c:v>Kategória 4</c:v>
+                </c:pt>
+              </c:strCache>
+            </c:strRef>
+          </c:cat>
+          <c:val>
+            <c:numRef>
+              <c:f>Munka1!$C$2:$C$5</c:f>
+              <c:numCache>
+                <c:formatCode>General</c:formatCode>
+                <c:ptCount val="4"/>
+                <c:pt idx="0">
+                  <c:v>2.4</c:v>
+                </c:pt>
+                <c:pt idx="1">
+                  <c:v>4.4000000000000004</c:v>
+                </c:pt>
+                <c:pt idx="2">
+                  <c:v>1.8</c:v>
+                </c:pt>
+                <c:pt idx="3">
+                  <c:v>2.8</c:v>
+                </c:pt>
+              </c:numCache>
+            </c:numRef>
+          </c:val>
+          <c:smooth val="0"/>
+          <c:extLst>
+            <c:ext xmlns:c16="http://schemas.microsoft.com/office/drawing/2014/chart" uri="{C3380CC4-5D6E-409C-BE32-E72D297353CC}">
+              <c16:uniqueId val="{00000001-9E17-433A-AF76-51B1D564F6E3}"/>
+            </c:ext>
+          </c:extLst>
+        </c:ser>
+        <c:ser>
+          <c:idx val="2"/>
+          <c:order val="2"/>
+          <c:tx>
+            <c:strRef>
+              <c:f>Munka1!$D$1</c:f>
+              <c:strCache>
+                <c:ptCount val="1"/>
+                <c:pt idx="0">
+                  <c:v>3. adatsor</c:v>
+                </c:pt>
+              </c:strCache>
+            </c:strRef>
+          </c:tx>
+          <c:spPr>
+            <a:ln w="28575" cap="rnd">
+              <a:solidFill>
+                <a:schemeClr val="accent3"/>
+              </a:solidFill>
+              <a:round/>
+            </a:ln>
+            <a:effectLst/>
+          </c:spPr>
+          <c:marker>
+            <c:symbol val="none"/>
+          </c:marker>
+          <c:cat>
+            <c:strRef>
+              <c:f>Munka1!$A$2:$A$5</c:f>
+              <c:strCache>
+                <c:ptCount val="4"/>
+                <c:pt idx="0">
+                  <c:v>Kategória 1</c:v>
+                </c:pt>
+                <c:pt idx="1">
+                  <c:v>Kategória 2</c:v>
+                </c:pt>
+                <c:pt idx="2">
+                  <c:v>Kategória 3</c:v>
+                </c:pt>
+                <c:pt idx="3">
+                  <c:v>Kategória 4</c:v>
+                </c:pt>
+              </c:strCache>
+            </c:strRef>
+          </c:cat>
+          <c:val>
+            <c:numRef>
+              <c:f>Munka1!$D$2:$D$5</c:f>
+              <c:numCache>
+                <c:formatCode>General</c:formatCode>
+                <c:ptCount val="4"/>
+                <c:pt idx="0">
+                  <c:v>2</c:v>
+                </c:pt>
+                <c:pt idx="1">
+                  <c:v>2</c:v>
+                </c:pt>
+                <c:pt idx="2">
+                  <c:v>3</c:v>
+                </c:pt>
+                <c:pt idx="3">
+                  <c:v>5</c:v>
+                </c:pt>
+              </c:numCache>
+            </c:numRef>
+          </c:val>
+          <c:smooth val="0"/>
+          <c:extLst>
+            <c:ext xmlns:c16="http://schemas.microsoft.com/office/drawing/2014/chart" uri="{C3380CC4-5D6E-409C-BE32-E72D297353CC}">
+              <c16:uniqueId val="{00000002-9E17-433A-AF76-51B1D564F6E3}"/>
+            </c:ext>
+          </c:extLst>
+        </c:ser>
+        <c:dLbls>
+          <c:showLegendKey val="0"/>
+          <c:showVal val="0"/>
+          <c:showCatName val="0"/>
+          <c:showSerName val="0"/>
+          <c:showPercent val="0"/>
+          <c:showBubbleSize val="0"/>
+        </c:dLbls>
+        <c:smooth val="0"/>
+        <c:axId val="563564304"/>
+        <c:axId val="565558960"/>
+      </c:lineChart>
+      <c:catAx>
+        <c:axId val="563564304"/>
+        <c:scaling>
+          <c:orientation val="minMax"/>
+        </c:scaling>
+        <c:delete val="0"/>
+        <c:axPos val="b"/>
+        <c:numFmt formatCode="General" sourceLinked="1"/>
+        <c:majorTickMark val="none"/>
+        <c:minorTickMark val="none"/>
+        <c:tickLblPos val="nextTo"/>
+        <c:spPr>
+          <a:noFill/>
+          <a:ln w="9525" cap="flat" cmpd="sng" algn="ctr">
+            <a:solidFill>
+              <a:schemeClr val="tx1">
+                <a:lumMod val="15000"/>
+                <a:lumOff val="85000"/>
+              </a:schemeClr>
+            </a:solidFill>
+            <a:round/>
+          </a:ln>
+          <a:effectLst/>
+        </c:spPr>
+        <c:txPr>
+          <a:bodyPr rot="-60000000" spcFirstLastPara="1" vertOverflow="ellipsis" vert="horz" wrap="square" anchor="ctr" anchorCtr="1"/>
+          <a:lstStyle/>
+          <a:p>
+            <a:pPr>
+              <a:defRPr sz="1197" b="0" i="0" u="none" strike="noStrike" kern="1200" baseline="0">
+                <a:solidFill>
+                  <a:schemeClr val="tx1">
+                    <a:lumMod val="65000"/>
+                    <a:lumOff val="35000"/>
+                  </a:schemeClr>
+                </a:solidFill>
+                <a:latin typeface="+mn-lt"/>
+                <a:ea typeface="+mn-ea"/>
+                <a:cs typeface="+mn-cs"/>
+              </a:defRPr>
+            </a:pPr>
+            <a:endParaRPr lang="hu-HU"/>
+          </a:p>
+        </c:txPr>
+        <c:crossAx val="565558960"/>
+        <c:crosses val="autoZero"/>
+        <c:auto val="1"/>
+        <c:lblAlgn val="ctr"/>
+        <c:lblOffset val="100"/>
+        <c:noMultiLvlLbl val="0"/>
+      </c:catAx>
+      <c:valAx>
+        <c:axId val="565558960"/>
+        <c:scaling>
+          <c:orientation val="minMax"/>
+        </c:scaling>
+        <c:delete val="0"/>
+        <c:axPos val="l"/>
+        <c:majorGridlines>
+          <c:spPr>
+            <a:ln w="9525" cap="flat" cmpd="sng" algn="ctr">
+              <a:solidFill>
+                <a:schemeClr val="tx1">
+                  <a:lumMod val="15000"/>
+                  <a:lumOff val="85000"/>
+                </a:schemeClr>
+              </a:solidFill>
+              <a:round/>
+            </a:ln>
+            <a:effectLst/>
+          </c:spPr>
+        </c:majorGridlines>
+        <c:numFmt formatCode="General" sourceLinked="1"/>
+        <c:majorTickMark val="none"/>
+        <c:minorTickMark val="none"/>
+        <c:tickLblPos val="nextTo"/>
+        <c:spPr>
+          <a:noFill/>
+          <a:ln>
+            <a:noFill/>
+          </a:ln>
+          <a:effectLst/>
+        </c:spPr>
+        <c:txPr>
+          <a:bodyPr rot="-60000000" spcFirstLastPara="1" vertOverflow="ellipsis" vert="horz" wrap="square" anchor="ctr" anchorCtr="1"/>
+          <a:lstStyle/>
+          <a:p>
+            <a:pPr>
+              <a:defRPr sz="1197" b="0" i="0" u="none" strike="noStrike" kern="1200" baseline="0">
+                <a:solidFill>
+                  <a:schemeClr val="tx1">
+                    <a:lumMod val="65000"/>
+                    <a:lumOff val="35000"/>
+                  </a:schemeClr>
+                </a:solidFill>
+                <a:latin typeface="+mn-lt"/>
+                <a:ea typeface="+mn-ea"/>
+                <a:cs typeface="+mn-cs"/>
+              </a:defRPr>
+            </a:pPr>
+            <a:endParaRPr lang="hu-HU"/>
+          </a:p>
+        </c:txPr>
+        <c:crossAx val="563564304"/>
+        <c:crosses val="autoZero"/>
+        <c:crossBetween val="between"/>
+      </c:valAx>
+      <c:spPr>
+        <a:noFill/>
+        <a:ln>
+          <a:noFill/>
+        </a:ln>
+        <a:effectLst/>
+      </c:spPr>
+    </c:plotArea>
+    <c:legend>
+      <c:legendPos val="b"/>
+      <c:overlay val="0"/>
+      <c:spPr>
+        <a:noFill/>
+        <a:ln>
+          <a:noFill/>
+        </a:ln>
+        <a:effectLst/>
+      </c:spPr>
+      <c:txPr>
+        <a:bodyPr rot="0" spcFirstLastPara="1" vertOverflow="ellipsis" vert="horz" wrap="square" anchor="ctr" anchorCtr="1"/>
+        <a:lstStyle/>
+        <a:p>
+          <a:pPr>
+            <a:defRPr sz="1197" b="0" i="0" u="none" strike="noStrike" kern="1200" baseline="0">
+              <a:solidFill>
+                <a:schemeClr val="tx1">
+                  <a:lumMod val="65000"/>
+                  <a:lumOff val="35000"/>
+                </a:schemeClr>
+              </a:solidFill>
+              <a:latin typeface="+mn-lt"/>
+              <a:ea typeface="+mn-ea"/>
+              <a:cs typeface="+mn-cs"/>
+            </a:defRPr>
+          </a:pPr>
+          <a:endParaRPr lang="hu-HU"/>
+        </a:p>
+      </c:txPr>
+    </c:legend>
+    <c:plotVisOnly val="1"/>
+    <c:dispBlanksAs val="gap"/>
+    <c:extLst>
+      <c:ext xmlns:c16r3="http://schemas.microsoft.com/office/drawing/2017/03/chart" uri="{56B9EC1D-385E-4148-901F-78D8002777C0}">
+        <c16r3:dataDisplayOptions16>
+          <c16r3:dispNaAsBlank val="1"/>
+        </c16r3:dataDisplayOptions16>
+      </c:ext>
+    </c:extLst>
+    <c:showDLblsOverMax val="0"/>
+  </c:chart>
+  <c:spPr>
+    <a:noFill/>
+    <a:ln>
+      <a:noFill/>
+    </a:ln>
+    <a:effectLst/>
+  </c:spPr>
+  <c:txPr>
+    <a:bodyPr/>
+    <a:lstStyle/>
+    <a:p>
+      <a:pPr>
+        <a:defRPr/>
+      </a:pPr>
+      <a:endParaRPr lang="hu-HU"/>
+    </a:p>
+  </c:txPr>
+  <c:externalData r:id="rId3">
+    <c:autoUpdate val="0"/>
+  </c:externalData>
+</c:chartSpace>
+</file>
+
+<file path=ppt/charts/chart3.xml><?xml version="1.0" encoding="utf-8"?>
+<c:chartSpace xmlns:c="http://schemas.openxmlformats.org/drawingml/2006/chart" xmlns:a="http://schemas.openxmlformats.org/drawingml/2006/main" xmlns:r="http://schemas.openxmlformats.org/officeDocument/2006/relationships" xmlns:c16r2="http://schemas.microsoft.com/office/drawing/2015/06/chart">
+  <c:date1904 val="0"/>
+  <c:lang val="hu-HU"/>
+  <c:roundedCorners val="0"/>
+  <mc:AlternateContent xmlns:mc="http://schemas.openxmlformats.org/markup-compatibility/2006">
+    <mc:Choice xmlns:c14="http://schemas.microsoft.com/office/drawing/2007/8/2/chart" Requires="c14">
+      <c14:style val="102"/>
+    </mc:Choice>
+    <mc:Fallback>
+      <c:style val="2"/>
+    </mc:Fallback>
+  </mc:AlternateContent>
+  <c:chart>
+    <c:title>
+      <c:overlay val="0"/>
+      <c:spPr>
+        <a:noFill/>
+        <a:ln>
+          <a:noFill/>
+        </a:ln>
+        <a:effectLst/>
+      </c:spPr>
+      <c:txPr>
+        <a:bodyPr rot="0" spcFirstLastPara="1" vertOverflow="ellipsis" vert="horz" wrap="square" anchor="ctr" anchorCtr="1"/>
+        <a:lstStyle/>
+        <a:p>
+          <a:pPr>
+            <a:defRPr sz="1862" b="0" i="0" u="none" strike="noStrike" kern="1200" spc="0" baseline="0">
+              <a:solidFill>
+                <a:schemeClr val="tx1">
+                  <a:lumMod val="65000"/>
+                  <a:lumOff val="35000"/>
+                </a:schemeClr>
+              </a:solidFill>
+              <a:latin typeface="+mn-lt"/>
+              <a:ea typeface="+mn-ea"/>
+              <a:cs typeface="+mn-cs"/>
+            </a:defRPr>
+          </a:pPr>
+          <a:endParaRPr lang="hu-HU"/>
+        </a:p>
+      </c:txPr>
+    </c:title>
+    <c:autoTitleDeleted val="0"/>
+    <c:plotArea>
+      <c:layout/>
+      <c:pieChart>
+        <c:varyColors val="1"/>
+        <c:ser>
+          <c:idx val="0"/>
+          <c:order val="0"/>
+          <c:tx>
+            <c:strRef>
+              <c:f>Munka1!$B$1</c:f>
+              <c:strCache>
+                <c:ptCount val="1"/>
+                <c:pt idx="0">
+                  <c:v>Értékesítés</c:v>
+                </c:pt>
+              </c:strCache>
+            </c:strRef>
+          </c:tx>
+          <c:dPt>
+            <c:idx val="0"/>
+            <c:bubble3D val="0"/>
+            <c:spPr>
+              <a:solidFill>
+                <a:schemeClr val="accent1"/>
+              </a:solidFill>
+              <a:ln w="19050">
+                <a:solidFill>
+                  <a:schemeClr val="lt1"/>
+                </a:solidFill>
+              </a:ln>
+              <a:effectLst/>
+            </c:spPr>
+            <c:extLst>
+              <c:ext xmlns:c16="http://schemas.microsoft.com/office/drawing/2014/chart" uri="{C3380CC4-5D6E-409C-BE32-E72D297353CC}">
+                <c16:uniqueId val="{00000001-EA99-4DA1-9114-F9FF50DE1CBF}"/>
+              </c:ext>
+            </c:extLst>
+          </c:dPt>
+          <c:dPt>
+            <c:idx val="1"/>
+            <c:bubble3D val="0"/>
+            <c:spPr>
+              <a:solidFill>
+                <a:schemeClr val="accent2"/>
+              </a:solidFill>
+              <a:ln w="19050">
+                <a:solidFill>
+                  <a:schemeClr val="lt1"/>
+                </a:solidFill>
+              </a:ln>
+              <a:effectLst/>
+            </c:spPr>
+            <c:extLst>
+              <c:ext xmlns:c16="http://schemas.microsoft.com/office/drawing/2014/chart" uri="{C3380CC4-5D6E-409C-BE32-E72D297353CC}">
+                <c16:uniqueId val="{00000003-EA99-4DA1-9114-F9FF50DE1CBF}"/>
+              </c:ext>
+            </c:extLst>
+          </c:dPt>
+          <c:dPt>
+            <c:idx val="2"/>
+            <c:bubble3D val="0"/>
+            <c:spPr>
+              <a:solidFill>
+                <a:schemeClr val="accent3"/>
+              </a:solidFill>
+              <a:ln w="19050">
+                <a:solidFill>
+                  <a:schemeClr val="lt1"/>
+                </a:solidFill>
+              </a:ln>
+              <a:effectLst/>
+            </c:spPr>
+            <c:extLst>
+              <c:ext xmlns:c16="http://schemas.microsoft.com/office/drawing/2014/chart" uri="{C3380CC4-5D6E-409C-BE32-E72D297353CC}">
+                <c16:uniqueId val="{00000005-EA99-4DA1-9114-F9FF50DE1CBF}"/>
+              </c:ext>
+            </c:extLst>
+          </c:dPt>
+          <c:dPt>
+            <c:idx val="3"/>
+            <c:bubble3D val="0"/>
+            <c:spPr>
+              <a:solidFill>
+                <a:schemeClr val="accent4"/>
+              </a:solidFill>
+              <a:ln w="19050">
+                <a:solidFill>
+                  <a:schemeClr val="lt1"/>
+                </a:solidFill>
+              </a:ln>
+              <a:effectLst/>
+            </c:spPr>
+            <c:extLst>
+              <c:ext xmlns:c16="http://schemas.microsoft.com/office/drawing/2014/chart" uri="{C3380CC4-5D6E-409C-BE32-E72D297353CC}">
+                <c16:uniqueId val="{00000007-EA99-4DA1-9114-F9FF50DE1CBF}"/>
+              </c:ext>
+            </c:extLst>
+          </c:dPt>
+          <c:cat>
+            <c:strRef>
+              <c:f>Munka1!$A$2:$A$5</c:f>
+              <c:strCache>
+                <c:ptCount val="4"/>
+                <c:pt idx="0">
+                  <c:v>1. negyedév</c:v>
+                </c:pt>
+                <c:pt idx="1">
+                  <c:v>2. negyedév</c:v>
+                </c:pt>
+                <c:pt idx="2">
+                  <c:v>3. negyedév</c:v>
+                </c:pt>
+                <c:pt idx="3">
+                  <c:v>4. negyedév</c:v>
+                </c:pt>
+              </c:strCache>
+            </c:strRef>
+          </c:cat>
+          <c:val>
+            <c:numRef>
+              <c:f>Munka1!$B$2:$B$5</c:f>
+              <c:numCache>
+                <c:formatCode>General</c:formatCode>
+                <c:ptCount val="4"/>
+                <c:pt idx="0">
+                  <c:v>8.1999999999999993</c:v>
+                </c:pt>
+                <c:pt idx="1">
+                  <c:v>3.2</c:v>
+                </c:pt>
+                <c:pt idx="2">
+                  <c:v>1.4</c:v>
+                </c:pt>
+                <c:pt idx="3">
+                  <c:v>1.2</c:v>
+                </c:pt>
+              </c:numCache>
+            </c:numRef>
+          </c:val>
+          <c:extLst>
+            <c:ext xmlns:c16="http://schemas.microsoft.com/office/drawing/2014/chart" uri="{C3380CC4-5D6E-409C-BE32-E72D297353CC}">
+              <c16:uniqueId val="{00000000-A17A-42FA-83AB-4A89BAAA9868}"/>
+            </c:ext>
+          </c:extLst>
+        </c:ser>
+        <c:dLbls>
+          <c:showLegendKey val="0"/>
+          <c:showVal val="0"/>
+          <c:showCatName val="0"/>
+          <c:showSerName val="0"/>
+          <c:showPercent val="0"/>
+          <c:showBubbleSize val="0"/>
+          <c:showLeaderLines val="1"/>
+        </c:dLbls>
+        <c:firstSliceAng val="0"/>
+      </c:pieChart>
+      <c:spPr>
+        <a:noFill/>
+        <a:ln>
+          <a:noFill/>
+        </a:ln>
+        <a:effectLst/>
+      </c:spPr>
+    </c:plotArea>
+    <c:legend>
+      <c:legendPos val="b"/>
+      <c:overlay val="0"/>
+      <c:spPr>
+        <a:noFill/>
+        <a:ln>
+          <a:noFill/>
+        </a:ln>
+        <a:effectLst/>
+      </c:spPr>
+      <c:txPr>
+        <a:bodyPr rot="0" spcFirstLastPara="1" vertOverflow="ellipsis" vert="horz" wrap="square" anchor="ctr" anchorCtr="1"/>
+        <a:lstStyle/>
+        <a:p>
+          <a:pPr>
+            <a:defRPr sz="1197" b="0" i="0" u="none" strike="noStrike" kern="1200" baseline="0">
+              <a:solidFill>
+                <a:schemeClr val="tx1">
+                  <a:lumMod val="65000"/>
+                  <a:lumOff val="35000"/>
+                </a:schemeClr>
+              </a:solidFill>
+              <a:latin typeface="+mn-lt"/>
+              <a:ea typeface="+mn-ea"/>
+              <a:cs typeface="+mn-cs"/>
+            </a:defRPr>
+          </a:pPr>
+          <a:endParaRPr lang="hu-HU"/>
+        </a:p>
+      </c:txPr>
+    </c:legend>
+    <c:plotVisOnly val="1"/>
+    <c:dispBlanksAs val="gap"/>
+    <c:extLst>
+      <c:ext xmlns:c16r3="http://schemas.microsoft.com/office/drawing/2017/03/chart" uri="{56B9EC1D-385E-4148-901F-78D8002777C0}">
+        <c16r3:dataDisplayOptions16>
+          <c16r3:dispNaAsBlank val="1"/>
+        </c16r3:dataDisplayOptions16>
+      </c:ext>
+    </c:extLst>
+    <c:showDLblsOverMax val="0"/>
+  </c:chart>
+  <c:spPr>
+    <a:noFill/>
+    <a:ln>
+      <a:noFill/>
+    </a:ln>
+    <a:effectLst/>
+  </c:spPr>
+  <c:txPr>
+    <a:bodyPr/>
+    <a:lstStyle/>
+    <a:p>
+      <a:pPr>
+        <a:defRPr/>
+      </a:pPr>
+      <a:endParaRPr lang="hu-HU"/>
+    </a:p>
+  </c:txPr>
+  <c:externalData r:id="rId3">
+    <c:autoUpdate val="0"/>
+  </c:externalData>
+</c:chartSpace>
+</file>
+
+<file path=ppt/charts/chart4.xml><?xml version="1.0" encoding="utf-8"?>
+<c:chartSpace xmlns:c="http://schemas.openxmlformats.org/drawingml/2006/chart" xmlns:a="http://schemas.openxmlformats.org/drawingml/2006/main" xmlns:r="http://schemas.openxmlformats.org/officeDocument/2006/relationships" xmlns:c16r2="http://schemas.microsoft.com/office/drawing/2015/06/chart">
+  <c:date1904 val="0"/>
+  <c:lang val="hu-HU"/>
+  <c:roundedCorners val="0"/>
+  <mc:AlternateContent xmlns:mc="http://schemas.openxmlformats.org/markup-compatibility/2006">
+    <mc:Choice xmlns:c14="http://schemas.microsoft.com/office/drawing/2007/8/2/chart" Requires="c14">
+      <c14:style val="102"/>
+    </mc:Choice>
+    <mc:Fallback>
+      <c:style val="2"/>
+    </mc:Fallback>
+  </mc:AlternateContent>
+  <c:chart>
+    <c:title>
+      <c:overlay val="0"/>
+      <c:spPr>
+        <a:noFill/>
+        <a:ln>
+          <a:noFill/>
+        </a:ln>
+        <a:effectLst/>
+      </c:spPr>
+      <c:txPr>
+        <a:bodyPr rot="0" spcFirstLastPara="1" vertOverflow="ellipsis" vert="horz" wrap="square" anchor="ctr" anchorCtr="1"/>
+        <a:lstStyle/>
+        <a:p>
+          <a:pPr>
+            <a:defRPr sz="1862" b="0" i="0" u="none" strike="noStrike" kern="1200" spc="0" baseline="0">
+              <a:solidFill>
+                <a:schemeClr val="tx1">
+                  <a:lumMod val="65000"/>
+                  <a:lumOff val="35000"/>
+                </a:schemeClr>
+              </a:solidFill>
+              <a:latin typeface="+mn-lt"/>
+              <a:ea typeface="+mn-ea"/>
+              <a:cs typeface="+mn-cs"/>
+            </a:defRPr>
+          </a:pPr>
+          <a:endParaRPr lang="hu-HU"/>
+        </a:p>
+      </c:txPr>
+    </c:title>
+    <c:autoTitleDeleted val="0"/>
+    <c:plotArea>
+      <c:layout/>
+      <c:barChart>
+        <c:barDir val="bar"/>
+        <c:grouping val="clustered"/>
+        <c:varyColors val="0"/>
+        <c:ser>
+          <c:idx val="0"/>
+          <c:order val="0"/>
+          <c:tx>
+            <c:strRef>
+              <c:f>Munka1!$B$1</c:f>
+              <c:strCache>
+                <c:ptCount val="1"/>
+                <c:pt idx="0">
+                  <c:v>1. adatsor</c:v>
+                </c:pt>
+              </c:strCache>
+            </c:strRef>
+          </c:tx>
+          <c:spPr>
+            <a:solidFill>
+              <a:schemeClr val="accent1"/>
+            </a:solidFill>
+            <a:ln>
+              <a:noFill/>
+            </a:ln>
+            <a:effectLst/>
+          </c:spPr>
+          <c:invertIfNegative val="0"/>
+          <c:cat>
+            <c:strRef>
+              <c:f>Munka1!$A$2:$A$5</c:f>
+              <c:strCache>
+                <c:ptCount val="4"/>
+                <c:pt idx="0">
+                  <c:v>Kategória 1</c:v>
+                </c:pt>
+                <c:pt idx="1">
+                  <c:v>Kategória 2</c:v>
+                </c:pt>
+                <c:pt idx="2">
+                  <c:v>Kategória 3</c:v>
+                </c:pt>
+                <c:pt idx="3">
+                  <c:v>Kategória 4</c:v>
+                </c:pt>
+              </c:strCache>
+            </c:strRef>
+          </c:cat>
+          <c:val>
+            <c:numRef>
+              <c:f>Munka1!$B$2:$B$5</c:f>
+              <c:numCache>
+                <c:formatCode>General</c:formatCode>
+                <c:ptCount val="4"/>
+                <c:pt idx="0">
+                  <c:v>4.3</c:v>
+                </c:pt>
+                <c:pt idx="1">
+                  <c:v>2.5</c:v>
+                </c:pt>
+                <c:pt idx="2">
+                  <c:v>3.5</c:v>
+                </c:pt>
+                <c:pt idx="3">
+                  <c:v>4.5</c:v>
+                </c:pt>
+              </c:numCache>
+            </c:numRef>
+          </c:val>
+          <c:extLst>
+            <c:ext xmlns:c16="http://schemas.microsoft.com/office/drawing/2014/chart" uri="{C3380CC4-5D6E-409C-BE32-E72D297353CC}">
+              <c16:uniqueId val="{00000000-4305-4C0B-8262-A87B24E53FA6}"/>
+            </c:ext>
+          </c:extLst>
+        </c:ser>
+        <c:ser>
+          <c:idx val="1"/>
+          <c:order val="1"/>
+          <c:tx>
+            <c:strRef>
+              <c:f>Munka1!$C$1</c:f>
+              <c:strCache>
+                <c:ptCount val="1"/>
+                <c:pt idx="0">
+                  <c:v>2. adatsor</c:v>
+                </c:pt>
+              </c:strCache>
+            </c:strRef>
+          </c:tx>
+          <c:spPr>
+            <a:solidFill>
+              <a:schemeClr val="accent2"/>
+            </a:solidFill>
+            <a:ln>
+              <a:noFill/>
+            </a:ln>
+            <a:effectLst/>
+          </c:spPr>
+          <c:invertIfNegative val="0"/>
+          <c:cat>
+            <c:strRef>
+              <c:f>Munka1!$A$2:$A$5</c:f>
+              <c:strCache>
+                <c:ptCount val="4"/>
+                <c:pt idx="0">
+                  <c:v>Kategória 1</c:v>
+                </c:pt>
+                <c:pt idx="1">
+                  <c:v>Kategória 2</c:v>
+                </c:pt>
+                <c:pt idx="2">
+                  <c:v>Kategória 3</c:v>
+                </c:pt>
+                <c:pt idx="3">
+                  <c:v>Kategória 4</c:v>
+                </c:pt>
+              </c:strCache>
+            </c:strRef>
+          </c:cat>
+          <c:val>
+            <c:numRef>
+              <c:f>Munka1!$C$2:$C$5</c:f>
+              <c:numCache>
+                <c:formatCode>General</c:formatCode>
+                <c:ptCount val="4"/>
+                <c:pt idx="0">
+                  <c:v>2.4</c:v>
+                </c:pt>
+                <c:pt idx="1">
+                  <c:v>4.4000000000000004</c:v>
+                </c:pt>
+                <c:pt idx="2">
+                  <c:v>1.8</c:v>
+                </c:pt>
+                <c:pt idx="3">
+                  <c:v>2.8</c:v>
+                </c:pt>
+              </c:numCache>
+            </c:numRef>
+          </c:val>
+          <c:extLst>
+            <c:ext xmlns:c16="http://schemas.microsoft.com/office/drawing/2014/chart" uri="{C3380CC4-5D6E-409C-BE32-E72D297353CC}">
+              <c16:uniqueId val="{00000001-4305-4C0B-8262-A87B24E53FA6}"/>
+            </c:ext>
+          </c:extLst>
+        </c:ser>
+        <c:ser>
+          <c:idx val="2"/>
+          <c:order val="2"/>
+          <c:tx>
+            <c:strRef>
+              <c:f>Munka1!$D$1</c:f>
+              <c:strCache>
+                <c:ptCount val="1"/>
+                <c:pt idx="0">
+                  <c:v>3. adatsor</c:v>
+                </c:pt>
+              </c:strCache>
+            </c:strRef>
+          </c:tx>
+          <c:spPr>
+            <a:solidFill>
+              <a:schemeClr val="accent3"/>
+            </a:solidFill>
+            <a:ln>
+              <a:noFill/>
+            </a:ln>
+            <a:effectLst/>
+          </c:spPr>
+          <c:invertIfNegative val="0"/>
+          <c:cat>
+            <c:strRef>
+              <c:f>Munka1!$A$2:$A$5</c:f>
+              <c:strCache>
+                <c:ptCount val="4"/>
+                <c:pt idx="0">
+                  <c:v>Kategória 1</c:v>
+                </c:pt>
+                <c:pt idx="1">
+                  <c:v>Kategória 2</c:v>
+                </c:pt>
+                <c:pt idx="2">
+                  <c:v>Kategória 3</c:v>
+                </c:pt>
+                <c:pt idx="3">
+                  <c:v>Kategória 4</c:v>
+                </c:pt>
+              </c:strCache>
+            </c:strRef>
+          </c:cat>
+          <c:val>
+            <c:numRef>
+              <c:f>Munka1!$D$2:$D$5</c:f>
+              <c:numCache>
+                <c:formatCode>General</c:formatCode>
+                <c:ptCount val="4"/>
+                <c:pt idx="0">
+                  <c:v>2</c:v>
+                </c:pt>
+                <c:pt idx="1">
+                  <c:v>2</c:v>
+                </c:pt>
+                <c:pt idx="2">
+                  <c:v>3</c:v>
+                </c:pt>
+                <c:pt idx="3">
+                  <c:v>5</c:v>
+                </c:pt>
+              </c:numCache>
+            </c:numRef>
+          </c:val>
+          <c:extLst>
+            <c:ext xmlns:c16="http://schemas.microsoft.com/office/drawing/2014/chart" uri="{C3380CC4-5D6E-409C-BE32-E72D297353CC}">
+              <c16:uniqueId val="{00000002-4305-4C0B-8262-A87B24E53FA6}"/>
+            </c:ext>
+          </c:extLst>
+        </c:ser>
+        <c:dLbls>
+          <c:showLegendKey val="0"/>
+          <c:showVal val="0"/>
+          <c:showCatName val="0"/>
+          <c:showSerName val="0"/>
+          <c:showPercent val="0"/>
+          <c:showBubbleSize val="0"/>
+        </c:dLbls>
+        <c:gapWidth val="182"/>
+        <c:axId val="559788528"/>
+        <c:axId val="565567120"/>
+      </c:barChart>
+      <c:catAx>
+        <c:axId val="559788528"/>
+        <c:scaling>
+          <c:orientation val="minMax"/>
+        </c:scaling>
+        <c:delete val="0"/>
+        <c:axPos val="l"/>
+        <c:numFmt formatCode="General" sourceLinked="1"/>
+        <c:majorTickMark val="none"/>
+        <c:minorTickMark val="none"/>
+        <c:tickLblPos val="nextTo"/>
+        <c:spPr>
+          <a:noFill/>
+          <a:ln w="9525" cap="flat" cmpd="sng" algn="ctr">
+            <a:solidFill>
+              <a:schemeClr val="tx1">
+                <a:lumMod val="15000"/>
+                <a:lumOff val="85000"/>
+              </a:schemeClr>
+            </a:solidFill>
+            <a:round/>
+          </a:ln>
+          <a:effectLst/>
+        </c:spPr>
+        <c:txPr>
+          <a:bodyPr rot="-60000000" spcFirstLastPara="1" vertOverflow="ellipsis" vert="horz" wrap="square" anchor="ctr" anchorCtr="1"/>
+          <a:lstStyle/>
+          <a:p>
+            <a:pPr>
+              <a:defRPr sz="1197" b="0" i="0" u="none" strike="noStrike" kern="1200" baseline="0">
+                <a:solidFill>
+                  <a:schemeClr val="tx1">
+                    <a:lumMod val="65000"/>
+                    <a:lumOff val="35000"/>
+                  </a:schemeClr>
+                </a:solidFill>
+                <a:latin typeface="+mn-lt"/>
+                <a:ea typeface="+mn-ea"/>
+                <a:cs typeface="+mn-cs"/>
+              </a:defRPr>
+            </a:pPr>
+            <a:endParaRPr lang="hu-HU"/>
+          </a:p>
+        </c:txPr>
+        <c:crossAx val="565567120"/>
+        <c:crosses val="autoZero"/>
+        <c:auto val="1"/>
+        <c:lblAlgn val="ctr"/>
+        <c:lblOffset val="100"/>
+        <c:noMultiLvlLbl val="0"/>
+      </c:catAx>
+      <c:valAx>
+        <c:axId val="565567120"/>
+        <c:scaling>
+          <c:orientation val="minMax"/>
+        </c:scaling>
+        <c:delete val="0"/>
+        <c:axPos val="b"/>
+        <c:majorGridlines>
+          <c:spPr>
+            <a:ln w="9525" cap="flat" cmpd="sng" algn="ctr">
+              <a:solidFill>
+                <a:schemeClr val="tx1">
+                  <a:lumMod val="15000"/>
+                  <a:lumOff val="85000"/>
+                </a:schemeClr>
+              </a:solidFill>
+              <a:round/>
+            </a:ln>
+            <a:effectLst/>
+          </c:spPr>
+        </c:majorGridlines>
+        <c:numFmt formatCode="General" sourceLinked="1"/>
+        <c:majorTickMark val="none"/>
+        <c:minorTickMark val="none"/>
+        <c:tickLblPos val="nextTo"/>
+        <c:spPr>
+          <a:noFill/>
+          <a:ln>
+            <a:noFill/>
+          </a:ln>
+          <a:effectLst/>
+        </c:spPr>
+        <c:txPr>
+          <a:bodyPr rot="-60000000" spcFirstLastPara="1" vertOverflow="ellipsis" vert="horz" wrap="square" anchor="ctr" anchorCtr="1"/>
+          <a:lstStyle/>
+          <a:p>
+            <a:pPr>
+              <a:defRPr sz="1197" b="0" i="0" u="none" strike="noStrike" kern="1200" baseline="0">
+                <a:solidFill>
+                  <a:schemeClr val="tx1">
+                    <a:lumMod val="65000"/>
+                    <a:lumOff val="35000"/>
+                  </a:schemeClr>
+                </a:solidFill>
+                <a:latin typeface="+mn-lt"/>
+                <a:ea typeface="+mn-ea"/>
+                <a:cs typeface="+mn-cs"/>
+              </a:defRPr>
+            </a:pPr>
+            <a:endParaRPr lang="hu-HU"/>
+          </a:p>
+        </c:txPr>
+        <c:crossAx val="559788528"/>
+        <c:crosses val="autoZero"/>
+        <c:crossBetween val="between"/>
+      </c:valAx>
+      <c:spPr>
+        <a:noFill/>
+        <a:ln>
+          <a:noFill/>
+        </a:ln>
+        <a:effectLst/>
+      </c:spPr>
+    </c:plotArea>
+    <c:legend>
+      <c:legendPos val="b"/>
+      <c:overlay val="0"/>
+      <c:spPr>
+        <a:noFill/>
+        <a:ln>
+          <a:noFill/>
+        </a:ln>
+        <a:effectLst/>
+      </c:spPr>
+      <c:txPr>
+        <a:bodyPr rot="0" spcFirstLastPara="1" vertOverflow="ellipsis" vert="horz" wrap="square" anchor="ctr" anchorCtr="1"/>
+        <a:lstStyle/>
+        <a:p>
+          <a:pPr>
+            <a:defRPr sz="1197" b="0" i="0" u="none" strike="noStrike" kern="1200" baseline="0">
+              <a:solidFill>
+                <a:schemeClr val="tx1">
+                  <a:lumMod val="65000"/>
+                  <a:lumOff val="35000"/>
+                </a:schemeClr>
+              </a:solidFill>
+              <a:latin typeface="+mn-lt"/>
+              <a:ea typeface="+mn-ea"/>
+              <a:cs typeface="+mn-cs"/>
+            </a:defRPr>
+          </a:pPr>
+          <a:endParaRPr lang="hu-HU"/>
+        </a:p>
+      </c:txPr>
+    </c:legend>
+    <c:plotVisOnly val="1"/>
+    <c:dispBlanksAs val="gap"/>
+    <c:extLst>
+      <c:ext xmlns:c16r3="http://schemas.microsoft.com/office/drawing/2017/03/chart" uri="{56B9EC1D-385E-4148-901F-78D8002777C0}">
+        <c16r3:dataDisplayOptions16>
+          <c16r3:dispNaAsBlank val="1"/>
+        </c16r3:dataDisplayOptions16>
+      </c:ext>
+    </c:extLst>
+    <c:showDLblsOverMax val="0"/>
+  </c:chart>
+  <c:spPr>
+    <a:noFill/>
+    <a:ln>
+      <a:noFill/>
+    </a:ln>
+    <a:effectLst/>
+  </c:spPr>
+  <c:txPr>
+    <a:bodyPr/>
+    <a:lstStyle/>
+    <a:p>
+      <a:pPr>
+        <a:defRPr/>
+      </a:pPr>
+      <a:endParaRPr lang="hu-HU"/>
+    </a:p>
+  </c:txPr>
+  <c:externalData r:id="rId3">
+    <c:autoUpdate val="0"/>
+  </c:externalData>
+</c:chartSpace>
+</file>
+
+<file path=ppt/charts/chart5.xml><?xml version="1.0" encoding="utf-8"?>
+<c:chartSpace xmlns:c="http://schemas.openxmlformats.org/drawingml/2006/chart" xmlns:a="http://schemas.openxmlformats.org/drawingml/2006/main" xmlns:r="http://schemas.openxmlformats.org/officeDocument/2006/relationships" xmlns:c16r2="http://schemas.microsoft.com/office/drawing/2015/06/chart">
+  <c:date1904 val="0"/>
+  <c:lang val="hu-HU"/>
+  <c:roundedCorners val="0"/>
+  <mc:AlternateContent xmlns:mc="http://schemas.openxmlformats.org/markup-compatibility/2006">
+    <mc:Choice xmlns:c14="http://schemas.microsoft.com/office/drawing/2007/8/2/chart" Requires="c14">
+      <c14:style val="102"/>
+    </mc:Choice>
+    <mc:Fallback>
+      <c:style val="2"/>
+    </mc:Fallback>
+  </mc:AlternateContent>
+  <c:chart>
+    <c:title>
+      <c:overlay val="0"/>
+      <c:spPr>
+        <a:noFill/>
+        <a:ln>
+          <a:noFill/>
+        </a:ln>
+        <a:effectLst/>
+      </c:spPr>
+      <c:txPr>
+        <a:bodyPr rot="0" spcFirstLastPara="1" vertOverflow="ellipsis" vert="horz" wrap="square" anchor="ctr" anchorCtr="1"/>
+        <a:lstStyle/>
+        <a:p>
+          <a:pPr>
+            <a:defRPr sz="1862" b="0" i="0" u="none" strike="noStrike" kern="1200" spc="0" baseline="0">
+              <a:solidFill>
+                <a:schemeClr val="tx1">
+                  <a:lumMod val="65000"/>
+                  <a:lumOff val="35000"/>
+                </a:schemeClr>
+              </a:solidFill>
+              <a:latin typeface="+mn-lt"/>
+              <a:ea typeface="+mn-ea"/>
+              <a:cs typeface="+mn-cs"/>
+            </a:defRPr>
+          </a:pPr>
+          <a:endParaRPr lang="hu-HU"/>
+        </a:p>
+      </c:txPr>
+    </c:title>
+    <c:autoTitleDeleted val="0"/>
+    <c:plotArea>
+      <c:layout/>
+      <c:areaChart>
+        <c:grouping val="standard"/>
+        <c:varyColors val="0"/>
+        <c:ser>
+          <c:idx val="0"/>
+          <c:order val="0"/>
+          <c:tx>
+            <c:strRef>
+              <c:f>Munka1!$B$1</c:f>
+              <c:strCache>
+                <c:ptCount val="1"/>
+                <c:pt idx="0">
+                  <c:v>1. adatsor</c:v>
+                </c:pt>
+              </c:strCache>
+            </c:strRef>
+          </c:tx>
+          <c:spPr>
+            <a:solidFill>
+              <a:schemeClr val="accent1"/>
+            </a:solidFill>
+            <a:ln>
+              <a:noFill/>
+            </a:ln>
+            <a:effectLst/>
+          </c:spPr>
+          <c:cat>
+            <c:numRef>
+              <c:f>Munka1!$A$2:$A$6</c:f>
+              <c:numCache>
+                <c:formatCode>m/d/yyyy</c:formatCode>
+                <c:ptCount val="5"/>
+                <c:pt idx="0">
+                  <c:v>37261</c:v>
+                </c:pt>
+                <c:pt idx="1">
+                  <c:v>37262</c:v>
+                </c:pt>
+                <c:pt idx="2">
+                  <c:v>37263</c:v>
+                </c:pt>
+                <c:pt idx="3">
+                  <c:v>37264</c:v>
+                </c:pt>
+                <c:pt idx="4">
+                  <c:v>37265</c:v>
+                </c:pt>
+              </c:numCache>
+            </c:numRef>
+          </c:cat>
+          <c:val>
+            <c:numRef>
+              <c:f>Munka1!$B$2:$B$6</c:f>
+              <c:numCache>
+                <c:formatCode>General</c:formatCode>
+                <c:ptCount val="5"/>
+                <c:pt idx="0">
+                  <c:v>32</c:v>
+                </c:pt>
+                <c:pt idx="1">
+                  <c:v>32</c:v>
+                </c:pt>
+                <c:pt idx="2">
+                  <c:v>28</c:v>
+                </c:pt>
+                <c:pt idx="3">
+                  <c:v>12</c:v>
+                </c:pt>
+                <c:pt idx="4">
+                  <c:v>15</c:v>
+                </c:pt>
+              </c:numCache>
+            </c:numRef>
+          </c:val>
+          <c:extLst>
+            <c:ext xmlns:c16="http://schemas.microsoft.com/office/drawing/2014/chart" uri="{C3380CC4-5D6E-409C-BE32-E72D297353CC}">
+              <c16:uniqueId val="{00000000-0376-4B4E-AD13-72D159CC9081}"/>
+            </c:ext>
+          </c:extLst>
+        </c:ser>
+        <c:ser>
+          <c:idx val="1"/>
+          <c:order val="1"/>
+          <c:tx>
+            <c:strRef>
+              <c:f>Munka1!$C$1</c:f>
+              <c:strCache>
+                <c:ptCount val="1"/>
+                <c:pt idx="0">
+                  <c:v>2. adatsor</c:v>
+                </c:pt>
+              </c:strCache>
+            </c:strRef>
+          </c:tx>
+          <c:spPr>
+            <a:solidFill>
+              <a:schemeClr val="accent2"/>
+            </a:solidFill>
+            <a:ln>
+              <a:noFill/>
+            </a:ln>
+            <a:effectLst/>
+          </c:spPr>
+          <c:cat>
+            <c:numRef>
+              <c:f>Munka1!$A$2:$A$6</c:f>
+              <c:numCache>
+                <c:formatCode>m/d/yyyy</c:formatCode>
+                <c:ptCount val="5"/>
+                <c:pt idx="0">
+                  <c:v>37261</c:v>
+                </c:pt>
+                <c:pt idx="1">
+                  <c:v>37262</c:v>
+                </c:pt>
+                <c:pt idx="2">
+                  <c:v>37263</c:v>
+                </c:pt>
+                <c:pt idx="3">
+                  <c:v>37264</c:v>
+                </c:pt>
+                <c:pt idx="4">
+                  <c:v>37265</c:v>
+                </c:pt>
+              </c:numCache>
+            </c:numRef>
+          </c:cat>
+          <c:val>
+            <c:numRef>
+              <c:f>Munka1!$C$2:$C$6</c:f>
+              <c:numCache>
+                <c:formatCode>General</c:formatCode>
+                <c:ptCount val="5"/>
+                <c:pt idx="0">
+                  <c:v>12</c:v>
+                </c:pt>
+                <c:pt idx="1">
+                  <c:v>12</c:v>
+                </c:pt>
+                <c:pt idx="2">
+                  <c:v>12</c:v>
+                </c:pt>
+                <c:pt idx="3">
+                  <c:v>21</c:v>
+                </c:pt>
+                <c:pt idx="4">
+                  <c:v>28</c:v>
+                </c:pt>
+              </c:numCache>
+            </c:numRef>
+          </c:val>
+          <c:extLst>
+            <c:ext xmlns:c16="http://schemas.microsoft.com/office/drawing/2014/chart" uri="{C3380CC4-5D6E-409C-BE32-E72D297353CC}">
+              <c16:uniqueId val="{00000001-0376-4B4E-AD13-72D159CC9081}"/>
+            </c:ext>
+          </c:extLst>
+        </c:ser>
+        <c:dLbls>
+          <c:showLegendKey val="0"/>
+          <c:showVal val="0"/>
+          <c:showCatName val="0"/>
+          <c:showSerName val="0"/>
+          <c:showPercent val="0"/>
+          <c:showBubbleSize val="0"/>
+        </c:dLbls>
+        <c:axId val="575315760"/>
+        <c:axId val="565568080"/>
+      </c:areaChart>
+      <c:dateAx>
+        <c:axId val="575315760"/>
+        <c:scaling>
+          <c:orientation val="minMax"/>
+        </c:scaling>
+        <c:delete val="0"/>
+        <c:axPos val="b"/>
+        <c:numFmt formatCode="m/d/yyyy" sourceLinked="1"/>
+        <c:majorTickMark val="out"/>
+        <c:minorTickMark val="none"/>
+        <c:tickLblPos val="nextTo"/>
+        <c:spPr>
+          <a:noFill/>
+          <a:ln w="9525" cap="flat" cmpd="sng" algn="ctr">
+            <a:solidFill>
+              <a:schemeClr val="tx1">
+                <a:lumMod val="15000"/>
+                <a:lumOff val="85000"/>
+              </a:schemeClr>
+            </a:solidFill>
+            <a:round/>
+          </a:ln>
+          <a:effectLst/>
+        </c:spPr>
+        <c:txPr>
+          <a:bodyPr rot="-60000000" spcFirstLastPara="1" vertOverflow="ellipsis" vert="horz" wrap="square" anchor="ctr" anchorCtr="1"/>
+          <a:lstStyle/>
+          <a:p>
+            <a:pPr>
+              <a:defRPr sz="1197" b="0" i="0" u="none" strike="noStrike" kern="1200" baseline="0">
+                <a:solidFill>
+                  <a:schemeClr val="tx1">
+                    <a:lumMod val="65000"/>
+                    <a:lumOff val="35000"/>
+                  </a:schemeClr>
+                </a:solidFill>
+                <a:latin typeface="+mn-lt"/>
+                <a:ea typeface="+mn-ea"/>
+                <a:cs typeface="+mn-cs"/>
+              </a:defRPr>
+            </a:pPr>
+            <a:endParaRPr lang="hu-HU"/>
+          </a:p>
+        </c:txPr>
+        <c:crossAx val="565568080"/>
+        <c:crosses val="autoZero"/>
+        <c:auto val="1"/>
+        <c:lblOffset val="100"/>
+        <c:baseTimeUnit val="days"/>
+      </c:dateAx>
+      <c:valAx>
+        <c:axId val="565568080"/>
+        <c:scaling>
+          <c:orientation val="minMax"/>
+        </c:scaling>
+        <c:delete val="0"/>
+        <c:axPos val="l"/>
+        <c:majorGridlines>
+          <c:spPr>
+            <a:ln w="9525" cap="flat" cmpd="sng" algn="ctr">
+              <a:solidFill>
+                <a:schemeClr val="tx1">
+                  <a:lumMod val="15000"/>
+                  <a:lumOff val="85000"/>
+                </a:schemeClr>
+              </a:solidFill>
+              <a:round/>
+            </a:ln>
+            <a:effectLst/>
+          </c:spPr>
+        </c:majorGridlines>
+        <c:numFmt formatCode="General" sourceLinked="1"/>
+        <c:majorTickMark val="none"/>
+        <c:minorTickMark val="none"/>
+        <c:tickLblPos val="nextTo"/>
+        <c:spPr>
+          <a:noFill/>
+          <a:ln>
+            <a:noFill/>
+          </a:ln>
+          <a:effectLst/>
+        </c:spPr>
+        <c:txPr>
+          <a:bodyPr rot="-60000000" spcFirstLastPara="1" vertOverflow="ellipsis" vert="horz" wrap="square" anchor="ctr" anchorCtr="1"/>
+          <a:lstStyle/>
+          <a:p>
+            <a:pPr>
+              <a:defRPr sz="1197" b="0" i="0" u="none" strike="noStrike" kern="1200" baseline="0">
+                <a:solidFill>
+                  <a:schemeClr val="tx1">
+                    <a:lumMod val="65000"/>
+                    <a:lumOff val="35000"/>
+                  </a:schemeClr>
+                </a:solidFill>
+                <a:latin typeface="+mn-lt"/>
+                <a:ea typeface="+mn-ea"/>
+                <a:cs typeface="+mn-cs"/>
+              </a:defRPr>
+            </a:pPr>
+            <a:endParaRPr lang="hu-HU"/>
+          </a:p>
+        </c:txPr>
+        <c:crossAx val="575315760"/>
+        <c:crosses val="autoZero"/>
+        <c:crossBetween val="midCat"/>
+      </c:valAx>
+      <c:spPr>
+        <a:noFill/>
+        <a:ln>
+          <a:noFill/>
+        </a:ln>
+        <a:effectLst/>
+      </c:spPr>
+    </c:plotArea>
+    <c:legend>
+      <c:legendPos val="b"/>
+      <c:overlay val="0"/>
+      <c:spPr>
+        <a:noFill/>
+        <a:ln>
+          <a:noFill/>
+        </a:ln>
+        <a:effectLst/>
+      </c:spPr>
+      <c:txPr>
+        <a:bodyPr rot="0" spcFirstLastPara="1" vertOverflow="ellipsis" vert="horz" wrap="square" anchor="ctr" anchorCtr="1"/>
+        <a:lstStyle/>
+        <a:p>
+          <a:pPr>
+            <a:defRPr sz="1197" b="0" i="0" u="none" strike="noStrike" kern="1200" baseline="0">
+              <a:solidFill>
+                <a:schemeClr val="tx1">
+                  <a:lumMod val="65000"/>
+                  <a:lumOff val="35000"/>
+                </a:schemeClr>
+              </a:solidFill>
+              <a:latin typeface="+mn-lt"/>
+              <a:ea typeface="+mn-ea"/>
+              <a:cs typeface="+mn-cs"/>
+            </a:defRPr>
+          </a:pPr>
+          <a:endParaRPr lang="hu-HU"/>
+        </a:p>
+      </c:txPr>
+    </c:legend>
+    <c:plotVisOnly val="1"/>
+    <c:dispBlanksAs val="zero"/>
+    <c:extLst>
+      <c:ext xmlns:c16r3="http://schemas.microsoft.com/office/drawing/2017/03/chart" uri="{56B9EC1D-385E-4148-901F-78D8002777C0}">
+        <c16r3:dataDisplayOptions16>
+          <c16r3:dispNaAsBlank val="1"/>
+        </c16r3:dataDisplayOptions16>
+      </c:ext>
+    </c:extLst>
+    <c:showDLblsOverMax val="0"/>
+  </c:chart>
+  <c:spPr>
+    <a:noFill/>
+    <a:ln>
+      <a:noFill/>
+    </a:ln>
+    <a:effectLst/>
+  </c:spPr>
+  <c:txPr>
+    <a:bodyPr/>
+    <a:lstStyle/>
+    <a:p>
+      <a:pPr>
+        <a:defRPr/>
+      </a:pPr>
+      <a:endParaRPr lang="hu-HU"/>
+    </a:p>
+  </c:txPr>
+  <c:externalData r:id="rId3">
+    <c:autoUpdate val="0"/>
+  </c:externalData>
+</c:chartSpace>
+</file>
+
+<file path=ppt/charts/chartEx1.xml><?xml version="1.0" encoding="utf-8"?>
+<cx:chartSpace xmlns:a="http://schemas.openxmlformats.org/drawingml/2006/main" xmlns:r="http://schemas.openxmlformats.org/officeDocument/2006/relationships" xmlns:cx="http://schemas.microsoft.com/office/drawing/2014/chartex">
+  <cx:chartData>
+    <cx:externalData r:id="rId1" cx:autoUpdate="0"/>
+    <cx:data id="0">
+      <cx:strDim type="cat">
+        <cx:f>Munka1!$A$2:$A$9</cx:f>
+        <cx:lvl ptCount="8">
+          <cx:pt idx="0">Kategória 1</cx:pt>
+          <cx:pt idx="1">Kategória 2</cx:pt>
+          <cx:pt idx="2">Kategória 3</cx:pt>
+          <cx:pt idx="3">Kategória 4</cx:pt>
+          <cx:pt idx="4">Kategória 5</cx:pt>
+          <cx:pt idx="5">Kategória 6</cx:pt>
+          <cx:pt idx="6">Kategória 7</cx:pt>
+          <cx:pt idx="7">Kategória 8</cx:pt>
+        </cx:lvl>
+      </cx:strDim>
+      <cx:numDim type="val">
+        <cx:f>Munka1!$B$2:$B$9</cx:f>
+        <cx:lvl ptCount="8" formatCode="Normál">
+          <cx:pt idx="0">100</cx:pt>
+          <cx:pt idx="1">20</cx:pt>
+          <cx:pt idx="2">50</cx:pt>
+          <cx:pt idx="3">-40</cx:pt>
+          <cx:pt idx="4">130</cx:pt>
+          <cx:pt idx="5">-60</cx:pt>
+          <cx:pt idx="6">70</cx:pt>
+          <cx:pt idx="7">140</cx:pt>
+        </cx:lvl>
+      </cx:numDim>
+    </cx:data>
+  </cx:chartData>
+  <cx:chart>
+    <cx:title pos="t" align="ctr" overlay="0"/>
+    <cx:plotArea>
+      <cx:plotAreaRegion>
+        <cx:series layoutId="waterfall" uniqueId="{054C26B3-2118-473D-A141-A065F6C53415}">
+          <cx:tx>
+            <cx:txData>
+              <cx:f>Munka1!$B$1</cx:f>
+              <cx:v>Adatsor1</cx:v>
+            </cx:txData>
+          </cx:tx>
+          <cx:dataLabels pos="outEnd">
+            <cx:visibility seriesName="0" categoryName="0" value="1"/>
+          </cx:dataLabels>
+          <cx:dataId val="0"/>
+          <cx:layoutPr>
+            <cx:subtotals>
+              <cx:idx val="0"/>
+              <cx:idx val="4"/>
+              <cx:idx val="7"/>
+            </cx:subtotals>
+          </cx:layoutPr>
+        </cx:series>
+      </cx:plotAreaRegion>
+      <cx:axis id="0">
+        <cx:catScaling gapWidth="0.5"/>
+        <cx:tickLabels/>
+      </cx:axis>
+      <cx:axis id="1">
+        <cx:valScaling/>
+        <cx:majorGridlines/>
+        <cx:tickLabels/>
+      </cx:axis>
+    </cx:plotArea>
+    <cx:legend pos="t" align="ctr" overlay="0"/>
+  </cx:chart>
+</cx:chartSpace>
+</file>
+
+<file path=ppt/charts/colors1.xml><?xml version="1.0" encoding="utf-8"?>
+<cs:colorStyle xmlns:cs="http://schemas.microsoft.com/office/drawing/2012/chartStyle" xmlns:a="http://schemas.openxmlformats.org/drawingml/2006/main" meth="cycle" id="10">
+  <a:schemeClr val="accent1"/>
+  <a:schemeClr val="accent2"/>
+  <a:schemeClr val="accent3"/>
+  <a:schemeClr val="accent4"/>
+  <a:schemeClr val="accent5"/>
+  <a:schemeClr val="accent6"/>
+  <cs:variation/>
+  <cs:variation>
+    <a:lumMod val="60000"/>
+  </cs:variation>
+  <cs:variation>
+    <a:lumMod val="80000"/>
+    <a:lumOff val="20000"/>
+  </cs:variation>
+  <cs:variation>
+    <a:lumMod val="80000"/>
+  </cs:variation>
+  <cs:variation>
+    <a:lumMod val="60000"/>
+    <a:lumOff val="40000"/>
+  </cs:variation>
+  <cs:variation>
+    <a:lumMod val="50000"/>
+  </cs:variation>
+  <cs:variation>
+    <a:lumMod val="70000"/>
+    <a:lumOff val="30000"/>
+  </cs:variation>
+  <cs:variation>
+    <a:lumMod val="70000"/>
+  </cs:variation>
+  <cs:variation>
+    <a:lumMod val="50000"/>
+    <a:lumOff val="50000"/>
+  </cs:variation>
+</cs:colorStyle>
+</file>
+
+<file path=ppt/charts/colors2.xml><?xml version="1.0" encoding="utf-8"?>
+<cs:colorStyle xmlns:cs="http://schemas.microsoft.com/office/drawing/2012/chartStyle" xmlns:a="http://schemas.openxmlformats.org/drawingml/2006/main" meth="cycle" id="10">
+  <a:schemeClr val="accent1"/>
+  <a:schemeClr val="accent2"/>
+  <a:schemeClr val="accent3"/>
+  <a:schemeClr val="accent4"/>
+  <a:schemeClr val="accent5"/>
+  <a:schemeClr val="accent6"/>
+  <cs:variation/>
+  <cs:variation>
+    <a:lumMod val="60000"/>
+  </cs:variation>
+  <cs:variation>
+    <a:lumMod val="80000"/>
+    <a:lumOff val="20000"/>
+  </cs:variation>
+  <cs:variation>
+    <a:lumMod val="80000"/>
+  </cs:variation>
+  <cs:variation>
+    <a:lumMod val="60000"/>
+    <a:lumOff val="40000"/>
+  </cs:variation>
+  <cs:variation>
+    <a:lumMod val="50000"/>
+  </cs:variation>
+  <cs:variation>
+    <a:lumMod val="70000"/>
+    <a:lumOff val="30000"/>
+  </cs:variation>
+  <cs:variation>
+    <a:lumMod val="70000"/>
+  </cs:variation>
+  <cs:variation>
+    <a:lumMod val="50000"/>
+    <a:lumOff val="50000"/>
+  </cs:variation>
+</cs:colorStyle>
+</file>
+
+<file path=ppt/charts/colors3.xml><?xml version="1.0" encoding="utf-8"?>
+<cs:colorStyle xmlns:cs="http://schemas.microsoft.com/office/drawing/2012/chartStyle" xmlns:a="http://schemas.openxmlformats.org/drawingml/2006/main" meth="cycle" id="10">
+  <a:schemeClr val="accent1"/>
+  <a:schemeClr val="accent2"/>
+  <a:schemeClr val="accent3"/>
+  <a:schemeClr val="accent4"/>
+  <a:schemeClr val="accent5"/>
+  <a:schemeClr val="accent6"/>
+  <cs:variation/>
+  <cs:variation>
+    <a:lumMod val="60000"/>
+  </cs:variation>
+  <cs:variation>
+    <a:lumMod val="80000"/>
+    <a:lumOff val="20000"/>
+  </cs:variation>
+  <cs:variation>
+    <a:lumMod val="80000"/>
+  </cs:variation>
+  <cs:variation>
+    <a:lumMod val="60000"/>
+    <a:lumOff val="40000"/>
+  </cs:variation>
+  <cs:variation>
+    <a:lumMod val="50000"/>
+  </cs:variation>
+  <cs:variation>
+    <a:lumMod val="70000"/>
+    <a:lumOff val="30000"/>
+  </cs:variation>
+  <cs:variation>
+    <a:lumMod val="70000"/>
+  </cs:variation>
+  <cs:variation>
+    <a:lumMod val="50000"/>
+    <a:lumOff val="50000"/>
+  </cs:variation>
+</cs:colorStyle>
+</file>
+
+<file path=ppt/charts/colors4.xml><?xml version="1.0" encoding="utf-8"?>
+<cs:colorStyle xmlns:cs="http://schemas.microsoft.com/office/drawing/2012/chartStyle" xmlns:a="http://schemas.openxmlformats.org/drawingml/2006/main" meth="cycle" id="10">
+  <a:schemeClr val="accent1"/>
+  <a:schemeClr val="accent2"/>
+  <a:schemeClr val="accent3"/>
+  <a:schemeClr val="accent4"/>
+  <a:schemeClr val="accent5"/>
+  <a:schemeClr val="accent6"/>
+  <cs:variation/>
+  <cs:variation>
+    <a:lumMod val="60000"/>
+  </cs:variation>
+  <cs:variation>
+    <a:lumMod val="80000"/>
+    <a:lumOff val="20000"/>
+  </cs:variation>
+  <cs:variation>
+    <a:lumMod val="80000"/>
+  </cs:variation>
+  <cs:variation>
+    <a:lumMod val="60000"/>
+    <a:lumOff val="40000"/>
+  </cs:variation>
+  <cs:variation>
+    <a:lumMod val="50000"/>
+  </cs:variation>
+  <cs:variation>
+    <a:lumMod val="70000"/>
+    <a:lumOff val="30000"/>
+  </cs:variation>
+  <cs:variation>
+    <a:lumMod val="70000"/>
+  </cs:variation>
+  <cs:variation>
+    <a:lumMod val="50000"/>
+    <a:lumOff val="50000"/>
+  </cs:variation>
+</cs:colorStyle>
+</file>
+
+<file path=ppt/charts/colors5.xml><?xml version="1.0" encoding="utf-8"?>
+<cs:colorStyle xmlns:cs="http://schemas.microsoft.com/office/drawing/2012/chartStyle" xmlns:a="http://schemas.openxmlformats.org/drawingml/2006/main" meth="cycle" id="10">
+  <a:schemeClr val="accent1"/>
+  <a:schemeClr val="accent2"/>
+  <a:schemeClr val="accent3"/>
+  <a:schemeClr val="accent4"/>
+  <a:schemeClr val="accent5"/>
+  <a:schemeClr val="accent6"/>
+  <cs:variation/>
+  <cs:variation>
+    <a:lumMod val="60000"/>
+  </cs:variation>
+  <cs:variation>
+    <a:lumMod val="80000"/>
+    <a:lumOff val="20000"/>
+  </cs:variation>
+  <cs:variation>
+    <a:lumMod val="80000"/>
+  </cs:variation>
+  <cs:variation>
+    <a:lumMod val="60000"/>
+    <a:lumOff val="40000"/>
+  </cs:variation>
+  <cs:variation>
+    <a:lumMod val="50000"/>
+  </cs:variation>
+  <cs:variation>
+    <a:lumMod val="70000"/>
+    <a:lumOff val="30000"/>
+  </cs:variation>
+  <cs:variation>
+    <a:lumMod val="70000"/>
+  </cs:variation>
+  <cs:variation>
+    <a:lumMod val="50000"/>
+    <a:lumOff val="50000"/>
+  </cs:variation>
+</cs:colorStyle>
+</file>
+
+<file path=ppt/charts/colors6.xml><?xml version="1.0" encoding="utf-8"?>
+<cs:colorStyle xmlns:cs="http://schemas.microsoft.com/office/drawing/2012/chartStyle" xmlns:a="http://schemas.openxmlformats.org/drawingml/2006/main" meth="cycle" id="10">
+  <a:schemeClr val="accent1"/>
+  <a:schemeClr val="accent2"/>
+  <a:schemeClr val="accent3"/>
+  <a:schemeClr val="accent4"/>
+  <a:schemeClr val="accent5"/>
+  <a:schemeClr val="accent6"/>
+  <cs:variation/>
+  <cs:variation>
+    <a:lumMod val="60000"/>
+  </cs:variation>
+  <cs:variation>
+    <a:lumMod val="80000"/>
+    <a:lumOff val="20000"/>
+  </cs:variation>
+  <cs:variation>
+    <a:lumMod val="80000"/>
+  </cs:variation>
+  <cs:variation>
+    <a:lumMod val="60000"/>
+    <a:lumOff val="40000"/>
+  </cs:variation>
+  <cs:variation>
+    <a:lumMod val="50000"/>
+  </cs:variation>
+  <cs:variation>
+    <a:lumMod val="70000"/>
+    <a:lumOff val="30000"/>
+  </cs:variation>
+  <cs:variation>
+    <a:lumMod val="70000"/>
+  </cs:variation>
+  <cs:variation>
+    <a:lumMod val="50000"/>
+    <a:lumOff val="50000"/>
+  </cs:variation>
+</cs:colorStyle>
+</file>
+
+<file path=ppt/charts/style1.xml><?xml version="1.0" encoding="utf-8"?>
+<cs:chartStyle xmlns:cs="http://schemas.microsoft.com/office/drawing/2012/chartStyle" xmlns:a="http://schemas.openxmlformats.org/drawingml/2006/main" id="201">
+  <cs:axisTitle>
+    <cs:lnRef idx="0"/>
+    <cs:fillRef idx="0"/>
+    <cs:effectRef idx="0"/>
+    <cs:fontRef idx="minor">
+      <a:schemeClr val="tx1">
+        <a:lumMod val="65000"/>
+        <a:lumOff val="35000"/>
+      </a:schemeClr>
+    </cs:fontRef>
+    <cs:defRPr sz="1330" kern="1200"/>
+  </cs:axisTitle>
+  <cs:categoryAxis>
+    <cs:lnRef idx="0"/>
+    <cs:fillRef idx="0"/>
+    <cs:effectRef idx="0"/>
+    <cs:fontRef idx="minor">
+      <a:schemeClr val="tx1">
+        <a:lumMod val="65000"/>
+        <a:lumOff val="35000"/>
+      </a:schemeClr>
+    </cs:fontRef>
+    <cs:spPr>
+      <a:ln w="9525" cap="flat" cmpd="sng" algn="ctr">
+        <a:solidFill>
+          <a:schemeClr val="tx1">
+            <a:lumMod val="15000"/>
+            <a:lumOff val="85000"/>
+          </a:schemeClr>
+        </a:solidFill>
+        <a:round/>
+      </a:ln>
+    </cs:spPr>
+    <cs:defRPr sz="1197" kern="1200"/>
+  </cs:categoryAxis>
+  <cs:chartArea mods="allowNoFillOverride allowNoLineOverride">
+    <cs:lnRef idx="0"/>
+    <cs:fillRef idx="0"/>
+    <cs:effectRef idx="0"/>
+    <cs:fontRef idx="minor">
+      <a:schemeClr val="tx1"/>
+    </cs:fontRef>
+    <cs:spPr>
+      <a:solidFill>
+        <a:schemeClr val="bg1"/>
+      </a:solidFill>
+      <a:ln w="9525" cap="flat" cmpd="sng" algn="ctr">
+        <a:solidFill>
+          <a:schemeClr val="tx1">
+            <a:lumMod val="15000"/>
+            <a:lumOff val="85000"/>
+          </a:schemeClr>
+        </a:solidFill>
+        <a:round/>
+      </a:ln>
+    </cs:spPr>
+    <cs:defRPr sz="1330" kern="1200"/>
+  </cs:chartArea>
+  <cs:dataLabel>
+    <cs:lnRef idx="0"/>
+    <cs:fillRef idx="0"/>
+    <cs:effectRef idx="0"/>
+    <cs:fontRef idx="minor">
+      <a:schemeClr val="tx1">
+        <a:lumMod val="75000"/>
+        <a:lumOff val="25000"/>
+      </a:schemeClr>
+    </cs:fontRef>
+    <cs:defRPr sz="1197" kern="1200"/>
+  </cs:dataLabel>
+  <cs:dataLabelCallout>
+    <cs:lnRef idx="0"/>
+    <cs:fillRef idx="0"/>
+    <cs:effectRef idx="0"/>
+    <cs:fontRef idx="minor">
+      <a:schemeClr val="dk1">
+        <a:lumMod val="65000"/>
+        <a:lumOff val="35000"/>
+      </a:schemeClr>
+    </cs:fontRef>
+    <cs:spPr>
+      <a:solidFill>
+        <a:schemeClr val="lt1"/>
+      </a:solidFill>
+      <a:ln>
+        <a:solidFill>
+          <a:schemeClr val="dk1">
+            <a:lumMod val="25000"/>
+            <a:lumOff val="75000"/>
+          </a:schemeClr>
+        </a:solidFill>
+      </a:ln>
+    </cs:spPr>
+    <cs:defRPr sz="1197" kern="1200"/>
+    <cs:bodyPr rot="0" spcFirstLastPara="1" vertOverflow="clip" horzOverflow="clip" vert="horz" wrap="square" lIns="36576" tIns="18288" rIns="36576" bIns="18288" anchor="ctr" anchorCtr="1">
+      <a:spAutoFit/>
+    </cs:bodyPr>
+  </cs:dataLabelCallout>
+  <cs:dataPoint>
+    <cs:lnRef idx="0"/>
+    <cs:fillRef idx="1">
+      <cs:styleClr val="auto"/>
+    </cs:fillRef>
+    <cs:effectRef idx="0"/>
+    <cs:fontRef idx="minor">
+      <a:schemeClr val="tx1"/>
+    </cs:fontRef>
+  </cs:dataPoint>
+  <cs:dataPoint3D>
+    <cs:lnRef idx="0"/>
+    <cs:fillRef idx="1">
+      <cs:styleClr val="auto"/>
+    </cs:fillRef>
+    <cs:effectRef idx="0"/>
+    <cs:fontRef idx="minor">
+      <a:schemeClr val="tx1"/>
+    </cs:fontRef>
+  </cs:dataPoint3D>
+  <cs:dataPointLine>
+    <cs:lnRef idx="0">
+      <cs:styleClr val="auto"/>
+    </cs:lnRef>
+    <cs:fillRef idx="1"/>
+    <cs:effectRef idx="0"/>
+    <cs:fontRef idx="minor">
+      <a:schemeClr val="tx1"/>
+    </cs:fontRef>
+    <cs:spPr>
+      <a:ln w="28575" cap="rnd">
+        <a:solidFill>
+          <a:schemeClr val="phClr"/>
+        </a:solidFill>
+        <a:round/>
+      </a:ln>
+    </cs:spPr>
+  </cs:dataPointLine>
+  <cs:dataPointMarker>
+    <cs:lnRef idx="0">
+      <cs:styleClr val="auto"/>
+    </cs:lnRef>
+    <cs:fillRef idx="1">
+      <cs:styleClr val="auto"/>
+    </cs:fillRef>
+    <cs:effectRef idx="0"/>
+    <cs:fontRef idx="minor">
+      <a:schemeClr val="tx1"/>
+    </cs:fontRef>
+    <cs:spPr>
+      <a:ln w="9525">
+        <a:solidFill>
+          <a:schemeClr val="phClr"/>
+        </a:solidFill>
+      </a:ln>
+    </cs:spPr>
+  </cs:dataPointMarker>
+  <cs:dataPointMarkerLayout symbol="circle" size="5"/>
+  <cs:dataPointWireframe>
+    <cs:lnRef idx="0">
+      <cs:styleClr val="auto"/>
+    </cs:lnRef>
+    <cs:fillRef idx="1"/>
+    <cs:effectRef idx="0"/>
+    <cs:fontRef idx="minor">
+      <a:schemeClr val="tx1"/>
+    </cs:fontRef>
+    <cs:spPr>
+      <a:ln w="9525" cap="rnd">
+        <a:solidFill>
+          <a:schemeClr val="phClr"/>
+        </a:solidFill>
+        <a:round/>
+      </a:ln>
+    </cs:spPr>
+  </cs:dataPointWireframe>
+  <cs:dataTable>
+    <cs:lnRef idx="0"/>
+    <cs:fillRef idx="0"/>
+    <cs:effectRef idx="0"/>
+    <cs:fontRef idx="minor">
+      <a:schemeClr val="tx1">
+        <a:lumMod val="65000"/>
+        <a:lumOff val="35000"/>
+      </a:schemeClr>
+    </cs:fontRef>
+    <cs:spPr>
+      <a:noFill/>
+      <a:ln w="9525" cap="flat" cmpd="sng" algn="ctr">
+        <a:solidFill>
+          <a:schemeClr val="tx1">
+            <a:lumMod val="15000"/>
+            <a:lumOff val="85000"/>
+          </a:schemeClr>
+        </a:solidFill>
+        <a:round/>
+      </a:ln>
+    </cs:spPr>
+    <cs:defRPr sz="1197" kern="1200"/>
+  </cs:dataTable>
+  <cs:downBar>
+    <cs:lnRef idx="0"/>
+    <cs:fillRef idx="0"/>
+    <cs:effectRef idx="0"/>
+    <cs:fontRef idx="minor">
+      <a:schemeClr val="dk1"/>
+    </cs:fontRef>
+    <cs:spPr>
+      <a:solidFill>
+        <a:schemeClr val="dk1">
+          <a:lumMod val="65000"/>
+          <a:lumOff val="35000"/>
+        </a:schemeClr>
+      </a:solidFill>
+      <a:ln w="9525">
+        <a:solidFill>
+          <a:schemeClr val="tx1">
+            <a:lumMod val="65000"/>
+            <a:lumOff val="35000"/>
+          </a:schemeClr>
+        </a:solidFill>
+      </a:ln>
+    </cs:spPr>
+  </cs:downBar>
+  <cs:dropLine>
+    <cs:lnRef idx="0"/>
+    <cs:fillRef idx="0"/>
+    <cs:effectRef idx="0"/>
+    <cs:fontRef idx="minor">
+      <a:schemeClr val="tx1"/>
+    </cs:fontRef>
+    <cs:spPr>
+      <a:ln w="9525" cap="flat" cmpd="sng" algn="ctr">
+        <a:solidFill>
+          <a:schemeClr val="tx1">
+            <a:lumMod val="35000"/>
+            <a:lumOff val="65000"/>
+          </a:schemeClr>
+        </a:solidFill>
+        <a:round/>
+      </a:ln>
+    </cs:spPr>
+  </cs:dropLine>
+  <cs:errorBar>
+    <cs:lnRef idx="0"/>
+    <cs:fillRef idx="0"/>
+    <cs:effectRef idx="0"/>
+    <cs:fontRef idx="minor">
+      <a:schemeClr val="tx1"/>
+    </cs:fontRef>
+    <cs:spPr>
+      <a:ln w="9525" cap="flat" cmpd="sng" algn="ctr">
+        <a:solidFill>
+          <a:schemeClr val="tx1">
+            <a:lumMod val="65000"/>
+            <a:lumOff val="35000"/>
+          </a:schemeClr>
+        </a:solidFill>
+        <a:round/>
+      </a:ln>
+    </cs:spPr>
+  </cs:errorBar>
+  <cs:floor>
+    <cs:lnRef idx="0"/>
+    <cs:fillRef idx="0"/>
+    <cs:effectRef idx="0"/>
+    <cs:fontRef idx="minor">
+      <a:schemeClr val="tx1"/>
+    </cs:fontRef>
+    <cs:spPr>
+      <a:noFill/>
+      <a:ln>
+        <a:noFill/>
+      </a:ln>
+    </cs:spPr>
+  </cs:floor>
+  <cs:gridlineMajor>
+    <cs:lnRef idx="0"/>
+    <cs:fillRef idx="0"/>
+    <cs:effectRef idx="0"/>
+    <cs:fontRef idx="minor">
+      <a:schemeClr val="tx1"/>
+    </cs:fontRef>
+    <cs:spPr>
+      <a:ln w="9525" cap="flat" cmpd="sng" algn="ctr">
+        <a:solidFill>
+          <a:schemeClr val="tx1">
+            <a:lumMod val="15000"/>
+            <a:lumOff val="85000"/>
+          </a:schemeClr>
+        </a:solidFill>
+        <a:round/>
+      </a:ln>
+    </cs:spPr>
+  </cs:gridlineMajor>
+  <cs:gridlineMinor>
+    <cs:lnRef idx="0"/>
+    <cs:fillRef idx="0"/>
+    <cs:effectRef idx="0"/>
+    <cs:fontRef idx="minor">
+      <a:schemeClr val="tx1"/>
+    </cs:fontRef>
+    <cs:spPr>
+      <a:ln w="9525" cap="flat" cmpd="sng" algn="ctr">
+        <a:solidFill>
+          <a:schemeClr val="tx1">
+            <a:lumMod val="5000"/>
+            <a:lumOff val="95000"/>
+          </a:schemeClr>
+        </a:solidFill>
+        <a:round/>
+      </a:ln>
+    </cs:spPr>
+  </cs:gridlineMinor>
+  <cs:hiLoLine>
+    <cs:lnRef idx="0"/>
+    <cs:fillRef idx="0"/>
+    <cs:effectRef idx="0"/>
+    <cs:fontRef idx="minor">
+      <a:schemeClr val="tx1"/>
+    </cs:fontRef>
+    <cs:spPr>
+      <a:ln w="9525" cap="flat" cmpd="sng" algn="ctr">
+        <a:solidFill>
+          <a:schemeClr val="tx1">
+            <a:lumMod val="75000"/>
+            <a:lumOff val="25000"/>
+          </a:schemeClr>
+        </a:solidFill>
+        <a:round/>
+      </a:ln>
+    </cs:spPr>
+  </cs:hiLoLine>
+  <cs:leaderLine>
+    <cs:lnRef idx="0"/>
+    <cs:fillRef idx="0"/>
+    <cs:effectRef idx="0"/>
+    <cs:fontRef idx="minor">
+      <a:schemeClr val="tx1"/>
+    </cs:fontRef>
+    <cs:spPr>
+      <a:ln w="9525" cap="flat" cmpd="sng" algn="ctr">
+        <a:solidFill>
+          <a:schemeClr val="tx1">
+            <a:lumMod val="35000"/>
+            <a:lumOff val="65000"/>
+          </a:schemeClr>
+        </a:solidFill>
+        <a:round/>
+      </a:ln>
+    </cs:spPr>
+  </cs:leaderLine>
+  <cs:legend>
+    <cs:lnRef idx="0"/>
+    <cs:fillRef idx="0"/>
+    <cs:effectRef idx="0"/>
+    <cs:fontRef idx="minor">
+      <a:schemeClr val="tx1">
+        <a:lumMod val="65000"/>
+        <a:lumOff val="35000"/>
+      </a:schemeClr>
+    </cs:fontRef>
+    <cs:defRPr sz="1197" kern="1200"/>
+  </cs:legend>
+  <cs:plotArea mods="allowNoFillOverride allowNoLineOverride">
+    <cs:lnRef idx="0"/>
+    <cs:fillRef idx="0"/>
+    <cs:effectRef idx="0"/>
+    <cs:fontRef idx="minor">
+      <a:schemeClr val="tx1"/>
+    </cs:fontRef>
+  </cs:plotArea>
+  <cs:plotArea3D mods="allowNoFillOverride allowNoLineOverride">
+    <cs:lnRef idx="0"/>
+    <cs:fillRef idx="0"/>
+    <cs:effectRef idx="0"/>
+    <cs:fontRef idx="minor">
+      <a:schemeClr val="tx1"/>
+    </cs:fontRef>
+  </cs:plotArea3D>
+  <cs:seriesAxis>
+    <cs:lnRef idx="0"/>
+    <cs:fillRef idx="0"/>
+    <cs:effectRef idx="0"/>
+    <cs:fontRef idx="minor">
+      <a:schemeClr val="tx1">
+        <a:lumMod val="65000"/>
+        <a:lumOff val="35000"/>
+      </a:schemeClr>
+    </cs:fontRef>
+    <cs:defRPr sz="1197" kern="1200"/>
+  </cs:seriesAxis>
+  <cs:seriesLine>
+    <cs:lnRef idx="0"/>
+    <cs:fillRef idx="0"/>
+    <cs:effectRef idx="0"/>
+    <cs:fontRef idx="minor">
+      <a:schemeClr val="tx1"/>
+    </cs:fontRef>
+    <cs:spPr>
+      <a:ln w="9525" cap="flat" cmpd="sng" algn="ctr">
+        <a:solidFill>
+          <a:schemeClr val="tx1">
+            <a:lumMod val="35000"/>
+            <a:lumOff val="65000"/>
+          </a:schemeClr>
+        </a:solidFill>
+        <a:round/>
+      </a:ln>
+    </cs:spPr>
+  </cs:seriesLine>
+  <cs:title>
+    <cs:lnRef idx="0"/>
+    <cs:fillRef idx="0"/>
+    <cs:effectRef idx="0"/>
+    <cs:fontRef idx="minor">
+      <a:schemeClr val="tx1">
+        <a:lumMod val="65000"/>
+        <a:lumOff val="35000"/>
+      </a:schemeClr>
+    </cs:fontRef>
+    <cs:defRPr sz="1862" b="0" kern="1200" spc="0" baseline="0"/>
+  </cs:title>
+  <cs:trendline>
+    <cs:lnRef idx="0">
+      <cs:styleClr val="auto"/>
+    </cs:lnRef>
+    <cs:fillRef idx="0"/>
+    <cs:effectRef idx="0"/>
+    <cs:fontRef idx="minor">
+      <a:schemeClr val="tx1"/>
+    </cs:fontRef>
+    <cs:spPr>
+      <a:ln w="19050" cap="rnd">
+        <a:solidFill>
+          <a:schemeClr val="phClr"/>
+        </a:solidFill>
+        <a:prstDash val="sysDot"/>
+      </a:ln>
+    </cs:spPr>
+  </cs:trendline>
+  <cs:trendlineLabel>
+    <cs:lnRef idx="0"/>
+    <cs:fillRef idx="0"/>
+    <cs:effectRef idx="0"/>
+    <cs:fontRef idx="minor">
+      <a:schemeClr val="tx1">
+        <a:lumMod val="65000"/>
+        <a:lumOff val="35000"/>
+      </a:schemeClr>
+    </cs:fontRef>
+    <cs:defRPr sz="1197" kern="1200"/>
+  </cs:trendlineLabel>
+  <cs:upBar>
+    <cs:lnRef idx="0"/>
+    <cs:fillRef idx="0"/>
+    <cs:effectRef idx="0"/>
+    <cs:fontRef idx="minor">
+      <a:schemeClr val="dk1"/>
+    </cs:fontRef>
+    <cs:spPr>
+      <a:solidFill>
+        <a:schemeClr val="lt1"/>
+      </a:solidFill>
+      <a:ln w="9525">
+        <a:solidFill>
+          <a:schemeClr val="tx1">
+            <a:lumMod val="15000"/>
+            <a:lumOff val="85000"/>
+          </a:schemeClr>
+        </a:solidFill>
+      </a:ln>
+    </cs:spPr>
+  </cs:upBar>
+  <cs:valueAxis>
+    <cs:lnRef idx="0"/>
+    <cs:fillRef idx="0"/>
+    <cs:effectRef idx="0"/>
+    <cs:fontRef idx="minor">
+      <a:schemeClr val="tx1">
+        <a:lumMod val="65000"/>
+        <a:lumOff val="35000"/>
+      </a:schemeClr>
+    </cs:fontRef>
+    <cs:defRPr sz="1197" kern="1200"/>
+  </cs:valueAxis>
+  <cs:wall>
+    <cs:lnRef idx="0"/>
+    <cs:fillRef idx="0"/>
+    <cs:effectRef idx="0"/>
+    <cs:fontRef idx="minor">
+      <a:schemeClr val="tx1"/>
+    </cs:fontRef>
+    <cs:spPr>
+      <a:noFill/>
+      <a:ln>
+        <a:noFill/>
+      </a:ln>
+    </cs:spPr>
+  </cs:wall>
+</cs:chartStyle>
+</file>
+
+<file path=ppt/charts/style2.xml><?xml version="1.0" encoding="utf-8"?>
+<cs:chartStyle xmlns:cs="http://schemas.microsoft.com/office/drawing/2012/chartStyle" xmlns:a="http://schemas.openxmlformats.org/drawingml/2006/main" id="227">
+  <cs:axisTitle>
+    <cs:lnRef idx="0"/>
+    <cs:fillRef idx="0"/>
+    <cs:effectRef idx="0"/>
+    <cs:fontRef idx="minor">
+      <a:schemeClr val="tx1">
+        <a:lumMod val="65000"/>
+        <a:lumOff val="35000"/>
+      </a:schemeClr>
+    </cs:fontRef>
+    <cs:defRPr sz="1330" kern="1200"/>
+  </cs:axisTitle>
+  <cs:categoryAxis>
+    <cs:lnRef idx="0"/>
+    <cs:fillRef idx="0"/>
+    <cs:effectRef idx="0"/>
+    <cs:fontRef idx="minor">
+      <a:schemeClr val="tx1">
+        <a:lumMod val="65000"/>
+        <a:lumOff val="35000"/>
+      </a:schemeClr>
+    </cs:fontRef>
+    <cs:spPr>
+      <a:ln w="9525" cap="flat" cmpd="sng" algn="ctr">
+        <a:solidFill>
+          <a:schemeClr val="tx1">
+            <a:lumMod val="15000"/>
+            <a:lumOff val="85000"/>
+          </a:schemeClr>
+        </a:solidFill>
+        <a:round/>
+      </a:ln>
+    </cs:spPr>
+    <cs:defRPr sz="1197" kern="1200"/>
+  </cs:categoryAxis>
+  <cs:chartArea mods="allowNoFillOverride allowNoLineOverride">
+    <cs:lnRef idx="0"/>
+    <cs:fillRef idx="0"/>
+    <cs:effectRef idx="0"/>
+    <cs:fontRef idx="minor">
+      <a:schemeClr val="tx1"/>
+    </cs:fontRef>
+    <cs:spPr>
+      <a:solidFill>
+        <a:schemeClr val="bg1"/>
+      </a:solidFill>
+      <a:ln w="9525" cap="flat" cmpd="sng" algn="ctr">
+        <a:solidFill>
+          <a:schemeClr val="tx1">
+            <a:lumMod val="15000"/>
+            <a:lumOff val="85000"/>
+          </a:schemeClr>
+        </a:solidFill>
+        <a:round/>
+      </a:ln>
+    </cs:spPr>
+    <cs:defRPr sz="1330" kern="1200"/>
+  </cs:chartArea>
+  <cs:dataLabel>
+    <cs:lnRef idx="0"/>
+    <cs:fillRef idx="0"/>
+    <cs:effectRef idx="0"/>
+    <cs:fontRef idx="minor">
+      <a:schemeClr val="tx1">
+        <a:lumMod val="75000"/>
+        <a:lumOff val="25000"/>
+      </a:schemeClr>
+    </cs:fontRef>
+    <cs:defRPr sz="1197" kern="1200"/>
+  </cs:dataLabel>
+  <cs:dataLabelCallout>
+    <cs:lnRef idx="0"/>
+    <cs:fillRef idx="0"/>
+    <cs:effectRef idx="0"/>
+    <cs:fontRef idx="minor">
+      <a:schemeClr val="dk1">
+        <a:lumMod val="65000"/>
+        <a:lumOff val="35000"/>
+      </a:schemeClr>
+    </cs:fontRef>
+    <cs:spPr>
+      <a:solidFill>
+        <a:schemeClr val="lt1"/>
+      </a:solidFill>
+      <a:ln>
+        <a:solidFill>
+          <a:schemeClr val="dk1">
+            <a:lumMod val="25000"/>
+            <a:lumOff val="75000"/>
+          </a:schemeClr>
+        </a:solidFill>
+      </a:ln>
+    </cs:spPr>
+    <cs:defRPr sz="1197" kern="1200"/>
+    <cs:bodyPr rot="0" spcFirstLastPara="1" vertOverflow="clip" horzOverflow="clip" vert="horz" wrap="square" lIns="36576" tIns="18288" rIns="36576" bIns="18288" anchor="ctr" anchorCtr="1">
+      <a:spAutoFit/>
+    </cs:bodyPr>
+  </cs:dataLabelCallout>
+  <cs:dataPoint>
+    <cs:lnRef idx="0"/>
+    <cs:fillRef idx="1">
+      <cs:styleClr val="auto"/>
+    </cs:fillRef>
+    <cs:effectRef idx="0"/>
+    <cs:fontRef idx="minor">
+      <a:schemeClr val="tx1"/>
+    </cs:fontRef>
+    <cs:spPr>
+      <a:solidFill>
+        <a:schemeClr val="phClr"/>
+      </a:solidFill>
+    </cs:spPr>
+  </cs:dataPoint>
+  <cs:dataPoint3D>
+    <cs:lnRef idx="0"/>
+    <cs:fillRef idx="1">
+      <cs:styleClr val="auto"/>
+    </cs:fillRef>
+    <cs:effectRef idx="0"/>
+    <cs:fontRef idx="minor">
+      <a:schemeClr val="tx1"/>
+    </cs:fontRef>
+    <cs:spPr>
+      <a:solidFill>
+        <a:schemeClr val="phClr"/>
+      </a:solidFill>
+    </cs:spPr>
+  </cs:dataPoint3D>
+  <cs:dataPointLine>
+    <cs:lnRef idx="0">
+      <cs:styleClr val="auto"/>
+    </cs:lnRef>
+    <cs:fillRef idx="1"/>
+    <cs:effectRef idx="0"/>
+    <cs:fontRef idx="minor">
+      <a:schemeClr val="tx1"/>
+    </cs:fontRef>
+    <cs:spPr>
+      <a:ln w="28575" cap="rnd">
+        <a:solidFill>
+          <a:schemeClr val="phClr"/>
+        </a:solidFill>
+        <a:round/>
+      </a:ln>
+    </cs:spPr>
+  </cs:dataPointLine>
+  <cs:dataPointMarker>
+    <cs:lnRef idx="0">
+      <cs:styleClr val="auto"/>
+    </cs:lnRef>
+    <cs:fillRef idx="1">
+      <cs:styleClr val="auto"/>
+    </cs:fillRef>
+    <cs:effectRef idx="0"/>
+    <cs:fontRef idx="minor">
+      <a:schemeClr val="tx1"/>
+    </cs:fontRef>
+    <cs:spPr>
+      <a:solidFill>
+        <a:schemeClr val="phClr"/>
+      </a:solidFill>
+      <a:ln w="9525">
+        <a:solidFill>
+          <a:schemeClr val="phClr"/>
+        </a:solidFill>
+      </a:ln>
+    </cs:spPr>
+  </cs:dataPointMarker>
+  <cs:dataPointMarkerLayout symbol="circle" size="5"/>
+  <cs:dataPointWireframe>
+    <cs:lnRef idx="0">
+      <cs:styleClr val="auto"/>
+    </cs:lnRef>
+    <cs:fillRef idx="1"/>
+    <cs:effectRef idx="0"/>
+    <cs:fontRef idx="minor">
+      <a:schemeClr val="tx1"/>
+    </cs:fontRef>
+    <cs:spPr>
+      <a:ln w="9525" cap="rnd">
+        <a:solidFill>
+          <a:schemeClr val="phClr"/>
+        </a:solidFill>
+        <a:round/>
+      </a:ln>
+    </cs:spPr>
+  </cs:dataPointWireframe>
+  <cs:dataTable>
+    <cs:lnRef idx="0"/>
+    <cs:fillRef idx="0"/>
+    <cs:effectRef idx="0"/>
+    <cs:fontRef idx="minor">
+      <a:schemeClr val="tx1">
+        <a:lumMod val="65000"/>
+        <a:lumOff val="35000"/>
+      </a:schemeClr>
+    </cs:fontRef>
+    <cs:spPr>
+      <a:noFill/>
+      <a:ln w="9525" cap="flat" cmpd="sng" algn="ctr">
+        <a:solidFill>
+          <a:schemeClr val="tx1">
+            <a:lumMod val="15000"/>
+            <a:lumOff val="85000"/>
+          </a:schemeClr>
+        </a:solidFill>
+        <a:round/>
+      </a:ln>
+    </cs:spPr>
+    <cs:defRPr sz="1197" kern="1200"/>
+  </cs:dataTable>
+  <cs:downBar>
+    <cs:lnRef idx="0"/>
+    <cs:fillRef idx="0"/>
+    <cs:effectRef idx="0"/>
+    <cs:fontRef idx="minor">
+      <a:schemeClr val="dk1"/>
+    </cs:fontRef>
+    <cs:spPr>
+      <a:solidFill>
+        <a:schemeClr val="dk1">
+          <a:lumMod val="65000"/>
+          <a:lumOff val="35000"/>
+        </a:schemeClr>
+      </a:solidFill>
+      <a:ln w="9525">
+        <a:solidFill>
+          <a:schemeClr val="tx1">
+            <a:lumMod val="65000"/>
+            <a:lumOff val="35000"/>
+          </a:schemeClr>
+        </a:solidFill>
+      </a:ln>
+    </cs:spPr>
+  </cs:downBar>
+  <cs:dropLine>
+    <cs:lnRef idx="0"/>
+    <cs:fillRef idx="0"/>
+    <cs:effectRef idx="0"/>
+    <cs:fontRef idx="minor">
+      <a:schemeClr val="tx1"/>
+    </cs:fontRef>
+    <cs:spPr>
+      <a:ln w="9525" cap="flat" cmpd="sng" algn="ctr">
+        <a:solidFill>
+          <a:schemeClr val="tx1">
+            <a:lumMod val="35000"/>
+            <a:lumOff val="65000"/>
+          </a:schemeClr>
+        </a:solidFill>
+        <a:round/>
+      </a:ln>
+    </cs:spPr>
+  </cs:dropLine>
+  <cs:errorBar>
+    <cs:lnRef idx="0"/>
+    <cs:fillRef idx="0"/>
+    <cs:effectRef idx="0"/>
+    <cs:fontRef idx="minor">
+      <a:schemeClr val="tx1"/>
+    </cs:fontRef>
+    <cs:spPr>
+      <a:ln w="9525" cap="flat" cmpd="sng" algn="ctr">
+        <a:solidFill>
+          <a:schemeClr val="tx1">
+            <a:lumMod val="65000"/>
+            <a:lumOff val="35000"/>
+          </a:schemeClr>
+        </a:solidFill>
+        <a:round/>
+      </a:ln>
+    </cs:spPr>
+  </cs:errorBar>
+  <cs:floor>
+    <cs:lnRef idx="0"/>
+    <cs:fillRef idx="0"/>
+    <cs:effectRef idx="0"/>
+    <cs:fontRef idx="minor">
+      <a:schemeClr val="tx1"/>
+    </cs:fontRef>
+    <cs:spPr>
+      <a:noFill/>
+      <a:ln>
+        <a:noFill/>
+      </a:ln>
+    </cs:spPr>
+  </cs:floor>
+  <cs:gridlineMajor>
+    <cs:lnRef idx="0"/>
+    <cs:fillRef idx="0"/>
+    <cs:effectRef idx="0"/>
+    <cs:fontRef idx="minor">
+      <a:schemeClr val="tx1"/>
+    </cs:fontRef>
+    <cs:spPr>
+      <a:ln w="9525" cap="flat" cmpd="sng" algn="ctr">
+        <a:solidFill>
+          <a:schemeClr val="tx1">
+            <a:lumMod val="15000"/>
+            <a:lumOff val="85000"/>
+          </a:schemeClr>
+        </a:solidFill>
+        <a:round/>
+      </a:ln>
+    </cs:spPr>
+  </cs:gridlineMajor>
+  <cs:gridlineMinor>
+    <cs:lnRef idx="0"/>
+    <cs:fillRef idx="0"/>
+    <cs:effectRef idx="0"/>
+    <cs:fontRef idx="minor">
+      <a:schemeClr val="tx1"/>
+    </cs:fontRef>
+    <cs:spPr>
+      <a:ln w="9525" cap="flat" cmpd="sng" algn="ctr">
+        <a:solidFill>
+          <a:schemeClr val="tx1">
+            <a:lumMod val="5000"/>
+            <a:lumOff val="95000"/>
+          </a:schemeClr>
+        </a:solidFill>
+        <a:round/>
+      </a:ln>
+    </cs:spPr>
+  </cs:gridlineMinor>
+  <cs:hiLoLine>
+    <cs:lnRef idx="0"/>
+    <cs:fillRef idx="0"/>
+    <cs:effectRef idx="0"/>
+    <cs:fontRef idx="minor">
+      <a:schemeClr val="tx1"/>
+    </cs:fontRef>
+    <cs:spPr>
+      <a:ln w="9525" cap="flat" cmpd="sng" algn="ctr">
+        <a:solidFill>
+          <a:schemeClr val="tx1">
+            <a:lumMod val="75000"/>
+            <a:lumOff val="25000"/>
+          </a:schemeClr>
+        </a:solidFill>
+        <a:round/>
+      </a:ln>
+    </cs:spPr>
+  </cs:hiLoLine>
+  <cs:leaderLine>
+    <cs:lnRef idx="0"/>
+    <cs:fillRef idx="0"/>
+    <cs:effectRef idx="0"/>
+    <cs:fontRef idx="minor">
+      <a:schemeClr val="tx1"/>
+    </cs:fontRef>
+    <cs:spPr>
+      <a:ln w="9525" cap="flat" cmpd="sng" algn="ctr">
+        <a:solidFill>
+          <a:schemeClr val="tx1">
+            <a:lumMod val="35000"/>
+            <a:lumOff val="65000"/>
+          </a:schemeClr>
+        </a:solidFill>
+        <a:round/>
+      </a:ln>
+    </cs:spPr>
+  </cs:leaderLine>
+  <cs:legend>
+    <cs:lnRef idx="0"/>
+    <cs:fillRef idx="0"/>
+    <cs:effectRef idx="0"/>
+    <cs:fontRef idx="minor">
+      <a:schemeClr val="tx1">
+        <a:lumMod val="65000"/>
+        <a:lumOff val="35000"/>
+      </a:schemeClr>
+    </cs:fontRef>
+    <cs:defRPr sz="1197" kern="1200"/>
+  </cs:legend>
+  <cs:plotArea mods="allowNoFillOverride allowNoLineOverride">
+    <cs:lnRef idx="0"/>
+    <cs:fillRef idx="0"/>
+    <cs:effectRef idx="0"/>
+    <cs:fontRef idx="minor">
+      <a:schemeClr val="tx1"/>
+    </cs:fontRef>
+  </cs:plotArea>
+  <cs:plotArea3D mods="allowNoFillOverride allowNoLineOverride">
+    <cs:lnRef idx="0"/>
+    <cs:fillRef idx="0"/>
+    <cs:effectRef idx="0"/>
+    <cs:fontRef idx="minor">
+      <a:schemeClr val="tx1"/>
+    </cs:fontRef>
+  </cs:plotArea3D>
+  <cs:seriesAxis>
+    <cs:lnRef idx="0"/>
+    <cs:fillRef idx="0"/>
+    <cs:effectRef idx="0"/>
+    <cs:fontRef idx="minor">
+      <a:schemeClr val="tx1">
+        <a:lumMod val="65000"/>
+        <a:lumOff val="35000"/>
+      </a:schemeClr>
+    </cs:fontRef>
+    <cs:defRPr sz="1197" kern="1200"/>
+  </cs:seriesAxis>
+  <cs:seriesLine>
+    <cs:lnRef idx="0"/>
+    <cs:fillRef idx="0"/>
+    <cs:effectRef idx="0"/>
+    <cs:fontRef idx="minor">
+      <a:schemeClr val="tx1"/>
+    </cs:fontRef>
+    <cs:spPr>
+      <a:ln w="9525" cap="flat" cmpd="sng" algn="ctr">
+        <a:solidFill>
+          <a:schemeClr val="tx1">
+            <a:lumMod val="35000"/>
+            <a:lumOff val="65000"/>
+          </a:schemeClr>
+        </a:solidFill>
+        <a:round/>
+      </a:ln>
+    </cs:spPr>
+  </cs:seriesLine>
+  <cs:title>
+    <cs:lnRef idx="0"/>
+    <cs:fillRef idx="0"/>
+    <cs:effectRef idx="0"/>
+    <cs:fontRef idx="minor">
+      <a:schemeClr val="tx1">
+        <a:lumMod val="65000"/>
+        <a:lumOff val="35000"/>
+      </a:schemeClr>
+    </cs:fontRef>
+    <cs:defRPr sz="1862" b="0" kern="1200" spc="0" baseline="0"/>
+  </cs:title>
+  <cs:trendline>
+    <cs:lnRef idx="0">
+      <cs:styleClr val="auto"/>
+    </cs:lnRef>
+    <cs:fillRef idx="0"/>
+    <cs:effectRef idx="0"/>
+    <cs:fontRef idx="minor">
+      <a:schemeClr val="tx1"/>
+    </cs:fontRef>
+    <cs:spPr>
+      <a:ln w="19050" cap="rnd">
+        <a:solidFill>
+          <a:schemeClr val="phClr"/>
+        </a:solidFill>
+        <a:prstDash val="sysDot"/>
+      </a:ln>
+    </cs:spPr>
+  </cs:trendline>
+  <cs:trendlineLabel>
+    <cs:lnRef idx="0"/>
+    <cs:fillRef idx="0"/>
+    <cs:effectRef idx="0"/>
+    <cs:fontRef idx="minor">
+      <a:schemeClr val="tx1">
+        <a:lumMod val="65000"/>
+        <a:lumOff val="35000"/>
+      </a:schemeClr>
+    </cs:fontRef>
+    <cs:defRPr sz="1197" kern="1200"/>
+  </cs:trendlineLabel>
+  <cs:upBar>
+    <cs:lnRef idx="0"/>
+    <cs:fillRef idx="0"/>
+    <cs:effectRef idx="0"/>
+    <cs:fontRef idx="minor">
+      <a:schemeClr val="dk1"/>
+    </cs:fontRef>
+    <cs:spPr>
+      <a:solidFill>
+        <a:schemeClr val="lt1"/>
+      </a:solidFill>
+      <a:ln w="9525">
+        <a:solidFill>
+          <a:schemeClr val="tx1">
+            <a:lumMod val="15000"/>
+            <a:lumOff val="85000"/>
+          </a:schemeClr>
+        </a:solidFill>
+      </a:ln>
+    </cs:spPr>
+  </cs:upBar>
+  <cs:valueAxis>
+    <cs:lnRef idx="0"/>
+    <cs:fillRef idx="0"/>
+    <cs:effectRef idx="0"/>
+    <cs:fontRef idx="minor">
+      <a:schemeClr val="tx1">
+        <a:lumMod val="65000"/>
+        <a:lumOff val="35000"/>
+      </a:schemeClr>
+    </cs:fontRef>
+    <cs:defRPr sz="1197" kern="1200"/>
+  </cs:valueAxis>
+  <cs:wall>
+    <cs:lnRef idx="0"/>
+    <cs:fillRef idx="0"/>
+    <cs:effectRef idx="0"/>
+    <cs:fontRef idx="minor">
+      <a:schemeClr val="tx1"/>
+    </cs:fontRef>
+    <cs:spPr>
+      <a:noFill/>
+      <a:ln>
+        <a:noFill/>
+      </a:ln>
+    </cs:spPr>
+  </cs:wall>
+</cs:chartStyle>
+</file>
+
+<file path=ppt/charts/style3.xml><?xml version="1.0" encoding="utf-8"?>
+<cs:chartStyle xmlns:cs="http://schemas.microsoft.com/office/drawing/2012/chartStyle" xmlns:a="http://schemas.openxmlformats.org/drawingml/2006/main" id="251">
+  <cs:axisTitle>
+    <cs:lnRef idx="0"/>
+    <cs:fillRef idx="0"/>
+    <cs:effectRef idx="0"/>
+    <cs:fontRef idx="minor">
+      <a:schemeClr val="tx1">
+        <a:lumMod val="65000"/>
+        <a:lumOff val="35000"/>
+      </a:schemeClr>
+    </cs:fontRef>
+    <cs:defRPr sz="1330" kern="1200"/>
+  </cs:axisTitle>
+  <cs:categoryAxis>
+    <cs:lnRef idx="0"/>
+    <cs:fillRef idx="0"/>
+    <cs:effectRef idx="0"/>
+    <cs:fontRef idx="minor">
+      <a:schemeClr val="tx1">
+        <a:lumMod val="65000"/>
+        <a:lumOff val="35000"/>
+      </a:schemeClr>
+    </cs:fontRef>
+    <cs:spPr>
+      <a:ln w="9525" cap="flat" cmpd="sng" algn="ctr">
+        <a:solidFill>
+          <a:schemeClr val="tx1">
+            <a:lumMod val="15000"/>
+            <a:lumOff val="85000"/>
+          </a:schemeClr>
+        </a:solidFill>
+        <a:round/>
+      </a:ln>
+    </cs:spPr>
+    <cs:defRPr sz="1197" kern="1200"/>
+  </cs:categoryAxis>
+  <cs:chartArea mods="allowNoFillOverride allowNoLineOverride">
+    <cs:lnRef idx="0"/>
+    <cs:fillRef idx="0"/>
+    <cs:effectRef idx="0"/>
+    <cs:fontRef idx="minor">
+      <a:schemeClr val="tx1"/>
+    </cs:fontRef>
+    <cs:spPr>
+      <a:solidFill>
+        <a:schemeClr val="bg1"/>
+      </a:solidFill>
+      <a:ln w="9525" cap="flat" cmpd="sng" algn="ctr">
+        <a:solidFill>
+          <a:schemeClr val="tx1">
+            <a:lumMod val="15000"/>
+            <a:lumOff val="85000"/>
+          </a:schemeClr>
+        </a:solidFill>
+        <a:round/>
+      </a:ln>
+    </cs:spPr>
+    <cs:defRPr sz="1197" kern="1200"/>
+  </cs:chartArea>
+  <cs:dataLabel>
+    <cs:lnRef idx="0"/>
+    <cs:fillRef idx="0"/>
+    <cs:effectRef idx="0"/>
+    <cs:fontRef idx="minor">
+      <a:schemeClr val="tx1">
+        <a:lumMod val="75000"/>
+        <a:lumOff val="25000"/>
+      </a:schemeClr>
+    </cs:fontRef>
+    <cs:defRPr sz="1197" kern="1200"/>
+  </cs:dataLabel>
+  <cs:dataLabelCallout>
+    <cs:lnRef idx="0"/>
+    <cs:fillRef idx="0"/>
+    <cs:effectRef idx="0"/>
+    <cs:fontRef idx="minor">
+      <a:schemeClr val="dk1">
+        <a:lumMod val="65000"/>
+        <a:lumOff val="35000"/>
+      </a:schemeClr>
+    </cs:fontRef>
+    <cs:spPr>
+      <a:solidFill>
+        <a:schemeClr val="lt1"/>
+      </a:solidFill>
+      <a:ln>
+        <a:solidFill>
+          <a:schemeClr val="dk1">
+            <a:lumMod val="25000"/>
+            <a:lumOff val="75000"/>
+          </a:schemeClr>
+        </a:solidFill>
+      </a:ln>
+    </cs:spPr>
+    <cs:defRPr sz="1197" kern="1200"/>
+    <cs:bodyPr rot="0" spcFirstLastPara="1" vertOverflow="clip" horzOverflow="clip" vert="horz" wrap="square" lIns="36576" tIns="18288" rIns="36576" bIns="18288" anchor="ctr" anchorCtr="1">
+      <a:spAutoFit/>
+    </cs:bodyPr>
+  </cs:dataLabelCallout>
+  <cs:dataPoint>
+    <cs:lnRef idx="0"/>
+    <cs:fillRef idx="1">
+      <cs:styleClr val="auto"/>
+    </cs:fillRef>
+    <cs:effectRef idx="0"/>
+    <cs:fontRef idx="minor">
+      <a:schemeClr val="tx1"/>
+    </cs:fontRef>
+    <cs:spPr>
+      <a:ln w="19050">
+        <a:solidFill>
+          <a:schemeClr val="lt1"/>
+        </a:solidFill>
+      </a:ln>
+    </cs:spPr>
+  </cs:dataPoint>
+  <cs:dataPoint3D>
+    <cs:lnRef idx="0"/>
+    <cs:fillRef idx="1">
+      <cs:styleClr val="auto"/>
+    </cs:fillRef>
+    <cs:effectRef idx="0"/>
+    <cs:fontRef idx="minor">
+      <a:schemeClr val="tx1"/>
+    </cs:fontRef>
+    <cs:spPr>
+      <a:ln w="25400">
+        <a:solidFill>
+          <a:schemeClr val="lt1"/>
+        </a:solidFill>
+      </a:ln>
+    </cs:spPr>
+  </cs:dataPoint3D>
+  <cs:dataPointLine>
+    <cs:lnRef idx="0">
+      <cs:styleClr val="auto"/>
+    </cs:lnRef>
+    <cs:fillRef idx="0"/>
+    <cs:effectRef idx="0"/>
+    <cs:fontRef idx="minor">
+      <a:schemeClr val="tx1"/>
+    </cs:fontRef>
+    <cs:spPr>
+      <a:ln w="28575" cap="rnd">
+        <a:solidFill>
+          <a:schemeClr val="phClr"/>
+        </a:solidFill>
+        <a:round/>
+      </a:ln>
+    </cs:spPr>
+  </cs:dataPointLine>
+  <cs:dataPointMarker>
+    <cs:lnRef idx="0">
+      <cs:styleClr val="auto"/>
+    </cs:lnRef>
+    <cs:fillRef idx="1">
+      <cs:styleClr val="auto"/>
+    </cs:fillRef>
+    <cs:effectRef idx="0"/>
+    <cs:fontRef idx="minor">
+      <a:schemeClr val="tx1"/>
+    </cs:fontRef>
+    <cs:spPr>
+      <a:ln w="9525">
+        <a:solidFill>
+          <a:schemeClr val="phClr"/>
+        </a:solidFill>
+      </a:ln>
+    </cs:spPr>
+  </cs:dataPointMarker>
+  <cs:dataPointMarkerLayout symbol="circle" size="5"/>
+  <cs:dataPointWireframe>
+    <cs:lnRef idx="0">
+      <cs:styleClr val="auto"/>
+    </cs:lnRef>
+    <cs:fillRef idx="0"/>
+    <cs:effectRef idx="0"/>
+    <cs:fontRef idx="minor">
+      <a:schemeClr val="tx1"/>
+    </cs:fontRef>
+    <cs:spPr>
+      <a:ln w="9525" cap="rnd">
+        <a:solidFill>
+          <a:schemeClr val="phClr"/>
+        </a:solidFill>
+        <a:round/>
+      </a:ln>
+    </cs:spPr>
+  </cs:dataPointWireframe>
+  <cs:dataTable>
+    <cs:lnRef idx="0"/>
+    <cs:fillRef idx="0"/>
+    <cs:effectRef idx="0"/>
+    <cs:fontRef idx="minor">
+      <a:schemeClr val="tx1">
+        <a:lumMod val="65000"/>
+        <a:lumOff val="35000"/>
+      </a:schemeClr>
+    </cs:fontRef>
+    <cs:spPr>
+      <a:noFill/>
+      <a:ln w="9525" cap="flat" cmpd="sng" algn="ctr">
+        <a:solidFill>
+          <a:schemeClr val="tx1">
+            <a:lumMod val="15000"/>
+            <a:lumOff val="85000"/>
+          </a:schemeClr>
+        </a:solidFill>
+        <a:round/>
+      </a:ln>
+    </cs:spPr>
+    <cs:defRPr sz="1197" kern="1200"/>
+  </cs:dataTable>
+  <cs:downBar>
+    <cs:lnRef idx="0"/>
+    <cs:fillRef idx="0"/>
+    <cs:effectRef idx="0"/>
+    <cs:fontRef idx="minor">
+      <a:schemeClr val="tx1"/>
+    </cs:fontRef>
+    <cs:spPr>
+      <a:solidFill>
+        <a:schemeClr val="dk1">
+          <a:lumMod val="75000"/>
+          <a:lumOff val="25000"/>
+        </a:schemeClr>
+      </a:solidFill>
+      <a:ln w="9525" cap="flat" cmpd="sng" algn="ctr">
+        <a:solidFill>
+          <a:schemeClr val="tx1">
+            <a:lumMod val="65000"/>
+            <a:lumOff val="35000"/>
+          </a:schemeClr>
+        </a:solidFill>
+        <a:round/>
+      </a:ln>
+    </cs:spPr>
+  </cs:downBar>
+  <cs:dropLine>
+    <cs:lnRef idx="0"/>
+    <cs:fillRef idx="0"/>
+    <cs:effectRef idx="0"/>
+    <cs:fontRef idx="minor">
+      <a:schemeClr val="tx1"/>
+    </cs:fontRef>
+    <cs:spPr>
+      <a:ln w="9525" cap="flat" cmpd="sng" algn="ctr">
+        <a:solidFill>
+          <a:schemeClr val="tx1">
+            <a:lumMod val="35000"/>
+            <a:lumOff val="65000"/>
+          </a:schemeClr>
+        </a:solidFill>
+        <a:round/>
+      </a:ln>
+    </cs:spPr>
+  </cs:dropLine>
+  <cs:errorBar>
+    <cs:lnRef idx="0"/>
+    <cs:fillRef idx="0"/>
+    <cs:effectRef idx="0"/>
+    <cs:fontRef idx="minor">
+      <a:schemeClr val="tx1"/>
+    </cs:fontRef>
+    <cs:spPr>
+      <a:ln w="9525" cap="flat" cmpd="sng" algn="ctr">
+        <a:solidFill>
+          <a:schemeClr val="tx1">
+            <a:lumMod val="65000"/>
+            <a:lumOff val="35000"/>
+          </a:schemeClr>
+        </a:solidFill>
+        <a:round/>
+      </a:ln>
+    </cs:spPr>
+  </cs:errorBar>
+  <cs:floor>
+    <cs:lnRef idx="0"/>
+    <cs:fillRef idx="0"/>
+    <cs:effectRef idx="0"/>
+    <cs:fontRef idx="minor">
+      <a:schemeClr val="tx1"/>
+    </cs:fontRef>
+    <cs:spPr>
+      <a:noFill/>
+      <a:ln>
+        <a:noFill/>
+      </a:ln>
+    </cs:spPr>
+  </cs:floor>
+  <cs:gridlineMajor>
+    <cs:lnRef idx="0"/>
+    <cs:fillRef idx="0"/>
+    <cs:effectRef idx="0"/>
+    <cs:fontRef idx="minor">
+      <a:schemeClr val="tx1"/>
+    </cs:fontRef>
+    <cs:spPr>
+      <a:ln w="9525" cap="flat" cmpd="sng" algn="ctr">
+        <a:solidFill>
+          <a:schemeClr val="tx1">
+            <a:lumMod val="15000"/>
+            <a:lumOff val="85000"/>
+          </a:schemeClr>
+        </a:solidFill>
+        <a:round/>
+      </a:ln>
+    </cs:spPr>
+  </cs:gridlineMajor>
+  <cs:gridlineMinor>
+    <cs:lnRef idx="0"/>
+    <cs:fillRef idx="0"/>
+    <cs:effectRef idx="0"/>
+    <cs:fontRef idx="minor">
+      <a:schemeClr val="tx1"/>
+    </cs:fontRef>
+    <cs:spPr>
+      <a:ln w="9525" cap="flat" cmpd="sng" algn="ctr">
+        <a:solidFill>
+          <a:schemeClr val="tx1">
+            <a:lumMod val="5000"/>
+            <a:lumOff val="95000"/>
+          </a:schemeClr>
+        </a:solidFill>
+        <a:round/>
+      </a:ln>
+    </cs:spPr>
+  </cs:gridlineMinor>
+  <cs:hiLoLine>
+    <cs:lnRef idx="0"/>
+    <cs:fillRef idx="0"/>
+    <cs:effectRef idx="0"/>
+    <cs:fontRef idx="minor">
+      <a:schemeClr val="tx1"/>
+    </cs:fontRef>
+    <cs:spPr>
+      <a:ln w="9525" cap="flat" cmpd="sng" algn="ctr">
+        <a:solidFill>
+          <a:schemeClr val="tx1">
+            <a:lumMod val="50000"/>
+            <a:lumOff val="50000"/>
+          </a:schemeClr>
+        </a:solidFill>
+        <a:round/>
+      </a:ln>
+    </cs:spPr>
+  </cs:hiLoLine>
+  <cs:leaderLine>
+    <cs:lnRef idx="0"/>
+    <cs:fillRef idx="0"/>
+    <cs:effectRef idx="0"/>
+    <cs:fontRef idx="minor">
+      <a:schemeClr val="tx1"/>
+    </cs:fontRef>
+    <cs:spPr>
+      <a:ln w="9525" cap="flat" cmpd="sng" algn="ctr">
+        <a:solidFill>
+          <a:schemeClr val="tx1">
+            <a:lumMod val="35000"/>
+            <a:lumOff val="65000"/>
+          </a:schemeClr>
+        </a:solidFill>
+        <a:round/>
+      </a:ln>
+    </cs:spPr>
+  </cs:leaderLine>
+  <cs:legend>
+    <cs:lnRef idx="0"/>
+    <cs:fillRef idx="0"/>
+    <cs:effectRef idx="0"/>
+    <cs:fontRef idx="minor">
+      <a:schemeClr val="tx1">
+        <a:lumMod val="65000"/>
+        <a:lumOff val="35000"/>
+      </a:schemeClr>
+    </cs:fontRef>
+    <cs:defRPr sz="1197" kern="1200"/>
+  </cs:legend>
+  <cs:plotArea mods="allowNoFillOverride allowNoLineOverride">
+    <cs:lnRef idx="0"/>
+    <cs:fillRef idx="0"/>
+    <cs:effectRef idx="0"/>
+    <cs:fontRef idx="minor">
+      <a:schemeClr val="tx1"/>
+    </cs:fontRef>
+  </cs:plotArea>
+  <cs:plotArea3D mods="allowNoFillOverride allowNoLineOverride">
+    <cs:lnRef idx="0"/>
+    <cs:fillRef idx="0"/>
+    <cs:effectRef idx="0"/>
+    <cs:fontRef idx="minor">
+      <a:schemeClr val="tx1"/>
+    </cs:fontRef>
+  </cs:plotArea3D>
+  <cs:seriesAxis>
+    <cs:lnRef idx="0"/>
+    <cs:fillRef idx="0"/>
+    <cs:effectRef idx="0"/>
+    <cs:fontRef idx="minor">
+      <a:schemeClr val="tx1">
+        <a:lumMod val="65000"/>
+        <a:lumOff val="35000"/>
+      </a:schemeClr>
+    </cs:fontRef>
+    <cs:defRPr sz="1197" kern="1200"/>
+  </cs:seriesAxis>
+  <cs:seriesLine>
+    <cs:lnRef idx="0"/>
+    <cs:fillRef idx="0"/>
+    <cs:effectRef idx="0"/>
+    <cs:fontRef idx="minor">
+      <a:schemeClr val="tx1"/>
+    </cs:fontRef>
+    <cs:spPr>
+      <a:ln w="9525" cap="flat" cmpd="sng" algn="ctr">
+        <a:solidFill>
+          <a:schemeClr val="tx1">
+            <a:lumMod val="35000"/>
+            <a:lumOff val="65000"/>
+          </a:schemeClr>
+        </a:solidFill>
+        <a:round/>
+      </a:ln>
+    </cs:spPr>
+  </cs:seriesLine>
+  <cs:title>
+    <cs:lnRef idx="0"/>
+    <cs:fillRef idx="0"/>
+    <cs:effectRef idx="0"/>
+    <cs:fontRef idx="minor">
+      <a:schemeClr val="tx1">
+        <a:lumMod val="65000"/>
+        <a:lumOff val="35000"/>
+      </a:schemeClr>
+    </cs:fontRef>
+    <cs:defRPr sz="1862" b="0" kern="1200" spc="0" baseline="0"/>
+  </cs:title>
+  <cs:trendline>
+    <cs:lnRef idx="0">
+      <cs:styleClr val="auto"/>
+    </cs:lnRef>
+    <cs:fillRef idx="0"/>
+    <cs:effectRef idx="0"/>
+    <cs:fontRef idx="minor">
+      <a:schemeClr val="tx1"/>
+    </cs:fontRef>
+    <cs:spPr>
+      <a:ln w="19050" cap="rnd">
+        <a:solidFill>
+          <a:schemeClr val="phClr"/>
+        </a:solidFill>
+        <a:prstDash val="sysDot"/>
+      </a:ln>
+    </cs:spPr>
+  </cs:trendline>
+  <cs:trendlineLabel>
+    <cs:lnRef idx="0"/>
+    <cs:fillRef idx="0"/>
+    <cs:effectRef idx="0"/>
+    <cs:fontRef idx="minor">
+      <a:schemeClr val="tx1">
+        <a:lumMod val="65000"/>
+        <a:lumOff val="35000"/>
+      </a:schemeClr>
+    </cs:fontRef>
+    <cs:defRPr sz="1197" kern="1200"/>
+  </cs:trendlineLabel>
+  <cs:upBar>
+    <cs:lnRef idx="0"/>
+    <cs:fillRef idx="0"/>
+    <cs:effectRef idx="0"/>
+    <cs:fontRef idx="minor">
+      <a:schemeClr val="tx1"/>
+    </cs:fontRef>
+    <cs:spPr>
+      <a:solidFill>
+        <a:schemeClr val="lt1"/>
+      </a:solidFill>
+      <a:ln w="9525" cap="flat" cmpd="sng" algn="ctr">
+        <a:solidFill>
+          <a:schemeClr val="tx1">
+            <a:lumMod val="65000"/>
+            <a:lumOff val="35000"/>
+          </a:schemeClr>
+        </a:solidFill>
+        <a:round/>
+      </a:ln>
+    </cs:spPr>
+  </cs:upBar>
+  <cs:valueAxis>
+    <cs:lnRef idx="0"/>
+    <cs:fillRef idx="0"/>
+    <cs:effectRef idx="0"/>
+    <cs:fontRef idx="minor">
+      <a:schemeClr val="tx1">
+        <a:lumMod val="65000"/>
+        <a:lumOff val="35000"/>
+      </a:schemeClr>
+    </cs:fontRef>
+    <cs:defRPr sz="1197" kern="1200"/>
+  </cs:valueAxis>
+  <cs:wall>
+    <cs:lnRef idx="0"/>
+    <cs:fillRef idx="0"/>
+    <cs:effectRef idx="0"/>
+    <cs:fontRef idx="minor">
+      <a:schemeClr val="tx1"/>
+    </cs:fontRef>
+    <cs:spPr>
+      <a:noFill/>
+      <a:ln>
+        <a:noFill/>
+      </a:ln>
+    </cs:spPr>
+  </cs:wall>
+</cs:chartStyle>
+</file>
+
+<file path=ppt/charts/style4.xml><?xml version="1.0" encoding="utf-8"?>
+<cs:chartStyle xmlns:cs="http://schemas.microsoft.com/office/drawing/2012/chartStyle" xmlns:a="http://schemas.openxmlformats.org/drawingml/2006/main" id="216">
+  <cs:axisTitle>
+    <cs:lnRef idx="0"/>
+    <cs:fillRef idx="0"/>
+    <cs:effectRef idx="0"/>
+    <cs:fontRef idx="minor">
+      <a:schemeClr val="tx1">
+        <a:lumMod val="65000"/>
+        <a:lumOff val="35000"/>
+      </a:schemeClr>
+    </cs:fontRef>
+    <cs:defRPr sz="1330" kern="1200"/>
+  </cs:axisTitle>
+  <cs:categoryAxis>
+    <cs:lnRef idx="0"/>
+    <cs:fillRef idx="0"/>
+    <cs:effectRef idx="0"/>
+    <cs:fontRef idx="minor">
+      <a:schemeClr val="tx1">
+        <a:lumMod val="65000"/>
+        <a:lumOff val="35000"/>
+      </a:schemeClr>
+    </cs:fontRef>
+    <cs:spPr>
+      <a:ln w="9525" cap="flat" cmpd="sng" algn="ctr">
+        <a:solidFill>
+          <a:schemeClr val="tx1">
+            <a:lumMod val="15000"/>
+            <a:lumOff val="85000"/>
+          </a:schemeClr>
+        </a:solidFill>
+        <a:round/>
+      </a:ln>
+    </cs:spPr>
+    <cs:defRPr sz="1197" kern="1200"/>
+  </cs:categoryAxis>
+  <cs:chartArea mods="allowNoFillOverride allowNoLineOverride">
+    <cs:lnRef idx="0"/>
+    <cs:fillRef idx="0"/>
+    <cs:effectRef idx="0"/>
+    <cs:fontRef idx="minor">
+      <a:schemeClr val="tx1"/>
+    </cs:fontRef>
+    <cs:spPr>
+      <a:solidFill>
+        <a:schemeClr val="bg1"/>
+      </a:solidFill>
+      <a:ln w="9525" cap="flat" cmpd="sng" algn="ctr">
+        <a:solidFill>
+          <a:schemeClr val="tx1">
+            <a:lumMod val="15000"/>
+            <a:lumOff val="85000"/>
+          </a:schemeClr>
+        </a:solidFill>
+        <a:round/>
+      </a:ln>
+    </cs:spPr>
+    <cs:defRPr sz="1330" kern="1200"/>
+  </cs:chartArea>
+  <cs:dataLabel>
+    <cs:lnRef idx="0"/>
+    <cs:fillRef idx="0"/>
+    <cs:effectRef idx="0"/>
+    <cs:fontRef idx="minor">
+      <a:schemeClr val="tx1">
+        <a:lumMod val="75000"/>
+        <a:lumOff val="25000"/>
+      </a:schemeClr>
+    </cs:fontRef>
+    <cs:defRPr sz="1197" kern="1200"/>
+  </cs:dataLabel>
+  <cs:dataLabelCallout>
+    <cs:lnRef idx="0"/>
+    <cs:fillRef idx="0"/>
+    <cs:effectRef idx="0"/>
+    <cs:fontRef idx="minor">
+      <a:schemeClr val="dk1">
+        <a:lumMod val="65000"/>
+        <a:lumOff val="35000"/>
+      </a:schemeClr>
+    </cs:fontRef>
+    <cs:spPr>
+      <a:solidFill>
+        <a:schemeClr val="lt1"/>
+      </a:solidFill>
+      <a:ln>
+        <a:solidFill>
+          <a:schemeClr val="dk1">
+            <a:lumMod val="25000"/>
+            <a:lumOff val="75000"/>
+          </a:schemeClr>
+        </a:solidFill>
+      </a:ln>
+    </cs:spPr>
+    <cs:defRPr sz="1197" kern="1200"/>
+    <cs:bodyPr rot="0" spcFirstLastPara="1" vertOverflow="clip" horzOverflow="clip" vert="horz" wrap="square" lIns="36576" tIns="18288" rIns="36576" bIns="18288" anchor="ctr" anchorCtr="1">
+      <a:spAutoFit/>
+    </cs:bodyPr>
+  </cs:dataLabelCallout>
+  <cs:dataPoint>
+    <cs:lnRef idx="0"/>
+    <cs:fillRef idx="1">
+      <cs:styleClr val="auto"/>
+    </cs:fillRef>
+    <cs:effectRef idx="0"/>
+    <cs:fontRef idx="minor">
+      <a:schemeClr val="tx1"/>
+    </cs:fontRef>
+  </cs:dataPoint>
+  <cs:dataPoint3D>
+    <cs:lnRef idx="0"/>
+    <cs:fillRef idx="1">
+      <cs:styleClr val="auto"/>
+    </cs:fillRef>
+    <cs:effectRef idx="0"/>
+    <cs:fontRef idx="minor">
+      <a:schemeClr val="tx1"/>
+    </cs:fontRef>
+  </cs:dataPoint3D>
+  <cs:dataPointLine>
+    <cs:lnRef idx="0">
+      <cs:styleClr val="auto"/>
+    </cs:lnRef>
+    <cs:fillRef idx="1"/>
+    <cs:effectRef idx="0"/>
+    <cs:fontRef idx="minor">
+      <a:schemeClr val="tx1"/>
+    </cs:fontRef>
+    <cs:spPr>
+      <a:ln w="28575" cap="rnd">
+        <a:solidFill>
+          <a:schemeClr val="phClr"/>
+        </a:solidFill>
+        <a:round/>
+      </a:ln>
+    </cs:spPr>
+  </cs:dataPointLine>
+  <cs:dataPointMarker>
+    <cs:lnRef idx="0">
+      <cs:styleClr val="auto"/>
+    </cs:lnRef>
+    <cs:fillRef idx="1">
+      <cs:styleClr val="auto"/>
+    </cs:fillRef>
+    <cs:effectRef idx="0"/>
+    <cs:fontRef idx="minor">
+      <a:schemeClr val="tx1"/>
+    </cs:fontRef>
+    <cs:spPr>
+      <a:ln w="9525">
+        <a:solidFill>
+          <a:schemeClr val="phClr"/>
+        </a:solidFill>
+      </a:ln>
+    </cs:spPr>
+  </cs:dataPointMarker>
+  <cs:dataPointMarkerLayout symbol="circle" size="5"/>
+  <cs:dataPointWireframe>
+    <cs:lnRef idx="0">
+      <cs:styleClr val="auto"/>
+    </cs:lnRef>
+    <cs:fillRef idx="1"/>
+    <cs:effectRef idx="0"/>
+    <cs:fontRef idx="minor">
+      <a:schemeClr val="tx1"/>
+    </cs:fontRef>
+    <cs:spPr>
+      <a:ln w="9525" cap="rnd">
+        <a:solidFill>
+          <a:schemeClr val="phClr"/>
+        </a:solidFill>
+        <a:round/>
+      </a:ln>
+    </cs:spPr>
+  </cs:dataPointWireframe>
+  <cs:dataTable>
+    <cs:lnRef idx="0"/>
+    <cs:fillRef idx="0"/>
+    <cs:effectRef idx="0"/>
+    <cs:fontRef idx="minor">
+      <a:schemeClr val="tx1">
+        <a:lumMod val="65000"/>
+        <a:lumOff val="35000"/>
+      </a:schemeClr>
+    </cs:fontRef>
+    <cs:spPr>
+      <a:noFill/>
+      <a:ln w="9525" cap="flat" cmpd="sng" algn="ctr">
+        <a:solidFill>
+          <a:schemeClr val="tx1">
+            <a:lumMod val="15000"/>
+            <a:lumOff val="85000"/>
+          </a:schemeClr>
+        </a:solidFill>
+        <a:round/>
+      </a:ln>
+    </cs:spPr>
+    <cs:defRPr sz="1197" kern="1200"/>
+  </cs:dataTable>
+  <cs:downBar>
+    <cs:lnRef idx="0"/>
+    <cs:fillRef idx="0"/>
+    <cs:effectRef idx="0"/>
+    <cs:fontRef idx="minor">
+      <a:schemeClr val="tx1"/>
+    </cs:fontRef>
+    <cs:spPr>
+      <a:solidFill>
+        <a:schemeClr val="dk1">
+          <a:lumMod val="75000"/>
+          <a:lumOff val="25000"/>
+        </a:schemeClr>
+      </a:solidFill>
+      <a:ln w="9525" cap="flat" cmpd="sng" algn="ctr">
+        <a:solidFill>
+          <a:schemeClr val="tx1">
+            <a:lumMod val="65000"/>
+            <a:lumOff val="35000"/>
+          </a:schemeClr>
+        </a:solidFill>
+        <a:round/>
+      </a:ln>
+    </cs:spPr>
+  </cs:downBar>
+  <cs:dropLine>
+    <cs:lnRef idx="0"/>
+    <cs:fillRef idx="0"/>
+    <cs:effectRef idx="0"/>
+    <cs:fontRef idx="minor">
+      <a:schemeClr val="tx1"/>
+    </cs:fontRef>
+    <cs:spPr>
+      <a:ln w="9525" cap="flat" cmpd="sng" algn="ctr">
+        <a:solidFill>
+          <a:schemeClr val="tx1">
+            <a:lumMod val="35000"/>
+            <a:lumOff val="65000"/>
+          </a:schemeClr>
+        </a:solidFill>
+        <a:round/>
+      </a:ln>
+    </cs:spPr>
+  </cs:dropLine>
+  <cs:errorBar>
+    <cs:lnRef idx="0"/>
+    <cs:fillRef idx="0"/>
+    <cs:effectRef idx="0"/>
+    <cs:fontRef idx="minor">
+      <a:schemeClr val="tx1"/>
+    </cs:fontRef>
+    <cs:spPr>
+      <a:ln w="9525" cap="flat" cmpd="sng" algn="ctr">
+        <a:solidFill>
+          <a:schemeClr val="tx1">
+            <a:lumMod val="65000"/>
+            <a:lumOff val="35000"/>
+          </a:schemeClr>
+        </a:solidFill>
+        <a:round/>
+      </a:ln>
+    </cs:spPr>
+  </cs:errorBar>
+  <cs:floor>
+    <cs:lnRef idx="0"/>
+    <cs:fillRef idx="0"/>
+    <cs:effectRef idx="0"/>
+    <cs:fontRef idx="minor">
+      <a:schemeClr val="tx1"/>
+    </cs:fontRef>
+    <cs:spPr>
+      <a:noFill/>
+      <a:ln>
+        <a:noFill/>
+      </a:ln>
+    </cs:spPr>
+  </cs:floor>
+  <cs:gridlineMajor>
+    <cs:lnRef idx="0"/>
+    <cs:fillRef idx="0"/>
+    <cs:effectRef idx="0"/>
+    <cs:fontRef idx="minor">
+      <a:schemeClr val="tx1"/>
+    </cs:fontRef>
+    <cs:spPr>
+      <a:ln w="9525" cap="flat" cmpd="sng" algn="ctr">
+        <a:solidFill>
+          <a:schemeClr val="tx1">
+            <a:lumMod val="15000"/>
+            <a:lumOff val="85000"/>
+          </a:schemeClr>
+        </a:solidFill>
+        <a:round/>
+      </a:ln>
+    </cs:spPr>
+  </cs:gridlineMajor>
+  <cs:gridlineMinor>
+    <cs:lnRef idx="0"/>
+    <cs:fillRef idx="0"/>
+    <cs:effectRef idx="0"/>
+    <cs:fontRef idx="minor">
+      <a:schemeClr val="tx1"/>
+    </cs:fontRef>
+    <cs:spPr>
+      <a:ln w="9525" cap="flat" cmpd="sng" algn="ctr">
+        <a:solidFill>
+          <a:schemeClr val="tx1">
+            <a:lumMod val="5000"/>
+            <a:lumOff val="95000"/>
+          </a:schemeClr>
+        </a:solidFill>
+        <a:round/>
+      </a:ln>
+    </cs:spPr>
+  </cs:gridlineMinor>
+  <cs:hiLoLine>
+    <cs:lnRef idx="0"/>
+    <cs:fillRef idx="0"/>
+    <cs:effectRef idx="0"/>
+    <cs:fontRef idx="minor">
+      <a:schemeClr val="tx1"/>
+    </cs:fontRef>
+    <cs:spPr>
+      <a:ln w="9525" cap="flat" cmpd="sng" algn="ctr">
+        <a:solidFill>
+          <a:schemeClr val="tx1">
+            <a:lumMod val="50000"/>
+            <a:lumOff val="50000"/>
+          </a:schemeClr>
+        </a:solidFill>
+        <a:round/>
+      </a:ln>
+    </cs:spPr>
+  </cs:hiLoLine>
+  <cs:leaderLine>
+    <cs:lnRef idx="0"/>
+    <cs:fillRef idx="0"/>
+    <cs:effectRef idx="0"/>
+    <cs:fontRef idx="minor">
+      <a:schemeClr val="tx1"/>
+    </cs:fontRef>
+    <cs:spPr>
+      <a:ln w="9525" cap="flat" cmpd="sng" algn="ctr">
+        <a:solidFill>
+          <a:schemeClr val="tx1">
+            <a:lumMod val="35000"/>
+            <a:lumOff val="65000"/>
+          </a:schemeClr>
+        </a:solidFill>
+        <a:round/>
+      </a:ln>
+    </cs:spPr>
+  </cs:leaderLine>
+  <cs:legend>
+    <cs:lnRef idx="0"/>
+    <cs:fillRef idx="0"/>
+    <cs:effectRef idx="0"/>
+    <cs:fontRef idx="minor">
+      <a:schemeClr val="tx1">
+        <a:lumMod val="65000"/>
+        <a:lumOff val="35000"/>
+      </a:schemeClr>
+    </cs:fontRef>
+    <cs:defRPr sz="1197" kern="1200"/>
+  </cs:legend>
+  <cs:plotArea mods="allowNoFillOverride allowNoLineOverride">
+    <cs:lnRef idx="0"/>
+    <cs:fillRef idx="0"/>
+    <cs:effectRef idx="0"/>
+    <cs:fontRef idx="minor">
+      <a:schemeClr val="tx1"/>
+    </cs:fontRef>
+  </cs:plotArea>
+  <cs:plotArea3D mods="allowNoFillOverride allowNoLineOverride">
+    <cs:lnRef idx="0"/>
+    <cs:fillRef idx="0"/>
+    <cs:effectRef idx="0"/>
+    <cs:fontRef idx="minor">
+      <a:schemeClr val="tx1"/>
+    </cs:fontRef>
+  </cs:plotArea3D>
+  <cs:seriesAxis>
+    <cs:lnRef idx="0"/>
+    <cs:fillRef idx="0"/>
+    <cs:effectRef idx="0"/>
+    <cs:fontRef idx="minor">
+      <a:schemeClr val="tx1">
+        <a:lumMod val="65000"/>
+        <a:lumOff val="35000"/>
+      </a:schemeClr>
+    </cs:fontRef>
+    <cs:defRPr sz="1197" kern="1200"/>
+  </cs:seriesAxis>
+  <cs:seriesLine>
+    <cs:lnRef idx="0"/>
+    <cs:fillRef idx="0"/>
+    <cs:effectRef idx="0"/>
+    <cs:fontRef idx="minor">
+      <a:schemeClr val="tx1"/>
+    </cs:fontRef>
+    <cs:spPr>
+      <a:ln w="9525" cap="flat" cmpd="sng" algn="ctr">
+        <a:solidFill>
+          <a:schemeClr val="tx1">
+            <a:lumMod val="35000"/>
+            <a:lumOff val="65000"/>
+          </a:schemeClr>
+        </a:solidFill>
+        <a:round/>
+      </a:ln>
+    </cs:spPr>
+  </cs:seriesLine>
+  <cs:title>
+    <cs:lnRef idx="0"/>
+    <cs:fillRef idx="0"/>
+    <cs:effectRef idx="0"/>
+    <cs:fontRef idx="minor">
+      <a:schemeClr val="tx1">
+        <a:lumMod val="65000"/>
+        <a:lumOff val="35000"/>
+      </a:schemeClr>
+    </cs:fontRef>
+    <cs:defRPr sz="1862" b="0" kern="1200" spc="0" baseline="0"/>
+  </cs:title>
+  <cs:trendline>
+    <cs:lnRef idx="0">
+      <cs:styleClr val="auto"/>
+    </cs:lnRef>
+    <cs:fillRef idx="0"/>
+    <cs:effectRef idx="0"/>
+    <cs:fontRef idx="minor">
+      <a:schemeClr val="tx1"/>
+    </cs:fontRef>
+    <cs:spPr>
+      <a:ln w="19050" cap="rnd">
+        <a:solidFill>
+          <a:schemeClr val="phClr"/>
+        </a:solidFill>
+        <a:prstDash val="sysDot"/>
+      </a:ln>
+    </cs:spPr>
+  </cs:trendline>
+  <cs:trendlineLabel>
+    <cs:lnRef idx="0"/>
+    <cs:fillRef idx="0"/>
+    <cs:effectRef idx="0"/>
+    <cs:fontRef idx="minor">
+      <a:schemeClr val="tx1">
+        <a:lumMod val="65000"/>
+        <a:lumOff val="35000"/>
+      </a:schemeClr>
+    </cs:fontRef>
+    <cs:defRPr sz="1197" kern="1200"/>
+  </cs:trendlineLabel>
+  <cs:upBar>
+    <cs:lnRef idx="0"/>
+    <cs:fillRef idx="0"/>
+    <cs:effectRef idx="0"/>
+    <cs:fontRef idx="minor">
+      <a:schemeClr val="tx1"/>
+    </cs:fontRef>
+    <cs:spPr>
+      <a:solidFill>
+        <a:schemeClr val="lt1"/>
+      </a:solidFill>
+      <a:ln w="9525" cap="flat" cmpd="sng" algn="ctr">
+        <a:solidFill>
+          <a:schemeClr val="tx1">
+            <a:lumMod val="65000"/>
+            <a:lumOff val="35000"/>
+          </a:schemeClr>
+        </a:solidFill>
+        <a:round/>
+      </a:ln>
+    </cs:spPr>
+  </cs:upBar>
+  <cs:valueAxis>
+    <cs:lnRef idx="0"/>
+    <cs:fillRef idx="0"/>
+    <cs:effectRef idx="0"/>
+    <cs:fontRef idx="minor">
+      <a:schemeClr val="tx1">
+        <a:lumMod val="65000"/>
+        <a:lumOff val="35000"/>
+      </a:schemeClr>
+    </cs:fontRef>
+    <cs:defRPr sz="1197" kern="1200"/>
+  </cs:valueAxis>
+  <cs:wall>
+    <cs:lnRef idx="0"/>
+    <cs:fillRef idx="0"/>
+    <cs:effectRef idx="0"/>
+    <cs:fontRef idx="minor">
+      <a:schemeClr val="tx1"/>
+    </cs:fontRef>
+    <cs:spPr>
+      <a:noFill/>
+      <a:ln>
+        <a:noFill/>
+      </a:ln>
+    </cs:spPr>
+  </cs:wall>
+</cs:chartStyle>
+</file>
+
+<file path=ppt/charts/style5.xml><?xml version="1.0" encoding="utf-8"?>
+<cs:chartStyle xmlns:cs="http://schemas.microsoft.com/office/drawing/2012/chartStyle" xmlns:a="http://schemas.openxmlformats.org/drawingml/2006/main" id="276">
+  <cs:axisTitle>
+    <cs:lnRef idx="0"/>
+    <cs:fillRef idx="0"/>
+    <cs:effectRef idx="0"/>
+    <cs:fontRef idx="minor">
+      <a:schemeClr val="tx1">
+        <a:lumMod val="65000"/>
+        <a:lumOff val="35000"/>
+      </a:schemeClr>
+    </cs:fontRef>
+    <cs:defRPr sz="1330" kern="1200"/>
+  </cs:axisTitle>
+  <cs:categoryAxis>
+    <cs:lnRef idx="0"/>
+    <cs:fillRef idx="0"/>
+    <cs:effectRef idx="0"/>
+    <cs:fontRef idx="minor">
+      <a:schemeClr val="tx1">
+        <a:lumMod val="65000"/>
+        <a:lumOff val="35000"/>
+      </a:schemeClr>
+    </cs:fontRef>
+    <cs:spPr>
+      <a:ln w="9525" cap="flat" cmpd="sng" algn="ctr">
+        <a:solidFill>
+          <a:schemeClr val="tx1">
+            <a:lumMod val="15000"/>
+            <a:lumOff val="85000"/>
+          </a:schemeClr>
+        </a:solidFill>
+        <a:round/>
+      </a:ln>
+    </cs:spPr>
+    <cs:defRPr sz="1197" kern="1200"/>
+  </cs:categoryAxis>
+  <cs:chartArea mods="allowNoFillOverride allowNoLineOverride">
+    <cs:lnRef idx="0"/>
+    <cs:fillRef idx="0"/>
+    <cs:effectRef idx="0"/>
+    <cs:fontRef idx="minor">
+      <a:schemeClr val="tx1"/>
+    </cs:fontRef>
+    <cs:spPr>
+      <a:solidFill>
+        <a:schemeClr val="bg1"/>
+      </a:solidFill>
+      <a:ln w="9525" cap="flat" cmpd="sng" algn="ctr">
+        <a:solidFill>
+          <a:schemeClr val="tx1">
+            <a:lumMod val="15000"/>
+            <a:lumOff val="85000"/>
+          </a:schemeClr>
+        </a:solidFill>
+        <a:round/>
+      </a:ln>
+    </cs:spPr>
+    <cs:defRPr sz="1330" kern="1200"/>
+  </cs:chartArea>
+  <cs:dataLabel>
+    <cs:lnRef idx="0"/>
+    <cs:fillRef idx="0"/>
+    <cs:effectRef idx="0"/>
+    <cs:fontRef idx="minor">
+      <a:schemeClr val="tx1">
+        <a:lumMod val="75000"/>
+        <a:lumOff val="25000"/>
+      </a:schemeClr>
+    </cs:fontRef>
+    <cs:defRPr sz="1197" kern="1200"/>
+  </cs:dataLabel>
+  <cs:dataLabelCallout>
+    <cs:lnRef idx="0"/>
+    <cs:fillRef idx="0"/>
+    <cs:effectRef idx="0"/>
+    <cs:fontRef idx="minor">
+      <a:schemeClr val="dk1">
+        <a:lumMod val="65000"/>
+        <a:lumOff val="35000"/>
+      </a:schemeClr>
+    </cs:fontRef>
+    <cs:spPr>
+      <a:solidFill>
+        <a:schemeClr val="lt1"/>
+      </a:solidFill>
+      <a:ln>
+        <a:solidFill>
+          <a:schemeClr val="dk1">
+            <a:lumMod val="25000"/>
+            <a:lumOff val="75000"/>
+          </a:schemeClr>
+        </a:solidFill>
+      </a:ln>
+    </cs:spPr>
+    <cs:defRPr sz="1197" kern="1200"/>
+    <cs:bodyPr rot="0" spcFirstLastPara="1" vertOverflow="clip" horzOverflow="clip" vert="horz" wrap="square" lIns="36576" tIns="18288" rIns="36576" bIns="18288" anchor="ctr" anchorCtr="1">
+      <a:spAutoFit/>
+    </cs:bodyPr>
+  </cs:dataLabelCallout>
+  <cs:dataPoint>
+    <cs:lnRef idx="0"/>
+    <cs:fillRef idx="1">
+      <cs:styleClr val="auto"/>
+    </cs:fillRef>
+    <cs:effectRef idx="0"/>
+    <cs:fontRef idx="minor">
+      <a:schemeClr val="tx1"/>
+    </cs:fontRef>
+  </cs:dataPoint>
+  <cs:dataPoint3D>
+    <cs:lnRef idx="0"/>
+    <cs:fillRef idx="1">
+      <cs:styleClr val="auto"/>
+    </cs:fillRef>
+    <cs:effectRef idx="0"/>
+    <cs:fontRef idx="minor">
+      <a:schemeClr val="tx1"/>
+    </cs:fontRef>
+  </cs:dataPoint3D>
+  <cs:dataPointLine>
+    <cs:lnRef idx="0">
+      <cs:styleClr val="auto"/>
+    </cs:lnRef>
+    <cs:fillRef idx="1"/>
+    <cs:effectRef idx="0"/>
+    <cs:fontRef idx="minor">
+      <a:schemeClr val="tx1"/>
+    </cs:fontRef>
+    <cs:spPr>
+      <a:ln w="28575" cap="rnd">
+        <a:solidFill>
+          <a:schemeClr val="phClr"/>
+        </a:solidFill>
+        <a:round/>
+      </a:ln>
+    </cs:spPr>
+  </cs:dataPointLine>
+  <cs:dataPointMarker>
+    <cs:lnRef idx="0">
+      <cs:styleClr val="auto"/>
+    </cs:lnRef>
+    <cs:fillRef idx="1">
+      <cs:styleClr val="auto"/>
+    </cs:fillRef>
+    <cs:effectRef idx="0"/>
+    <cs:fontRef idx="minor">
+      <a:schemeClr val="tx1"/>
+    </cs:fontRef>
+    <cs:spPr>
+      <a:ln w="9525">
+        <a:solidFill>
+          <a:schemeClr val="phClr"/>
+        </a:solidFill>
+      </a:ln>
+    </cs:spPr>
+  </cs:dataPointMarker>
+  <cs:dataPointMarkerLayout symbol="circle" size="5"/>
+  <cs:dataPointWireframe>
+    <cs:lnRef idx="0">
+      <cs:styleClr val="auto"/>
+    </cs:lnRef>
+    <cs:fillRef idx="1"/>
+    <cs:effectRef idx="0"/>
+    <cs:fontRef idx="minor">
+      <a:schemeClr val="tx1"/>
+    </cs:fontRef>
+    <cs:spPr>
+      <a:ln w="9525" cap="rnd">
+        <a:solidFill>
+          <a:schemeClr val="phClr"/>
+        </a:solidFill>
+        <a:round/>
+      </a:ln>
+    </cs:spPr>
+  </cs:dataPointWireframe>
+  <cs:dataTable>
+    <cs:lnRef idx="0"/>
+    <cs:fillRef idx="0"/>
+    <cs:effectRef idx="0"/>
+    <cs:fontRef idx="minor">
+      <a:schemeClr val="tx1">
+        <a:lumMod val="65000"/>
+        <a:lumOff val="35000"/>
+      </a:schemeClr>
+    </cs:fontRef>
+    <cs:spPr>
+      <a:noFill/>
+      <a:ln w="9525" cap="flat" cmpd="sng" algn="ctr">
+        <a:solidFill>
+          <a:schemeClr val="tx1">
+            <a:lumMod val="15000"/>
+            <a:lumOff val="85000"/>
+          </a:schemeClr>
+        </a:solidFill>
+        <a:round/>
+      </a:ln>
+    </cs:spPr>
+    <cs:defRPr sz="1197" kern="1200"/>
+  </cs:dataTable>
+  <cs:downBar>
+    <cs:lnRef idx="0"/>
+    <cs:fillRef idx="0"/>
+    <cs:effectRef idx="0"/>
+    <cs:fontRef idx="minor">
+      <a:schemeClr val="tx1"/>
+    </cs:fontRef>
+    <cs:spPr>
+      <a:solidFill>
+        <a:schemeClr val="dk1">
+          <a:lumMod val="75000"/>
+          <a:lumOff val="25000"/>
+        </a:schemeClr>
+      </a:solidFill>
+      <a:ln w="9525" cap="flat" cmpd="sng" algn="ctr">
+        <a:solidFill>
+          <a:schemeClr val="tx1">
+            <a:lumMod val="65000"/>
+            <a:lumOff val="35000"/>
+          </a:schemeClr>
+        </a:solidFill>
+        <a:round/>
+      </a:ln>
+    </cs:spPr>
+  </cs:downBar>
+  <cs:dropLine>
+    <cs:lnRef idx="0"/>
+    <cs:fillRef idx="0"/>
+    <cs:effectRef idx="0"/>
+    <cs:fontRef idx="minor">
+      <a:schemeClr val="tx1"/>
+    </cs:fontRef>
+    <cs:spPr>
+      <a:ln w="9525" cap="flat" cmpd="sng" algn="ctr">
+        <a:solidFill>
+          <a:schemeClr val="tx1">
+            <a:lumMod val="35000"/>
+            <a:lumOff val="65000"/>
+          </a:schemeClr>
+        </a:solidFill>
+        <a:round/>
+      </a:ln>
+    </cs:spPr>
+  </cs:dropLine>
+  <cs:errorBar>
+    <cs:lnRef idx="0"/>
+    <cs:fillRef idx="0"/>
+    <cs:effectRef idx="0"/>
+    <cs:fontRef idx="minor">
+      <a:schemeClr val="tx1"/>
+    </cs:fontRef>
+    <cs:spPr>
+      <a:ln w="9525" cap="flat" cmpd="sng" algn="ctr">
+        <a:solidFill>
+          <a:schemeClr val="tx1">
+            <a:lumMod val="65000"/>
+            <a:lumOff val="35000"/>
+          </a:schemeClr>
+        </a:solidFill>
+        <a:round/>
+      </a:ln>
+    </cs:spPr>
+  </cs:errorBar>
+  <cs:floor>
+    <cs:lnRef idx="0"/>
+    <cs:fillRef idx="0"/>
+    <cs:effectRef idx="0"/>
+    <cs:fontRef idx="minor">
+      <a:schemeClr val="tx1"/>
+    </cs:fontRef>
+    <cs:spPr>
+      <a:ln w="9525" cap="flat" cmpd="sng" algn="ctr">
+        <a:solidFill>
+          <a:schemeClr val="tx1">
+            <a:lumMod val="15000"/>
+            <a:lumOff val="85000"/>
+          </a:schemeClr>
+        </a:solidFill>
+        <a:round/>
+      </a:ln>
+    </cs:spPr>
+  </cs:floor>
+  <cs:gridlineMajor>
+    <cs:lnRef idx="0"/>
+    <cs:fillRef idx="0"/>
+    <cs:effectRef idx="0"/>
+    <cs:fontRef idx="minor">
+      <a:schemeClr val="tx1"/>
+    </cs:fontRef>
+    <cs:spPr>
+      <a:ln w="9525" cap="flat" cmpd="sng" algn="ctr">
+        <a:solidFill>
+          <a:schemeClr val="tx1">
+            <a:lumMod val="15000"/>
+            <a:lumOff val="85000"/>
+          </a:schemeClr>
+        </a:solidFill>
+        <a:round/>
+      </a:ln>
+    </cs:spPr>
+  </cs:gridlineMajor>
+  <cs:gridlineMinor>
+    <cs:lnRef idx="0"/>
+    <cs:fillRef idx="0"/>
+    <cs:effectRef idx="0"/>
+    <cs:fontRef idx="minor">
+      <a:schemeClr val="tx1"/>
+    </cs:fontRef>
+    <cs:spPr>
+      <a:ln w="9525" cap="flat" cmpd="sng" algn="ctr">
+        <a:solidFill>
+          <a:schemeClr val="tx1">
+            <a:lumMod val="5000"/>
+            <a:lumOff val="95000"/>
+          </a:schemeClr>
+        </a:solidFill>
+        <a:round/>
+      </a:ln>
+    </cs:spPr>
+  </cs:gridlineMinor>
+  <cs:hiLoLine>
+    <cs:lnRef idx="0"/>
+    <cs:fillRef idx="0"/>
+    <cs:effectRef idx="0"/>
+    <cs:fontRef idx="minor">
+      <a:schemeClr val="tx1"/>
+    </cs:fontRef>
+    <cs:spPr>
+      <a:ln w="9525" cap="flat" cmpd="sng" algn="ctr">
+        <a:solidFill>
+          <a:schemeClr val="tx1">
+            <a:lumMod val="50000"/>
+            <a:lumOff val="50000"/>
+          </a:schemeClr>
+        </a:solidFill>
+        <a:round/>
+      </a:ln>
+    </cs:spPr>
+  </cs:hiLoLine>
+  <cs:leaderLine>
+    <cs:lnRef idx="0"/>
+    <cs:fillRef idx="0"/>
+    <cs:effectRef idx="0"/>
+    <cs:fontRef idx="minor">
+      <a:schemeClr val="tx1"/>
+    </cs:fontRef>
+    <cs:spPr>
+      <a:ln w="9525" cap="flat" cmpd="sng" algn="ctr">
+        <a:solidFill>
+          <a:schemeClr val="tx1">
+            <a:lumMod val="35000"/>
+            <a:lumOff val="65000"/>
+          </a:schemeClr>
+        </a:solidFill>
+        <a:round/>
+      </a:ln>
+    </cs:spPr>
+  </cs:leaderLine>
+  <cs:legend>
+    <cs:lnRef idx="0"/>
+    <cs:fillRef idx="0"/>
+    <cs:effectRef idx="0"/>
+    <cs:fontRef idx="minor">
+      <a:schemeClr val="tx1">
+        <a:lumMod val="65000"/>
+        <a:lumOff val="35000"/>
+      </a:schemeClr>
+    </cs:fontRef>
+    <cs:defRPr sz="1197" kern="1200"/>
+  </cs:legend>
+  <cs:plotArea mods="allowNoFillOverride allowNoLineOverride">
+    <cs:lnRef idx="0"/>
+    <cs:fillRef idx="0"/>
+    <cs:effectRef idx="0"/>
+    <cs:fontRef idx="minor">
+      <a:schemeClr val="tx1"/>
+    </cs:fontRef>
+  </cs:plotArea>
+  <cs:plotArea3D mods="allowNoFillOverride allowNoLineOverride">
+    <cs:lnRef idx="0"/>
+    <cs:fillRef idx="0"/>
+    <cs:effectRef idx="0"/>
+    <cs:fontRef idx="minor">
+      <a:schemeClr val="tx1"/>
+    </cs:fontRef>
+  </cs:plotArea3D>
+  <cs:seriesAxis>
+    <cs:lnRef idx="0"/>
+    <cs:fillRef idx="0"/>
+    <cs:effectRef idx="0"/>
+    <cs:fontRef idx="minor">
+      <a:schemeClr val="tx1">
+        <a:lumMod val="65000"/>
+        <a:lumOff val="35000"/>
+      </a:schemeClr>
+    </cs:fontRef>
+    <cs:spPr>
+      <a:ln w="9525" cap="flat" cmpd="sng" algn="ctr">
+        <a:solidFill>
+          <a:schemeClr val="tx1">
+            <a:lumMod val="15000"/>
+            <a:lumOff val="85000"/>
+          </a:schemeClr>
+        </a:solidFill>
+        <a:round/>
+      </a:ln>
+    </cs:spPr>
+    <cs:defRPr sz="1197" kern="1200"/>
+  </cs:seriesAxis>
+  <cs:seriesLine>
+    <cs:lnRef idx="0"/>
+    <cs:fillRef idx="0"/>
+    <cs:effectRef idx="0"/>
+    <cs:fontRef idx="minor">
+      <a:schemeClr val="tx1"/>
+    </cs:fontRef>
+    <cs:spPr>
+      <a:ln w="9525" cap="flat" cmpd="sng" algn="ctr">
+        <a:solidFill>
+          <a:schemeClr val="tx1">
+            <a:lumMod val="35000"/>
+            <a:lumOff val="65000"/>
+          </a:schemeClr>
+        </a:solidFill>
+        <a:round/>
+      </a:ln>
+    </cs:spPr>
+  </cs:seriesLine>
+  <cs:title>
+    <cs:lnRef idx="0"/>
+    <cs:fillRef idx="0"/>
+    <cs:effectRef idx="0"/>
+    <cs:fontRef idx="minor">
+      <a:schemeClr val="tx1">
+        <a:lumMod val="65000"/>
+        <a:lumOff val="35000"/>
+      </a:schemeClr>
+    </cs:fontRef>
+    <cs:defRPr sz="1862" b="0" kern="1200" spc="0" baseline="0"/>
+  </cs:title>
+  <cs:trendline>
+    <cs:lnRef idx="0">
+      <cs:styleClr val="auto"/>
+    </cs:lnRef>
+    <cs:fillRef idx="0"/>
+    <cs:effectRef idx="0"/>
+    <cs:fontRef idx="minor">
+      <a:schemeClr val="tx1"/>
+    </cs:fontRef>
+    <cs:spPr>
+      <a:ln w="19050" cap="rnd">
+        <a:solidFill>
+          <a:schemeClr val="phClr"/>
+        </a:solidFill>
+        <a:prstDash val="sysDot"/>
+      </a:ln>
+    </cs:spPr>
+  </cs:trendline>
+  <cs:trendlineLabel>
+    <cs:lnRef idx="0"/>
+    <cs:fillRef idx="0"/>
+    <cs:effectRef idx="0"/>
+    <cs:fontRef idx="minor">
+      <a:schemeClr val="tx1">
+        <a:lumMod val="65000"/>
+        <a:lumOff val="35000"/>
+      </a:schemeClr>
+    </cs:fontRef>
+    <cs:defRPr sz="1197" kern="1200"/>
+  </cs:trendlineLabel>
+  <cs:upBar>
+    <cs:lnRef idx="0"/>
+    <cs:fillRef idx="0"/>
+    <cs:effectRef idx="0"/>
+    <cs:fontRef idx="minor">
+      <a:schemeClr val="tx1"/>
+    </cs:fontRef>
+    <cs:spPr>
+      <a:solidFill>
+        <a:schemeClr val="lt1"/>
+      </a:solidFill>
+      <a:ln w="9525" cap="flat" cmpd="sng" algn="ctr">
+        <a:solidFill>
+          <a:schemeClr val="tx1">
+            <a:lumMod val="65000"/>
+            <a:lumOff val="35000"/>
+          </a:schemeClr>
+        </a:solidFill>
+        <a:round/>
+      </a:ln>
+    </cs:spPr>
+  </cs:upBar>
+  <cs:valueAxis>
+    <cs:lnRef idx="0"/>
+    <cs:fillRef idx="0"/>
+    <cs:effectRef idx="0"/>
+    <cs:fontRef idx="minor">
+      <a:schemeClr val="tx1">
+        <a:lumMod val="65000"/>
+        <a:lumOff val="35000"/>
+      </a:schemeClr>
+    </cs:fontRef>
+    <cs:defRPr sz="1197" kern="1200"/>
+  </cs:valueAxis>
+  <cs:wall>
+    <cs:lnRef idx="0"/>
+    <cs:fillRef idx="0"/>
+    <cs:effectRef idx="0"/>
+    <cs:fontRef idx="minor">
+      <a:schemeClr val="tx1"/>
+    </cs:fontRef>
+    <cs:spPr>
+      <a:noFill/>
+      <a:ln>
+        <a:noFill/>
+      </a:ln>
+    </cs:spPr>
+  </cs:wall>
+</cs:chartStyle>
+</file>
+
+<file path=ppt/charts/style6.xml><?xml version="1.0" encoding="utf-8"?>
+<cs:chartStyle xmlns:cs="http://schemas.microsoft.com/office/drawing/2012/chartStyle" xmlns:a="http://schemas.openxmlformats.org/drawingml/2006/main" id="395">
+  <cs:axisTitle>
+    <cs:lnRef idx="0"/>
+    <cs:fillRef idx="0"/>
+    <cs:effectRef idx="0"/>
+    <cs:fontRef idx="minor">
+      <a:schemeClr val="tx1">
+        <a:lumMod val="65000"/>
+        <a:lumOff val="35000"/>
+      </a:schemeClr>
+    </cs:fontRef>
+    <cs:defRPr sz="1197"/>
+  </cs:axisTitle>
+  <cs:categoryAxis>
+    <cs:lnRef idx="0"/>
+    <cs:fillRef idx="0"/>
+    <cs:effectRef idx="0"/>
+    <cs:fontRef idx="minor">
+      <a:schemeClr val="tx1">
+        <a:lumMod val="65000"/>
+        <a:lumOff val="35000"/>
+      </a:schemeClr>
+    </cs:fontRef>
+    <cs:spPr>
+      <a:ln w="9525" cap="flat" cmpd="sng" algn="ctr">
+        <a:solidFill>
+          <a:schemeClr val="tx1">
+            <a:lumMod val="15000"/>
+            <a:lumOff val="85000"/>
+          </a:schemeClr>
+        </a:solidFill>
+        <a:round/>
+      </a:ln>
+    </cs:spPr>
+    <cs:defRPr sz="1197"/>
+  </cs:categoryAxis>
+  <cs:chartArea mods="allowNoFillOverride allowNoLineOverride">
+    <cs:lnRef idx="0"/>
+    <cs:fillRef idx="0"/>
+    <cs:effectRef idx="0"/>
+    <cs:fontRef idx="minor">
+      <a:schemeClr val="tx1"/>
+    </cs:fontRef>
+    <cs:spPr>
+      <a:solidFill>
+        <a:schemeClr val="bg1"/>
+      </a:solidFill>
+      <a:ln w="9525" cap="flat" cmpd="sng" algn="ctr">
+        <a:solidFill>
+          <a:schemeClr val="tx1">
+            <a:lumMod val="15000"/>
+            <a:lumOff val="85000"/>
+          </a:schemeClr>
+        </a:solidFill>
+        <a:round/>
+      </a:ln>
+    </cs:spPr>
+    <cs:defRPr sz="1330"/>
+  </cs:chartArea>
+  <cs:dataLabel>
+    <cs:lnRef idx="0"/>
+    <cs:fillRef idx="0"/>
+    <cs:effectRef idx="0"/>
+    <cs:fontRef idx="minor">
+      <a:schemeClr val="tx1">
+        <a:lumMod val="65000"/>
+        <a:lumOff val="35000"/>
+      </a:schemeClr>
+    </cs:fontRef>
+    <cs:defRPr sz="1197"/>
+  </cs:dataLabel>
+  <cs:dataLabelCallout>
+    <cs:lnRef idx="0"/>
+    <cs:fillRef idx="0"/>
+    <cs:effectRef idx="0"/>
+    <cs:fontRef idx="minor">
+      <a:schemeClr val="dk1">
+        <a:lumMod val="65000"/>
+        <a:lumOff val="35000"/>
+      </a:schemeClr>
+    </cs:fontRef>
+    <cs:spPr>
+      <a:solidFill>
+        <a:schemeClr val="lt1"/>
+      </a:solidFill>
+      <a:ln>
+        <a:solidFill>
+          <a:schemeClr val="dk1">
+            <a:lumMod val="25000"/>
+            <a:lumOff val="75000"/>
+          </a:schemeClr>
+        </a:solidFill>
+      </a:ln>
+    </cs:spPr>
+    <cs:defRPr sz="1197"/>
+    <cs:bodyPr rot="0" spcFirstLastPara="1" vertOverflow="clip" horzOverflow="clip" vert="horz" wrap="square" lIns="36576" tIns="18288" rIns="36576" bIns="18288" anchor="ctr" anchorCtr="1">
+      <a:spAutoFit/>
+    </cs:bodyPr>
+  </cs:dataLabelCallout>
+  <cs:dataPoint>
+    <cs:lnRef idx="0"/>
+    <cs:fillRef idx="0">
+      <cs:styleClr val="auto"/>
+    </cs:fillRef>
+    <cs:effectRef idx="0"/>
+    <cs:fontRef idx="minor">
+      <a:schemeClr val="tx1"/>
+    </cs:fontRef>
+    <cs:spPr>
+      <a:solidFill>
+        <a:schemeClr val="phClr"/>
+      </a:solidFill>
+    </cs:spPr>
+  </cs:dataPoint>
+  <cs:dataPoint3D>
+    <cs:lnRef idx="0"/>
+    <cs:fillRef idx="0">
+      <cs:styleClr val="auto"/>
+    </cs:fillRef>
+    <cs:effectRef idx="0"/>
+    <cs:fontRef idx="minor">
+      <a:schemeClr val="tx1"/>
+    </cs:fontRef>
+    <cs:spPr>
+      <a:solidFill>
+        <a:schemeClr val="phClr"/>
+      </a:solidFill>
+    </cs:spPr>
+  </cs:dataPoint3D>
+  <cs:dataPointLine>
+    <cs:lnRef idx="0">
+      <cs:styleClr val="auto"/>
+    </cs:lnRef>
+    <cs:fillRef idx="0"/>
+    <cs:effectRef idx="0"/>
+    <cs:fontRef idx="minor">
+      <a:schemeClr val="tx1"/>
+    </cs:fontRef>
+    <cs:spPr>
+      <a:ln w="28575" cap="rnd">
+        <a:solidFill>
+          <a:schemeClr val="phClr"/>
+        </a:solidFill>
+        <a:round/>
+      </a:ln>
+    </cs:spPr>
+  </cs:dataPointLine>
+  <cs:dataPointMarker>
+    <cs:lnRef idx="0"/>
+    <cs:fillRef idx="0">
+      <cs:styleClr val="auto"/>
+    </cs:fillRef>
+    <cs:effectRef idx="0"/>
+    <cs:fontRef idx="minor">
+      <a:schemeClr val="tx1"/>
+    </cs:fontRef>
+    <cs:spPr>
+      <a:solidFill>
+        <a:schemeClr val="phClr"/>
+      </a:solidFill>
+      <a:ln w="9525">
+        <a:solidFill>
+          <a:schemeClr val="lt1"/>
+        </a:solidFill>
+      </a:ln>
+    </cs:spPr>
+  </cs:dataPointMarker>
+  <cs:dataPointMarkerLayout symbol="circle" size="5"/>
+  <cs:dataPointWireframe>
+    <cs:lnRef idx="0">
+      <cs:styleClr val="auto"/>
+    </cs:lnRef>
+    <cs:fillRef idx="0"/>
+    <cs:effectRef idx="0"/>
+    <cs:fontRef idx="minor">
+      <a:schemeClr val="tx1"/>
+    </cs:fontRef>
+    <cs:spPr>
+      <a:ln w="28575" cap="rnd">
+        <a:solidFill>
+          <a:schemeClr val="phClr"/>
+        </a:solidFill>
+        <a:round/>
+      </a:ln>
+    </cs:spPr>
+  </cs:dataPointWireframe>
+  <cs:dataTable>
+    <cs:lnRef idx="0"/>
+    <cs:fillRef idx="0"/>
+    <cs:effectRef idx="0"/>
+    <cs:fontRef idx="minor">
+      <a:schemeClr val="tx1">
+        <a:lumMod val="65000"/>
+        <a:lumOff val="35000"/>
+      </a:schemeClr>
+    </cs:fontRef>
+    <cs:spPr>
+      <a:ln w="9525">
+        <a:solidFill>
+          <a:schemeClr val="tx1">
+            <a:lumMod val="15000"/>
+            <a:lumOff val="85000"/>
+          </a:schemeClr>
+        </a:solidFill>
+      </a:ln>
+    </cs:spPr>
+    <cs:defRPr sz="1197"/>
+  </cs:dataTable>
+  <cs:downBar>
+    <cs:lnRef idx="0"/>
+    <cs:fillRef idx="0"/>
+    <cs:effectRef idx="0"/>
+    <cs:fontRef idx="minor">
+      <a:schemeClr val="dk1"/>
+    </cs:fontRef>
+    <cs:spPr>
+      <a:solidFill>
+        <a:schemeClr val="dk1">
+          <a:lumMod val="65000"/>
+          <a:lumOff val="35000"/>
+        </a:schemeClr>
+      </a:solidFill>
+      <a:ln w="9525">
+        <a:solidFill>
+          <a:schemeClr val="tx1">
+            <a:lumMod val="65000"/>
+            <a:lumOff val="35000"/>
+          </a:schemeClr>
+        </a:solidFill>
+      </a:ln>
+    </cs:spPr>
+  </cs:downBar>
+  <cs:dropLine>
+    <cs:lnRef idx="0"/>
+    <cs:fillRef idx="0"/>
+    <cs:effectRef idx="0"/>
+    <cs:fontRef idx="minor">
+      <a:schemeClr val="tx1"/>
+    </cs:fontRef>
+    <cs:spPr>
+      <a:ln w="9525" cap="flat" cmpd="sng" algn="ctr">
+        <a:solidFill>
+          <a:schemeClr val="tx1">
+            <a:lumMod val="35000"/>
+            <a:lumOff val="65000"/>
+          </a:schemeClr>
+        </a:solidFill>
+        <a:round/>
+      </a:ln>
+    </cs:spPr>
+  </cs:dropLine>
+  <cs:errorBar>
+    <cs:lnRef idx="0"/>
+    <cs:fillRef idx="0"/>
+    <cs:effectRef idx="0"/>
+    <cs:fontRef idx="minor">
+      <a:schemeClr val="tx1"/>
+    </cs:fontRef>
+    <cs:spPr>
+      <a:ln w="9525" cap="flat" cmpd="sng" algn="ctr">
+        <a:solidFill>
+          <a:schemeClr val="tx1">
+            <a:lumMod val="65000"/>
+            <a:lumOff val="35000"/>
+          </a:schemeClr>
+        </a:solidFill>
+        <a:round/>
+      </a:ln>
+    </cs:spPr>
+  </cs:errorBar>
+  <cs:floor>
+    <cs:lnRef idx="0"/>
+    <cs:fillRef idx="0"/>
+    <cs:effectRef idx="0"/>
+    <cs:fontRef idx="minor">
+      <a:schemeClr val="tx1"/>
+    </cs:fontRef>
+  </cs:floor>
+  <cs:gridlineMajor>
+    <cs:lnRef idx="0"/>
+    <cs:fillRef idx="0"/>
+    <cs:effectRef idx="0"/>
+    <cs:fontRef idx="minor">
+      <a:schemeClr val="tx1"/>
+    </cs:fontRef>
+    <cs:spPr>
+      <a:ln w="9525" cap="flat" cmpd="sng" algn="ctr">
+        <a:solidFill>
+          <a:schemeClr val="tx1">
+            <a:lumMod val="15000"/>
+            <a:lumOff val="85000"/>
+          </a:schemeClr>
+        </a:solidFill>
+        <a:round/>
+      </a:ln>
+    </cs:spPr>
+  </cs:gridlineMajor>
+  <cs:gridlineMinor>
+    <cs:lnRef idx="0"/>
+    <cs:fillRef idx="0"/>
+    <cs:effectRef idx="0"/>
+    <cs:fontRef idx="minor">
+      <a:schemeClr val="tx1"/>
+    </cs:fontRef>
+    <cs:spPr>
+      <a:ln w="9525" cap="flat" cmpd="sng" algn="ctr">
+        <a:solidFill>
+          <a:schemeClr val="tx1">
+            <a:lumMod val="15000"/>
+            <a:lumOff val="85000"/>
+          </a:schemeClr>
+        </a:solidFill>
+        <a:round/>
+      </a:ln>
+    </cs:spPr>
+  </cs:gridlineMinor>
+  <cs:hiLoLine>
+    <cs:lnRef idx="0"/>
+    <cs:fillRef idx="0"/>
+    <cs:effectRef idx="0"/>
+    <cs:fontRef idx="minor">
+      <a:schemeClr val="tx1"/>
+    </cs:fontRef>
+    <cs:spPr>
+      <a:ln w="9525" cap="flat" cmpd="sng" algn="ctr">
+        <a:solidFill>
+          <a:schemeClr val="tx1">
+            <a:lumMod val="75000"/>
+            <a:lumOff val="25000"/>
+          </a:schemeClr>
+        </a:solidFill>
+        <a:round/>
+      </a:ln>
+    </cs:spPr>
+  </cs:hiLoLine>
+  <cs:leaderLine>
+    <cs:lnRef idx="0"/>
+    <cs:fillRef idx="0"/>
+    <cs:effectRef idx="0"/>
+    <cs:fontRef idx="minor">
+      <a:schemeClr val="tx1"/>
+    </cs:fontRef>
+    <cs:spPr>
+      <a:ln w="9525" cap="flat" cmpd="sng" algn="ctr">
+        <a:solidFill>
+          <a:schemeClr val="tx1">
+            <a:lumMod val="35000"/>
+            <a:lumOff val="65000"/>
+          </a:schemeClr>
+        </a:solidFill>
+        <a:round/>
+      </a:ln>
+    </cs:spPr>
+  </cs:leaderLine>
+  <cs:legend>
+    <cs:lnRef idx="0"/>
+    <cs:fillRef idx="0"/>
+    <cs:effectRef idx="0"/>
+    <cs:fontRef idx="minor">
+      <a:schemeClr val="tx1">
+        <a:lumMod val="65000"/>
+        <a:lumOff val="35000"/>
+      </a:schemeClr>
+    </cs:fontRef>
+    <cs:defRPr sz="1197"/>
+  </cs:legend>
+  <cs:plotArea mods="allowNoFillOverride allowNoLineOverride">
+    <cs:lnRef idx="0"/>
+    <cs:fillRef idx="0"/>
+    <cs:effectRef idx="0"/>
+    <cs:fontRef idx="minor">
+      <a:schemeClr val="tx1"/>
+    </cs:fontRef>
+  </cs:plotArea>
+  <cs:plotArea3D mods="allowNoFillOverride allowNoLineOverride">
+    <cs:lnRef idx="0"/>
+    <cs:fillRef idx="0"/>
+    <cs:effectRef idx="0"/>
+    <cs:fontRef idx="minor">
+      <a:schemeClr val="tx1"/>
+    </cs:fontRef>
+  </cs:plotArea3D>
+  <cs:seriesAxis>
+    <cs:lnRef idx="0"/>
+    <cs:fillRef idx="0"/>
+    <cs:effectRef idx="0"/>
+    <cs:fontRef idx="minor">
+      <a:schemeClr val="tx1">
+        <a:lumMod val="65000"/>
+        <a:lumOff val="35000"/>
+      </a:schemeClr>
+    </cs:fontRef>
+    <cs:spPr>
+      <a:ln w="9525" cap="flat" cmpd="sng" algn="ctr">
+        <a:solidFill>
+          <a:schemeClr val="tx1">
+            <a:lumMod val="15000"/>
+            <a:lumOff val="85000"/>
+          </a:schemeClr>
+        </a:solidFill>
+        <a:round/>
+      </a:ln>
+    </cs:spPr>
+    <cs:defRPr sz="1197"/>
+  </cs:seriesAxis>
+  <cs:seriesLine>
+    <cs:lnRef idx="0"/>
+    <cs:fillRef idx="0"/>
+    <cs:effectRef idx="0"/>
+    <cs:fontRef idx="minor">
+      <a:schemeClr val="tx1"/>
+    </cs:fontRef>
+    <cs:spPr>
+      <a:ln w="9525" cap="flat">
+        <a:solidFill>
+          <a:srgbClr val="D9D9D9"/>
+        </a:solidFill>
+        <a:round/>
+      </a:ln>
+    </cs:spPr>
+  </cs:seriesLine>
+  <cs:title>
+    <cs:lnRef idx="0"/>
+    <cs:fillRef idx="0"/>
+    <cs:effectRef idx="0"/>
+    <cs:fontRef idx="minor">
+      <a:schemeClr val="tx1">
+        <a:lumMod val="65000"/>
+        <a:lumOff val="35000"/>
+      </a:schemeClr>
+    </cs:fontRef>
+    <cs:defRPr sz="1862"/>
+  </cs:title>
+  <cs:trendline>
+    <cs:lnRef idx="0">
+      <cs:styleClr val="auto"/>
+    </cs:lnRef>
+    <cs:fillRef idx="0"/>
+    <cs:effectRef idx="0"/>
+    <cs:fontRef idx="minor">
+      <a:schemeClr val="tx1"/>
+    </cs:fontRef>
+    <cs:spPr>
+      <a:ln w="19050" cap="rnd">
+        <a:solidFill>
+          <a:schemeClr val="phClr"/>
+        </a:solidFill>
+        <a:prstDash val="sysDash"/>
+      </a:ln>
+    </cs:spPr>
+  </cs:trendline>
+  <cs:trendlineLabel>
+    <cs:lnRef idx="0"/>
+    <cs:fillRef idx="0"/>
+    <cs:effectRef idx="0"/>
+    <cs:fontRef idx="minor">
+      <a:schemeClr val="tx1">
+        <a:lumMod val="65000"/>
+        <a:lumOff val="35000"/>
+      </a:schemeClr>
+    </cs:fontRef>
+    <cs:defRPr sz="1197"/>
+  </cs:trendlineLabel>
+  <cs:upBar>
+    <cs:lnRef idx="0"/>
+    <cs:fillRef idx="0"/>
+    <cs:effectRef idx="0"/>
+    <cs:fontRef idx="minor">
+      <a:schemeClr val="dk1"/>
+    </cs:fontRef>
+    <cs:spPr>
+      <a:solidFill>
+        <a:schemeClr val="lt1"/>
+      </a:solidFill>
+      <a:ln w="9525">
+        <a:solidFill>
+          <a:schemeClr val="tx1">
+            <a:lumMod val="15000"/>
+            <a:lumOff val="85000"/>
+          </a:schemeClr>
+        </a:solidFill>
+      </a:ln>
+    </cs:spPr>
+  </cs:upBar>
+  <cs:valueAxis>
+    <cs:lnRef idx="0"/>
+    <cs:fillRef idx="0"/>
+    <cs:effectRef idx="0"/>
+    <cs:fontRef idx="minor">
+      <a:schemeClr val="tx1">
+        <a:lumMod val="65000"/>
+        <a:lumOff val="35000"/>
+      </a:schemeClr>
+    </cs:fontRef>
+    <cs:defRPr sz="1197"/>
+  </cs:valueAxis>
+  <cs:wall>
+    <cs:lnRef idx="0"/>
+    <cs:fillRef idx="0"/>
+    <cs:effectRef idx="0"/>
+    <cs:fontRef idx="minor">
+      <a:schemeClr val="tx1"/>
+    </cs:fontRef>
+  </cs:wall>
+</cs:chartStyle>
 </file>
 
 <file path=ppt/slideLayouts/slideLayout1.xml><?xml version="1.0" encoding="utf-8"?>
@@ -261,7 +5625,7 @@
           <a:p>
             <a:fld id="{08F99DAB-680D-45F3-A863-3C18544ECDEF}" type="datetimeFigureOut">
               <a:rPr lang="hu-HU" smtClean="0"/>
-              <a:t>2023. 09. 21.</a:t>
+              <a:t>2023. 09. 23.</a:t>
             </a:fld>
             <a:endParaRPr lang="hu-HU"/>
           </a:p>
@@ -459,7 +5823,7 @@
           <a:p>
             <a:fld id="{08F99DAB-680D-45F3-A863-3C18544ECDEF}" type="datetimeFigureOut">
               <a:rPr lang="hu-HU" smtClean="0"/>
-              <a:t>2023. 09. 21.</a:t>
+              <a:t>2023. 09. 23.</a:t>
             </a:fld>
             <a:endParaRPr lang="hu-HU"/>
           </a:p>
@@ -667,7 +6031,7 @@
           <a:p>
             <a:fld id="{08F99DAB-680D-45F3-A863-3C18544ECDEF}" type="datetimeFigureOut">
               <a:rPr lang="hu-HU" smtClean="0"/>
-              <a:t>2023. 09. 21.</a:t>
+              <a:t>2023. 09. 23.</a:t>
             </a:fld>
             <a:endParaRPr lang="hu-HU"/>
           </a:p>
@@ -865,7 +6229,7 @@
           <a:p>
             <a:fld id="{08F99DAB-680D-45F3-A863-3C18544ECDEF}" type="datetimeFigureOut">
               <a:rPr lang="hu-HU" smtClean="0"/>
-              <a:t>2023. 09. 21.</a:t>
+              <a:t>2023. 09. 23.</a:t>
             </a:fld>
             <a:endParaRPr lang="hu-HU"/>
           </a:p>
@@ -1140,7 +6504,7 @@
           <a:p>
             <a:fld id="{08F99DAB-680D-45F3-A863-3C18544ECDEF}" type="datetimeFigureOut">
               <a:rPr lang="hu-HU" smtClean="0"/>
-              <a:t>2023. 09. 21.</a:t>
+              <a:t>2023. 09. 23.</a:t>
             </a:fld>
             <a:endParaRPr lang="hu-HU"/>
           </a:p>
@@ -1405,7 +6769,7 @@
           <a:p>
             <a:fld id="{08F99DAB-680D-45F3-A863-3C18544ECDEF}" type="datetimeFigureOut">
               <a:rPr lang="hu-HU" smtClean="0"/>
-              <a:t>2023. 09. 21.</a:t>
+              <a:t>2023. 09. 23.</a:t>
             </a:fld>
             <a:endParaRPr lang="hu-HU"/>
           </a:p>
@@ -1817,7 +7181,7 @@
           <a:p>
             <a:fld id="{08F99DAB-680D-45F3-A863-3C18544ECDEF}" type="datetimeFigureOut">
               <a:rPr lang="hu-HU" smtClean="0"/>
-              <a:t>2023. 09. 21.</a:t>
+              <a:t>2023. 09. 23.</a:t>
             </a:fld>
             <a:endParaRPr lang="hu-HU"/>
           </a:p>
@@ -1958,7 +7322,7 @@
           <a:p>
             <a:fld id="{08F99DAB-680D-45F3-A863-3C18544ECDEF}" type="datetimeFigureOut">
               <a:rPr lang="hu-HU" smtClean="0"/>
-              <a:t>2023. 09. 21.</a:t>
+              <a:t>2023. 09. 23.</a:t>
             </a:fld>
             <a:endParaRPr lang="hu-HU"/>
           </a:p>
@@ -2071,7 +7435,7 @@
           <a:p>
             <a:fld id="{08F99DAB-680D-45F3-A863-3C18544ECDEF}" type="datetimeFigureOut">
               <a:rPr lang="hu-HU" smtClean="0"/>
-              <a:t>2023. 09. 21.</a:t>
+              <a:t>2023. 09. 23.</a:t>
             </a:fld>
             <a:endParaRPr lang="hu-HU"/>
           </a:p>
@@ -2382,7 +7746,7 @@
           <a:p>
             <a:fld id="{08F99DAB-680D-45F3-A863-3C18544ECDEF}" type="datetimeFigureOut">
               <a:rPr lang="hu-HU" smtClean="0"/>
-              <a:t>2023. 09. 21.</a:t>
+              <a:t>2023. 09. 23.</a:t>
             </a:fld>
             <a:endParaRPr lang="hu-HU"/>
           </a:p>
@@ -2670,7 +8034,7 @@
           <a:p>
             <a:fld id="{08F99DAB-680D-45F3-A863-3C18544ECDEF}" type="datetimeFigureOut">
               <a:rPr lang="hu-HU" smtClean="0"/>
-              <a:t>2023. 09. 21.</a:t>
+              <a:t>2023. 09. 23.</a:t>
             </a:fld>
             <a:endParaRPr lang="hu-HU"/>
           </a:p>
@@ -2911,7 +8275,7 @@
           <a:p>
             <a:fld id="{08F99DAB-680D-45F3-A863-3C18544ECDEF}" type="datetimeFigureOut">
               <a:rPr lang="hu-HU" smtClean="0"/>
-              <a:t>2023. 09. 21.</a:t>
+              <a:t>2023. 09. 23.</a:t>
             </a:fld>
             <a:endParaRPr lang="hu-HU"/>
           </a:p>
@@ -3591,11 +8955,11 @@
               <a:t>ipsum</a:t>
             </a:r>
             <a:r>
-              <a:rPr lang="hu-HU"/>
+              <a:rPr lang="hu-HU" dirty="0"/>
               <a:t> </a:t>
             </a:r>
             <a:r>
-              <a:rPr lang="hu-HU" b="0">
+              <a:rPr lang="hu-HU" b="0" dirty="0">
                 <a:solidFill>
                   <a:srgbClr val="CE9178"/>
                 </a:solidFill>
@@ -3605,7 +8969,7 @@
               <a:t>adat3 </a:t>
             </a:r>
             <a:r>
-              <a:rPr lang="hu-HU"/>
+              <a:rPr lang="hu-HU" dirty="0" err="1"/>
               <a:t>lorem</a:t>
             </a:r>
             <a:r>
@@ -3624,6 +8988,799 @@
     <p:extLst>
       <p:ext uri="{BB962C8B-B14F-4D97-AF65-F5344CB8AC3E}">
         <p14:creationId xmlns:p14="http://schemas.microsoft.com/office/powerpoint/2010/main" val="189417832"/>
+      </p:ext>
+    </p:extLst>
+  </p:cSld>
+  <p:clrMapOvr>
+    <a:masterClrMapping/>
+  </p:clrMapOvr>
+</p:sld>
+</file>
+
+<file path=ppt/slides/slide4.xml><?xml version="1.0" encoding="utf-8"?>
+<p:sld xmlns:a="http://schemas.openxmlformats.org/drawingml/2006/main" xmlns:r="http://schemas.openxmlformats.org/officeDocument/2006/relationships" xmlns:p="http://schemas.openxmlformats.org/presentationml/2006/main">
+  <p:cSld>
+    <p:spTree>
+      <p:nvGrpSpPr>
+        <p:cNvPr id="1" name=""/>
+        <p:cNvGrpSpPr/>
+        <p:nvPr/>
+      </p:nvGrpSpPr>
+      <p:grpSpPr>
+        <a:xfrm>
+          <a:off x="0" y="0"/>
+          <a:ext cx="0" cy="0"/>
+          <a:chOff x="0" y="0"/>
+          <a:chExt cx="0" cy="0"/>
+        </a:xfrm>
+      </p:grpSpPr>
+      <p:sp>
+        <p:nvSpPr>
+          <p:cNvPr id="2" name="Cím 1">
+            <a:extLst>
+              <a:ext uri="{FF2B5EF4-FFF2-40B4-BE49-F238E27FC236}">
+                <a16:creationId xmlns:a16="http://schemas.microsoft.com/office/drawing/2014/main" id="{E778CB54-FA5A-6FC2-15EA-C293A8122DAB}"/>
+              </a:ext>
+            </a:extLst>
+          </p:cNvPr>
+          <p:cNvSpPr>
+            <a:spLocks noGrp="1"/>
+          </p:cNvSpPr>
+          <p:nvPr>
+            <p:ph type="title"/>
+          </p:nvPr>
+        </p:nvSpPr>
+        <p:spPr/>
+        <p:txBody>
+          <a:bodyPr/>
+          <a:lstStyle/>
+          <a:p>
+            <a:endParaRPr lang="hu-HU" dirty="0"/>
+          </a:p>
+        </p:txBody>
+      </p:sp>
+      <p:graphicFrame>
+        <p:nvGraphicFramePr>
+          <p:cNvPr id="4" name="Táblázat 4">
+            <a:extLst>
+              <a:ext uri="{FF2B5EF4-FFF2-40B4-BE49-F238E27FC236}">
+                <a16:creationId xmlns:a16="http://schemas.microsoft.com/office/drawing/2014/main" id="{85C29292-D5E6-E333-3732-40F4EA8EF5EA}"/>
+              </a:ext>
+            </a:extLst>
+          </p:cNvPr>
+          <p:cNvGraphicFramePr>
+            <a:graphicFrameLocks noGrp="1"/>
+          </p:cNvGraphicFramePr>
+          <p:nvPr>
+            <p:ph idx="1"/>
+            <p:extLst>
+              <p:ext uri="{D42A27DB-BD31-4B8C-83A1-F6EECF244321}">
+                <p14:modId xmlns:p14="http://schemas.microsoft.com/office/powerpoint/2010/main" val="2539991463"/>
+              </p:ext>
+            </p:extLst>
+          </p:nvPr>
+        </p:nvGraphicFramePr>
+        <p:xfrm>
+          <a:off x="838200" y="1825625"/>
+          <a:ext cx="10515600" cy="736600"/>
+        </p:xfrm>
+        <a:graphic>
+          <a:graphicData uri="http://schemas.openxmlformats.org/drawingml/2006/table">
+            <a:tbl>
+              <a:tblPr firstRow="1" bandRow="1">
+                <a:tableStyleId>{5C22544A-7EE6-4342-B048-85BDC9FD1C3A}</a:tableStyleId>
+              </a:tblPr>
+              <a:tblGrid>
+                <a:gridCol w="1752600">
+                  <a:extLst>
+                    <a:ext uri="{9D8B030D-6E8A-4147-A177-3AD203B41FA5}">
+                      <a16:colId xmlns:a16="http://schemas.microsoft.com/office/drawing/2014/main" val="3268532923"/>
+                    </a:ext>
+                  </a:extLst>
+                </a:gridCol>
+                <a:gridCol w="1752600">
+                  <a:extLst>
+                    <a:ext uri="{9D8B030D-6E8A-4147-A177-3AD203B41FA5}">
+                      <a16:colId xmlns:a16="http://schemas.microsoft.com/office/drawing/2014/main" val="1277737446"/>
+                    </a:ext>
+                  </a:extLst>
+                </a:gridCol>
+                <a:gridCol w="1752600">
+                  <a:extLst>
+                    <a:ext uri="{9D8B030D-6E8A-4147-A177-3AD203B41FA5}">
+                      <a16:colId xmlns:a16="http://schemas.microsoft.com/office/drawing/2014/main" val="1994821271"/>
+                    </a:ext>
+                  </a:extLst>
+                </a:gridCol>
+                <a:gridCol w="1752600">
+                  <a:extLst>
+                    <a:ext uri="{9D8B030D-6E8A-4147-A177-3AD203B41FA5}">
+                      <a16:colId xmlns:a16="http://schemas.microsoft.com/office/drawing/2014/main" val="2713812804"/>
+                    </a:ext>
+                  </a:extLst>
+                </a:gridCol>
+                <a:gridCol w="1752600">
+                  <a:extLst>
+                    <a:ext uri="{9D8B030D-6E8A-4147-A177-3AD203B41FA5}">
+                      <a16:colId xmlns:a16="http://schemas.microsoft.com/office/drawing/2014/main" val="3200399179"/>
+                    </a:ext>
+                  </a:extLst>
+                </a:gridCol>
+                <a:gridCol w="1752600">
+                  <a:extLst>
+                    <a:ext uri="{9D8B030D-6E8A-4147-A177-3AD203B41FA5}">
+                      <a16:colId xmlns:a16="http://schemas.microsoft.com/office/drawing/2014/main" val="612421441"/>
+                    </a:ext>
+                  </a:extLst>
+                </a:gridCol>
+              </a:tblGrid>
+              <a:tr h="363783">
+                <a:tc>
+                  <a:txBody>
+                    <a:bodyPr/>
+                    <a:lstStyle/>
+                    <a:p>
+                      <a:r>
+                        <a:rPr lang="hu-HU" dirty="0"/>
+                        <a:t>adat1</a:t>
+                      </a:r>
+                    </a:p>
+                  </a:txBody>
+                  <a:tcPr/>
+                </a:tc>
+                <a:tc>
+                  <a:txBody>
+                    <a:bodyPr/>
+                    <a:lstStyle/>
+                    <a:p>
+                      <a:r>
+                        <a:rPr lang="hu-HU" dirty="0"/>
+                        <a:t>adat2</a:t>
+                      </a:r>
+                    </a:p>
+                  </a:txBody>
+                  <a:tcPr/>
+                </a:tc>
+                <a:tc>
+                  <a:txBody>
+                    <a:bodyPr/>
+                    <a:lstStyle/>
+                    <a:p>
+                      <a:r>
+                        <a:rPr lang="hu-HU" dirty="0"/>
+                        <a:t>adat3</a:t>
+                      </a:r>
+                    </a:p>
+                  </a:txBody>
+                  <a:tcPr/>
+                </a:tc>
+                <a:tc>
+                  <a:txBody>
+                    <a:bodyPr/>
+                    <a:lstStyle/>
+                    <a:p>
+                      <a:r>
+                        <a:rPr lang="hu-HU" dirty="0"/>
+                        <a:t>adat1</a:t>
+                      </a:r>
+                    </a:p>
+                  </a:txBody>
+                  <a:tcPr/>
+                </a:tc>
+                <a:tc>
+                  <a:txBody>
+                    <a:bodyPr/>
+                    <a:lstStyle/>
+                    <a:p>
+                      <a:r>
+                        <a:rPr lang="hu-HU" dirty="0"/>
+                        <a:t>adat2</a:t>
+                      </a:r>
+                    </a:p>
+                  </a:txBody>
+                  <a:tcPr/>
+                </a:tc>
+                <a:tc>
+                  <a:txBody>
+                    <a:bodyPr/>
+                    <a:lstStyle/>
+                    <a:p>
+                      <a:r>
+                        <a:rPr lang="hu-HU" dirty="0"/>
+                        <a:t>adat3</a:t>
+                      </a:r>
+                    </a:p>
+                  </a:txBody>
+                  <a:tcPr/>
+                </a:tc>
+                <a:extLst>
+                  <a:ext uri="{0D108BD9-81ED-4DB2-BD59-A6C34878D82A}">
+                    <a16:rowId xmlns:a16="http://schemas.microsoft.com/office/drawing/2014/main" val="906128291"/>
+                  </a:ext>
+                </a:extLst>
+              </a:tr>
+              <a:tr h="370840">
+                <a:tc>
+                  <a:txBody>
+                    <a:bodyPr/>
+                    <a:lstStyle/>
+                    <a:p>
+                      <a:r>
+                        <a:rPr lang="hu-HU" dirty="0"/>
+                        <a:t>adat3</a:t>
+                      </a:r>
+                    </a:p>
+                  </a:txBody>
+                  <a:tcPr/>
+                </a:tc>
+                <a:tc>
+                  <a:txBody>
+                    <a:bodyPr/>
+                    <a:lstStyle/>
+                    <a:p>
+                      <a:r>
+                        <a:rPr lang="hu-HU" dirty="0"/>
+                        <a:t>adat1</a:t>
+                      </a:r>
+                    </a:p>
+                  </a:txBody>
+                  <a:tcPr/>
+                </a:tc>
+                <a:tc>
+                  <a:txBody>
+                    <a:bodyPr/>
+                    <a:lstStyle/>
+                    <a:p>
+                      <a:r>
+                        <a:rPr lang="hu-HU" dirty="0"/>
+                        <a:t>adat2</a:t>
+                      </a:r>
+                    </a:p>
+                  </a:txBody>
+                  <a:tcPr/>
+                </a:tc>
+                <a:tc>
+                  <a:txBody>
+                    <a:bodyPr/>
+                    <a:lstStyle/>
+                    <a:p>
+                      <a:r>
+                        <a:rPr lang="hu-HU" dirty="0"/>
+                        <a:t>adat3</a:t>
+                      </a:r>
+                    </a:p>
+                  </a:txBody>
+                  <a:tcPr/>
+                </a:tc>
+                <a:tc>
+                  <a:txBody>
+                    <a:bodyPr/>
+                    <a:lstStyle/>
+                    <a:p>
+                      <a:r>
+                        <a:rPr lang="hu-HU" dirty="0"/>
+                        <a:t>adat1</a:t>
+                      </a:r>
+                    </a:p>
+                  </a:txBody>
+                  <a:tcPr/>
+                </a:tc>
+                <a:tc>
+                  <a:txBody>
+                    <a:bodyPr/>
+                    <a:lstStyle/>
+                    <a:p>
+                      <a:r>
+                        <a:rPr lang="hu-HU" dirty="0"/>
+                        <a:t>adat2</a:t>
+                      </a:r>
+                    </a:p>
+                  </a:txBody>
+                  <a:tcPr/>
+                </a:tc>
+                <a:extLst>
+                  <a:ext uri="{0D108BD9-81ED-4DB2-BD59-A6C34878D82A}">
+                    <a16:rowId xmlns:a16="http://schemas.microsoft.com/office/drawing/2014/main" val="410332740"/>
+                  </a:ext>
+                </a:extLst>
+              </a:tr>
+            </a:tbl>
+          </a:graphicData>
+        </a:graphic>
+      </p:graphicFrame>
+      <p:graphicFrame>
+        <p:nvGraphicFramePr>
+          <p:cNvPr id="6" name="Diagram 5">
+            <a:extLst>
+              <a:ext uri="{FF2B5EF4-FFF2-40B4-BE49-F238E27FC236}">
+                <a16:creationId xmlns:a16="http://schemas.microsoft.com/office/drawing/2014/main" id="{B0E4A869-D5E4-EA6D-D512-DAB28CAC484B}"/>
+              </a:ext>
+            </a:extLst>
+          </p:cNvPr>
+          <p:cNvGraphicFramePr/>
+          <p:nvPr>
+            <p:extLst>
+              <p:ext uri="{D42A27DB-BD31-4B8C-83A1-F6EECF244321}">
+                <p14:modId xmlns:p14="http://schemas.microsoft.com/office/powerpoint/2010/main" val="1716488194"/>
+              </p:ext>
+            </p:extLst>
+          </p:nvPr>
+        </p:nvGraphicFramePr>
+        <p:xfrm>
+          <a:off x="3388663" y="3193458"/>
+          <a:ext cx="5162909" cy="3441940"/>
+        </p:xfrm>
+        <a:graphic>
+          <a:graphicData uri="http://schemas.openxmlformats.org/drawingml/2006/chart">
+            <c:chart xmlns:c="http://schemas.openxmlformats.org/drawingml/2006/chart" xmlns:r="http://schemas.openxmlformats.org/officeDocument/2006/relationships" r:id="rId2"/>
+          </a:graphicData>
+        </a:graphic>
+      </p:graphicFrame>
+    </p:spTree>
+    <p:extLst>
+      <p:ext uri="{BB962C8B-B14F-4D97-AF65-F5344CB8AC3E}">
+        <p14:creationId xmlns:p14="http://schemas.microsoft.com/office/powerpoint/2010/main" val="2046288900"/>
+      </p:ext>
+    </p:extLst>
+  </p:cSld>
+  <p:clrMapOvr>
+    <a:masterClrMapping/>
+  </p:clrMapOvr>
+</p:sld>
+</file>
+
+<file path=ppt/slides/slide5.xml><?xml version="1.0" encoding="utf-8"?>
+<p:sld xmlns:a="http://schemas.openxmlformats.org/drawingml/2006/main" xmlns:r="http://schemas.openxmlformats.org/officeDocument/2006/relationships" xmlns:p="http://schemas.openxmlformats.org/presentationml/2006/main">
+  <p:cSld>
+    <p:spTree>
+      <p:nvGrpSpPr>
+        <p:cNvPr id="1" name=""/>
+        <p:cNvGrpSpPr/>
+        <p:nvPr/>
+      </p:nvGrpSpPr>
+      <p:grpSpPr>
+        <a:xfrm>
+          <a:off x="0" y="0"/>
+          <a:ext cx="0" cy="0"/>
+          <a:chOff x="0" y="0"/>
+          <a:chExt cx="0" cy="0"/>
+        </a:xfrm>
+      </p:grpSpPr>
+      <p:sp>
+        <p:nvSpPr>
+          <p:cNvPr id="2" name="Cím 1">
+            <a:extLst>
+              <a:ext uri="{FF2B5EF4-FFF2-40B4-BE49-F238E27FC236}">
+                <a16:creationId xmlns:a16="http://schemas.microsoft.com/office/drawing/2014/main" id="{D8A944A1-097A-73C4-296F-8D62040CFACA}"/>
+              </a:ext>
+            </a:extLst>
+          </p:cNvPr>
+          <p:cNvSpPr>
+            <a:spLocks noGrp="1"/>
+          </p:cNvSpPr>
+          <p:nvPr>
+            <p:ph type="title"/>
+          </p:nvPr>
+        </p:nvSpPr>
+        <p:spPr/>
+        <p:txBody>
+          <a:bodyPr/>
+          <a:lstStyle/>
+          <a:p>
+            <a:endParaRPr lang="hu-HU"/>
+          </a:p>
+        </p:txBody>
+      </p:sp>
+      <p:graphicFrame>
+        <p:nvGraphicFramePr>
+          <p:cNvPr id="6" name="Tartalom helye 5">
+            <a:extLst>
+              <a:ext uri="{FF2B5EF4-FFF2-40B4-BE49-F238E27FC236}">
+                <a16:creationId xmlns:a16="http://schemas.microsoft.com/office/drawing/2014/main" id="{9A288A77-0EED-2378-F506-CDFD4D47B7A2}"/>
+              </a:ext>
+            </a:extLst>
+          </p:cNvPr>
+          <p:cNvGraphicFramePr>
+            <a:graphicFrameLocks noGrp="1"/>
+          </p:cNvGraphicFramePr>
+          <p:nvPr>
+            <p:ph idx="1"/>
+            <p:extLst>
+              <p:ext uri="{D42A27DB-BD31-4B8C-83A1-F6EECF244321}">
+                <p14:modId xmlns:p14="http://schemas.microsoft.com/office/powerpoint/2010/main" val="2237792720"/>
+              </p:ext>
+            </p:extLst>
+          </p:nvPr>
+        </p:nvGraphicFramePr>
+        <p:xfrm>
+          <a:off x="838200" y="1825625"/>
+          <a:ext cx="10515600" cy="4351338"/>
+        </p:xfrm>
+        <a:graphic>
+          <a:graphicData uri="http://schemas.openxmlformats.org/drawingml/2006/chart">
+            <c:chart xmlns:c="http://schemas.openxmlformats.org/drawingml/2006/chart" xmlns:r="http://schemas.openxmlformats.org/officeDocument/2006/relationships" r:id="rId2"/>
+          </a:graphicData>
+        </a:graphic>
+      </p:graphicFrame>
+    </p:spTree>
+    <p:extLst>
+      <p:ext uri="{BB962C8B-B14F-4D97-AF65-F5344CB8AC3E}">
+        <p14:creationId xmlns:p14="http://schemas.microsoft.com/office/powerpoint/2010/main" val="3886878056"/>
+      </p:ext>
+    </p:extLst>
+  </p:cSld>
+  <p:clrMapOvr>
+    <a:masterClrMapping/>
+  </p:clrMapOvr>
+</p:sld>
+</file>
+
+<file path=ppt/slides/slide6.xml><?xml version="1.0" encoding="utf-8"?>
+<p:sld xmlns:a="http://schemas.openxmlformats.org/drawingml/2006/main" xmlns:r="http://schemas.openxmlformats.org/officeDocument/2006/relationships" xmlns:p="http://schemas.openxmlformats.org/presentationml/2006/main">
+  <p:cSld>
+    <p:spTree>
+      <p:nvGrpSpPr>
+        <p:cNvPr id="1" name=""/>
+        <p:cNvGrpSpPr/>
+        <p:nvPr/>
+      </p:nvGrpSpPr>
+      <p:grpSpPr>
+        <a:xfrm>
+          <a:off x="0" y="0"/>
+          <a:ext cx="0" cy="0"/>
+          <a:chOff x="0" y="0"/>
+          <a:chExt cx="0" cy="0"/>
+        </a:xfrm>
+      </p:grpSpPr>
+      <p:sp>
+        <p:nvSpPr>
+          <p:cNvPr id="2" name="Cím 1">
+            <a:extLst>
+              <a:ext uri="{FF2B5EF4-FFF2-40B4-BE49-F238E27FC236}">
+                <a16:creationId xmlns:a16="http://schemas.microsoft.com/office/drawing/2014/main" id="{E05A67CB-C8B3-29BB-70E1-BA34CC31670A}"/>
+              </a:ext>
+            </a:extLst>
+          </p:cNvPr>
+          <p:cNvSpPr>
+            <a:spLocks noGrp="1"/>
+          </p:cNvSpPr>
+          <p:nvPr>
+            <p:ph type="title"/>
+          </p:nvPr>
+        </p:nvSpPr>
+        <p:spPr/>
+        <p:txBody>
+          <a:bodyPr/>
+          <a:lstStyle/>
+          <a:p>
+            <a:endParaRPr lang="hu-HU"/>
+          </a:p>
+        </p:txBody>
+      </p:sp>
+      <p:graphicFrame>
+        <p:nvGraphicFramePr>
+          <p:cNvPr id="6" name="Tartalom helye 5">
+            <a:extLst>
+              <a:ext uri="{FF2B5EF4-FFF2-40B4-BE49-F238E27FC236}">
+                <a16:creationId xmlns:a16="http://schemas.microsoft.com/office/drawing/2014/main" id="{EB179D11-5B67-BDFD-DA80-33B4146AC50A}"/>
+              </a:ext>
+            </a:extLst>
+          </p:cNvPr>
+          <p:cNvGraphicFramePr>
+            <a:graphicFrameLocks noGrp="1"/>
+          </p:cNvGraphicFramePr>
+          <p:nvPr>
+            <p:ph idx="1"/>
+            <p:extLst>
+              <p:ext uri="{D42A27DB-BD31-4B8C-83A1-F6EECF244321}">
+                <p14:modId xmlns:p14="http://schemas.microsoft.com/office/powerpoint/2010/main" val="1633066848"/>
+              </p:ext>
+            </p:extLst>
+          </p:nvPr>
+        </p:nvGraphicFramePr>
+        <p:xfrm>
+          <a:off x="838200" y="1825625"/>
+          <a:ext cx="10515600" cy="4351338"/>
+        </p:xfrm>
+        <a:graphic>
+          <a:graphicData uri="http://schemas.openxmlformats.org/drawingml/2006/chart">
+            <c:chart xmlns:c="http://schemas.openxmlformats.org/drawingml/2006/chart" xmlns:r="http://schemas.openxmlformats.org/officeDocument/2006/relationships" r:id="rId2"/>
+          </a:graphicData>
+        </a:graphic>
+      </p:graphicFrame>
+    </p:spTree>
+    <p:extLst>
+      <p:ext uri="{BB962C8B-B14F-4D97-AF65-F5344CB8AC3E}">
+        <p14:creationId xmlns:p14="http://schemas.microsoft.com/office/powerpoint/2010/main" val="2007923880"/>
+      </p:ext>
+    </p:extLst>
+  </p:cSld>
+  <p:clrMapOvr>
+    <a:masterClrMapping/>
+  </p:clrMapOvr>
+</p:sld>
+</file>
+
+<file path=ppt/slides/slide7.xml><?xml version="1.0" encoding="utf-8"?>
+<p:sld xmlns:a="http://schemas.openxmlformats.org/drawingml/2006/main" xmlns:r="http://schemas.openxmlformats.org/officeDocument/2006/relationships" xmlns:p="http://schemas.openxmlformats.org/presentationml/2006/main">
+  <p:cSld>
+    <p:spTree>
+      <p:nvGrpSpPr>
+        <p:cNvPr id="1" name=""/>
+        <p:cNvGrpSpPr/>
+        <p:nvPr/>
+      </p:nvGrpSpPr>
+      <p:grpSpPr>
+        <a:xfrm>
+          <a:off x="0" y="0"/>
+          <a:ext cx="0" cy="0"/>
+          <a:chOff x="0" y="0"/>
+          <a:chExt cx="0" cy="0"/>
+        </a:xfrm>
+      </p:grpSpPr>
+      <p:sp>
+        <p:nvSpPr>
+          <p:cNvPr id="2" name="Cím 1">
+            <a:extLst>
+              <a:ext uri="{FF2B5EF4-FFF2-40B4-BE49-F238E27FC236}">
+                <a16:creationId xmlns:a16="http://schemas.microsoft.com/office/drawing/2014/main" id="{95CE30D2-3BDA-4CC7-53F4-B9A619171C88}"/>
+              </a:ext>
+            </a:extLst>
+          </p:cNvPr>
+          <p:cNvSpPr>
+            <a:spLocks noGrp="1"/>
+          </p:cNvSpPr>
+          <p:nvPr>
+            <p:ph type="title"/>
+          </p:nvPr>
+        </p:nvSpPr>
+        <p:spPr/>
+        <p:txBody>
+          <a:bodyPr/>
+          <a:lstStyle/>
+          <a:p>
+            <a:endParaRPr lang="hu-HU"/>
+          </a:p>
+        </p:txBody>
+      </p:sp>
+      <p:graphicFrame>
+        <p:nvGraphicFramePr>
+          <p:cNvPr id="6" name="Tartalom helye 5">
+            <a:extLst>
+              <a:ext uri="{FF2B5EF4-FFF2-40B4-BE49-F238E27FC236}">
+                <a16:creationId xmlns:a16="http://schemas.microsoft.com/office/drawing/2014/main" id="{A13767A0-228A-D62E-1598-9E203225E808}"/>
+              </a:ext>
+            </a:extLst>
+          </p:cNvPr>
+          <p:cNvGraphicFramePr>
+            <a:graphicFrameLocks noGrp="1"/>
+          </p:cNvGraphicFramePr>
+          <p:nvPr>
+            <p:ph idx="1"/>
+            <p:extLst>
+              <p:ext uri="{D42A27DB-BD31-4B8C-83A1-F6EECF244321}">
+                <p14:modId xmlns:p14="http://schemas.microsoft.com/office/powerpoint/2010/main" val="111184776"/>
+              </p:ext>
+            </p:extLst>
+          </p:nvPr>
+        </p:nvGraphicFramePr>
+        <p:xfrm>
+          <a:off x="838200" y="1825625"/>
+          <a:ext cx="10515600" cy="4351338"/>
+        </p:xfrm>
+        <a:graphic>
+          <a:graphicData uri="http://schemas.openxmlformats.org/drawingml/2006/chart">
+            <c:chart xmlns:c="http://schemas.openxmlformats.org/drawingml/2006/chart" xmlns:r="http://schemas.openxmlformats.org/officeDocument/2006/relationships" r:id="rId2"/>
+          </a:graphicData>
+        </a:graphic>
+      </p:graphicFrame>
+    </p:spTree>
+    <p:extLst>
+      <p:ext uri="{BB962C8B-B14F-4D97-AF65-F5344CB8AC3E}">
+        <p14:creationId xmlns:p14="http://schemas.microsoft.com/office/powerpoint/2010/main" val="274506166"/>
+      </p:ext>
+    </p:extLst>
+  </p:cSld>
+  <p:clrMapOvr>
+    <a:masterClrMapping/>
+  </p:clrMapOvr>
+</p:sld>
+</file>
+
+<file path=ppt/slides/slide8.xml><?xml version="1.0" encoding="utf-8"?>
+<p:sld xmlns:a="http://schemas.openxmlformats.org/drawingml/2006/main" xmlns:r="http://schemas.openxmlformats.org/officeDocument/2006/relationships" xmlns:p="http://schemas.openxmlformats.org/presentationml/2006/main">
+  <p:cSld>
+    <p:spTree>
+      <p:nvGrpSpPr>
+        <p:cNvPr id="1" name=""/>
+        <p:cNvGrpSpPr/>
+        <p:nvPr/>
+      </p:nvGrpSpPr>
+      <p:grpSpPr>
+        <a:xfrm>
+          <a:off x="0" y="0"/>
+          <a:ext cx="0" cy="0"/>
+          <a:chOff x="0" y="0"/>
+          <a:chExt cx="0" cy="0"/>
+        </a:xfrm>
+      </p:grpSpPr>
+      <p:sp>
+        <p:nvSpPr>
+          <p:cNvPr id="2" name="Cím 1">
+            <a:extLst>
+              <a:ext uri="{FF2B5EF4-FFF2-40B4-BE49-F238E27FC236}">
+                <a16:creationId xmlns:a16="http://schemas.microsoft.com/office/drawing/2014/main" id="{E459F227-B4F5-1767-6072-99A4F91430CF}"/>
+              </a:ext>
+            </a:extLst>
+          </p:cNvPr>
+          <p:cNvSpPr>
+            <a:spLocks noGrp="1"/>
+          </p:cNvSpPr>
+          <p:nvPr>
+            <p:ph type="title"/>
+          </p:nvPr>
+        </p:nvSpPr>
+        <p:spPr/>
+        <p:txBody>
+          <a:bodyPr/>
+          <a:lstStyle/>
+          <a:p>
+            <a:endParaRPr lang="hu-HU"/>
+          </a:p>
+        </p:txBody>
+      </p:sp>
+      <p:graphicFrame>
+        <p:nvGraphicFramePr>
+          <p:cNvPr id="6" name="Tartalom helye 5">
+            <a:extLst>
+              <a:ext uri="{FF2B5EF4-FFF2-40B4-BE49-F238E27FC236}">
+                <a16:creationId xmlns:a16="http://schemas.microsoft.com/office/drawing/2014/main" id="{557BA676-BFC1-8904-8B15-F0115B31A26E}"/>
+              </a:ext>
+            </a:extLst>
+          </p:cNvPr>
+          <p:cNvGraphicFramePr>
+            <a:graphicFrameLocks noGrp="1"/>
+          </p:cNvGraphicFramePr>
+          <p:nvPr>
+            <p:ph idx="1"/>
+            <p:extLst>
+              <p:ext uri="{D42A27DB-BD31-4B8C-83A1-F6EECF244321}">
+                <p14:modId xmlns:p14="http://schemas.microsoft.com/office/powerpoint/2010/main" val="1130915523"/>
+              </p:ext>
+            </p:extLst>
+          </p:nvPr>
+        </p:nvGraphicFramePr>
+        <p:xfrm>
+          <a:off x="838200" y="1825625"/>
+          <a:ext cx="10515600" cy="4351338"/>
+        </p:xfrm>
+        <a:graphic>
+          <a:graphicData uri="http://schemas.openxmlformats.org/drawingml/2006/chart">
+            <c:chart xmlns:c="http://schemas.openxmlformats.org/drawingml/2006/chart" xmlns:r="http://schemas.openxmlformats.org/officeDocument/2006/relationships" r:id="rId2"/>
+          </a:graphicData>
+        </a:graphic>
+      </p:graphicFrame>
+    </p:spTree>
+    <p:extLst>
+      <p:ext uri="{BB962C8B-B14F-4D97-AF65-F5344CB8AC3E}">
+        <p14:creationId xmlns:p14="http://schemas.microsoft.com/office/powerpoint/2010/main" val="3939550975"/>
+      </p:ext>
+    </p:extLst>
+  </p:cSld>
+  <p:clrMapOvr>
+    <a:masterClrMapping/>
+  </p:clrMapOvr>
+</p:sld>
+</file>
+
+<file path=ppt/slides/slide9.xml><?xml version="1.0" encoding="utf-8"?>
+<p:sld xmlns:a="http://schemas.openxmlformats.org/drawingml/2006/main" xmlns:r="http://schemas.openxmlformats.org/officeDocument/2006/relationships" xmlns:p="http://schemas.openxmlformats.org/presentationml/2006/main">
+  <p:cSld>
+    <p:spTree>
+      <p:nvGrpSpPr>
+        <p:cNvPr id="1" name=""/>
+        <p:cNvGrpSpPr/>
+        <p:nvPr/>
+      </p:nvGrpSpPr>
+      <p:grpSpPr>
+        <a:xfrm>
+          <a:off x="0" y="0"/>
+          <a:ext cx="0" cy="0"/>
+          <a:chOff x="0" y="0"/>
+          <a:chExt cx="0" cy="0"/>
+        </a:xfrm>
+      </p:grpSpPr>
+      <p:sp>
+        <p:nvSpPr>
+          <p:cNvPr id="2" name="Cím 1">
+            <a:extLst>
+              <a:ext uri="{FF2B5EF4-FFF2-40B4-BE49-F238E27FC236}">
+                <a16:creationId xmlns:a16="http://schemas.microsoft.com/office/drawing/2014/main" id="{14709F7F-5C93-B2A9-2D17-EA6825CF7034}"/>
+              </a:ext>
+            </a:extLst>
+          </p:cNvPr>
+          <p:cNvSpPr>
+            <a:spLocks noGrp="1"/>
+          </p:cNvSpPr>
+          <p:nvPr>
+            <p:ph type="title"/>
+          </p:nvPr>
+        </p:nvSpPr>
+        <p:spPr/>
+        <p:txBody>
+          <a:bodyPr/>
+          <a:lstStyle/>
+          <a:p>
+            <a:endParaRPr lang="hu-HU"/>
+          </a:p>
+        </p:txBody>
+      </p:sp>
+      <mc:AlternateContent xmlns:mc="http://schemas.openxmlformats.org/markup-compatibility/2006" xmlns:cx1="http://schemas.microsoft.com/office/drawing/2015/9/8/chartex">
+        <mc:Choice Requires="cx1">
+          <p:graphicFrame>
+            <p:nvGraphicFramePr>
+              <p:cNvPr id="7" name="Tartalom helye 6">
+                <a:extLst>
+                  <a:ext uri="{FF2B5EF4-FFF2-40B4-BE49-F238E27FC236}">
+                    <a16:creationId xmlns:a16="http://schemas.microsoft.com/office/drawing/2014/main" id="{A8ABC5BB-29F4-FC1C-11F6-06D9FF9A595F}"/>
+                  </a:ext>
+                </a:extLst>
+              </p:cNvPr>
+              <p:cNvGraphicFramePr>
+                <a:graphicFrameLocks noGrp="1"/>
+              </p:cNvGraphicFramePr>
+              <p:nvPr>
+                <p:ph idx="1"/>
+              </p:nvPr>
+            </p:nvGraphicFramePr>
+            <p:xfrm>
+              <a:off x="838200" y="1825625"/>
+              <a:ext cx="10515600" cy="4351338"/>
+            </p:xfrm>
+            <a:graphic>
+              <a:graphicData uri="http://schemas.microsoft.com/office/drawing/2014/chartex">
+                <cx:chart xmlns:cx="http://schemas.microsoft.com/office/drawing/2014/chartex" xmlns:r="http://schemas.openxmlformats.org/officeDocument/2006/relationships" r:id="rId2"/>
+              </a:graphicData>
+            </a:graphic>
+          </p:graphicFrame>
+        </mc:Choice>
+        <mc:Fallback xmlns="">
+          <p:pic>
+            <p:nvPicPr>
+              <p:cNvPr id="7" name="Tartalom helye 6">
+                <a:extLst>
+                  <a:ext uri="{FF2B5EF4-FFF2-40B4-BE49-F238E27FC236}">
+                    <a16:creationId xmlns:a16="http://schemas.microsoft.com/office/drawing/2014/main" id="{A8ABC5BB-29F4-FC1C-11F6-06D9FF9A595F}"/>
+                  </a:ext>
+                </a:extLst>
+              </p:cNvPr>
+              <p:cNvPicPr>
+                <a:picLocks noGrp="1" noRot="1" noChangeAspect="1" noMove="1" noResize="1" noEditPoints="1" noAdjustHandles="1" noChangeArrowheads="1" noChangeShapeType="1"/>
+              </p:cNvPicPr>
+              <p:nvPr/>
+            </p:nvPicPr>
+            <p:blipFill>
+              <a:blip r:embed="rId3"/>
+              <a:stretch>
+                <a:fillRect/>
+              </a:stretch>
+            </p:blipFill>
+            <p:spPr>
+              <a:xfrm>
+                <a:off x="838200" y="1825625"/>
+                <a:ext cx="10515600" cy="4351338"/>
+              </a:xfrm>
+              <a:prstGeom prst="rect">
+                <a:avLst/>
+              </a:prstGeom>
+            </p:spPr>
+          </p:pic>
+        </mc:Fallback>
+      </mc:AlternateContent>
+    </p:spTree>
+    <p:extLst>
+      <p:ext uri="{BB962C8B-B14F-4D97-AF65-F5344CB8AC3E}">
+        <p14:creationId xmlns:p14="http://schemas.microsoft.com/office/powerpoint/2010/main" val="1244497308"/>
       </p:ext>
     </p:extLst>
   </p:cSld>
